--- a/Linum Labs Presentation_V2.pptx
+++ b/Linum Labs Presentation_V2.pptx
@@ -5,21 +5,23 @@
     <p:sldMasterId id="2147483648" r:id="rId1"/>
   </p:sldMasterIdLst>
   <p:notesMasterIdLst>
-    <p:notesMasterId r:id="rId14"/>
+    <p:notesMasterId r:id="rId16"/>
   </p:notesMasterIdLst>
   <p:sldIdLst>
     <p:sldId id="256" r:id="rId2"/>
-    <p:sldId id="257" r:id="rId3"/>
-    <p:sldId id="258" r:id="rId4"/>
-    <p:sldId id="259" r:id="rId5"/>
-    <p:sldId id="260" r:id="rId6"/>
+    <p:sldId id="274" r:id="rId3"/>
+    <p:sldId id="257" r:id="rId4"/>
+    <p:sldId id="275" r:id="rId5"/>
+    <p:sldId id="258" r:id="rId6"/>
     <p:sldId id="267" r:id="rId7"/>
-    <p:sldId id="261" r:id="rId8"/>
-    <p:sldId id="263" r:id="rId9"/>
-    <p:sldId id="264" r:id="rId10"/>
-    <p:sldId id="265" r:id="rId11"/>
-    <p:sldId id="271" r:id="rId12"/>
-    <p:sldId id="273" r:id="rId13"/>
+    <p:sldId id="259" r:id="rId8"/>
+    <p:sldId id="260" r:id="rId9"/>
+    <p:sldId id="261" r:id="rId10"/>
+    <p:sldId id="263" r:id="rId11"/>
+    <p:sldId id="264" r:id="rId12"/>
+    <p:sldId id="265" r:id="rId13"/>
+    <p:sldId id="273" r:id="rId14"/>
+    <p:sldId id="271" r:id="rId15"/>
   </p:sldIdLst>
   <p:sldSz cx="12192000" cy="6858000"/>
   <p:notesSz cx="6858000" cy="9144000"/>
@@ -780,7 +782,7 @@
           <a:p>
             <a:fld id="{644BB077-F03A-C744-9337-CDC257A2961C}" type="slidenum">
               <a:rPr lang="en-US" smtClean="0"/>
-              <a:t>2</a:t>
+              <a:t>3</a:t>
             </a:fld>
             <a:endParaRPr lang="en-US"/>
           </a:p>
@@ -867,7 +869,7 @@
           <a:p>
             <a:fld id="{644BB077-F03A-C744-9337-CDC257A2961C}" type="slidenum">
               <a:rPr lang="en-US" smtClean="0"/>
-              <a:t>3</a:t>
+              <a:t>5</a:t>
             </a:fld>
             <a:endParaRPr lang="en-US"/>
           </a:p>
@@ -1042,107 +1044,16 @@
           <a:p>
             <a:r>
               <a:rPr lang="en-US" dirty="0"/>
-              <a:t>Main challenges</a:t>
-            </a:r>
-          </a:p>
-          <a:p>
-            <a:endParaRPr lang="en-US" dirty="0"/>
+              <a:t>Funds Aid platform enables donors, governments and NGO’s to transfer, trace funds.</a:t>
+            </a:r>
           </a:p>
           <a:p>
             <a:r>
               <a:rPr lang="en-US" dirty="0"/>
-              <a:t>Can you explain the Registration process</a:t>
-            </a:r>
-          </a:p>
-          <a:p>
-            <a:endParaRPr lang="en-US" dirty="0"/>
-          </a:p>
-          <a:p>
-            <a:endParaRPr lang="en-US" dirty="0"/>
-          </a:p>
-          <a:p>
-            <a:endParaRPr lang="en-US" dirty="0"/>
-          </a:p>
-          <a:p>
-            <a:r>
-              <a:rPr lang="en-US" dirty="0"/>
-              <a:t>- Electricity </a:t>
-            </a:r>
-          </a:p>
-          <a:p>
-            <a:pPr marL="171450" indent="-171450">
-              <a:buFontTx/>
-              <a:buChar char="-"/>
-            </a:pPr>
-            <a:r>
-              <a:rPr lang="en-US" dirty="0"/>
-              <a:t>Connectivity</a:t>
-            </a:r>
-          </a:p>
-          <a:p>
-            <a:pPr marL="171450" indent="-171450">
-              <a:buFontTx/>
-              <a:buChar char="-"/>
-            </a:pPr>
-            <a:r>
-              <a:rPr lang="en-US" dirty="0"/>
-              <a:t>Store of value/ transactions</a:t>
-            </a:r>
-          </a:p>
-          <a:p>
-            <a:pPr marL="171450" indent="-171450">
-              <a:buFontTx/>
-              <a:buChar char="-"/>
-            </a:pPr>
-            <a:endParaRPr lang="en-US" dirty="0"/>
-          </a:p>
-          <a:p>
-            <a:pPr marL="171450" indent="-171450">
-              <a:buFontTx/>
-              <a:buChar char="-"/>
-            </a:pPr>
-            <a:r>
-              <a:rPr lang="en-US" dirty="0"/>
-              <a:t>Impact reports</a:t>
-            </a:r>
-          </a:p>
-          <a:p>
-            <a:pPr marL="628650" lvl="1" indent="-171450">
-              <a:buFontTx/>
-              <a:buChar char="-"/>
-            </a:pPr>
-            <a:r>
-              <a:rPr lang="en-US" dirty="0"/>
-              <a:t>Usage of distribution (registration of merchants to track the info - breakdown to </a:t>
-            </a:r>
-            <a:r>
-              <a:rPr lang="en-US" dirty="0" err="1"/>
-              <a:t>compents</a:t>
-            </a:r>
-            <a:r>
-              <a:rPr lang="en-US" dirty="0"/>
-              <a:t>)</a:t>
-            </a:r>
-          </a:p>
-          <a:p>
-            <a:pPr marL="628650" lvl="1" indent="-171450">
-              <a:buFontTx/>
-              <a:buChar char="-"/>
-            </a:pPr>
-            <a:r>
-              <a:rPr lang="en-US" dirty="0"/>
-              <a:t>Sub-wallet, control what they buy – incentives</a:t>
-            </a:r>
-          </a:p>
-          <a:p>
-            <a:pPr marL="628650" lvl="1" indent="-171450">
-              <a:buFontTx/>
-              <a:buChar char="-"/>
-            </a:pPr>
-            <a:r>
-              <a:rPr lang="en-US" dirty="0" err="1"/>
-              <a:t>ussd</a:t>
-            </a:r>
+              <a:t>We help donors understand areas where they are making an impact. </a:t>
+            </a:r>
+          </a:p>
+          <a:p>
             <a:endParaRPr lang="en-US" dirty="0"/>
           </a:p>
           <a:p>
@@ -1167,7 +1078,197 @@
           <a:p>
             <a:fld id="{644BB077-F03A-C744-9337-CDC257A2961C}" type="slidenum">
               <a:rPr lang="en-US" smtClean="0"/>
-              <a:t>7</a:t>
+              <a:t>8</a:t>
+            </a:fld>
+            <a:endParaRPr lang="en-US"/>
+          </a:p>
+        </p:txBody>
+      </p:sp>
+    </p:spTree>
+    <p:extLst>
+      <p:ext uri="{BB962C8B-B14F-4D97-AF65-F5344CB8AC3E}">
+        <p14:creationId xmlns:p14="http://schemas.microsoft.com/office/powerpoint/2010/main" val="3851563222"/>
+      </p:ext>
+    </p:extLst>
+  </p:cSld>
+  <p:clrMapOvr>
+    <a:masterClrMapping/>
+  </p:clrMapOvr>
+</p:notes>
+</file>
+
+<file path=ppt/notesSlides/notesSlide5.xml><?xml version="1.0" encoding="utf-8"?>
+<p:notes xmlns:a="http://schemas.openxmlformats.org/drawingml/2006/main" xmlns:r="http://schemas.openxmlformats.org/officeDocument/2006/relationships" xmlns:p="http://schemas.openxmlformats.org/presentationml/2006/main">
+  <p:cSld>
+    <p:spTree>
+      <p:nvGrpSpPr>
+        <p:cNvPr id="1" name=""/>
+        <p:cNvGrpSpPr/>
+        <p:nvPr/>
+      </p:nvGrpSpPr>
+      <p:grpSpPr>
+        <a:xfrm>
+          <a:off x="0" y="0"/>
+          <a:ext cx="0" cy="0"/>
+          <a:chOff x="0" y="0"/>
+          <a:chExt cx="0" cy="0"/>
+        </a:xfrm>
+      </p:grpSpPr>
+      <p:sp>
+        <p:nvSpPr>
+          <p:cNvPr id="2" name="Slide Image Placeholder 1"/>
+          <p:cNvSpPr>
+            <a:spLocks noGrp="1" noRot="1" noChangeAspect="1"/>
+          </p:cNvSpPr>
+          <p:nvPr>
+            <p:ph type="sldImg"/>
+          </p:nvPr>
+        </p:nvSpPr>
+        <p:spPr/>
+      </p:sp>
+      <p:sp>
+        <p:nvSpPr>
+          <p:cNvPr id="3" name="Notes Placeholder 2"/>
+          <p:cNvSpPr>
+            <a:spLocks noGrp="1"/>
+          </p:cNvSpPr>
+          <p:nvPr>
+            <p:ph type="body" idx="1"/>
+          </p:nvPr>
+        </p:nvSpPr>
+        <p:spPr/>
+        <p:txBody>
+          <a:bodyPr/>
+          <a:lstStyle/>
+          <a:p>
+            <a:r>
+              <a:rPr lang="en-US" dirty="0"/>
+              <a:t>Main challenges</a:t>
+            </a:r>
+          </a:p>
+          <a:p>
+            <a:endParaRPr lang="en-US" dirty="0"/>
+          </a:p>
+          <a:p>
+            <a:r>
+              <a:rPr lang="en-US" dirty="0"/>
+              <a:t>Can you explain the Registration process</a:t>
+            </a:r>
+          </a:p>
+          <a:p>
+            <a:endParaRPr lang="en-US" dirty="0"/>
+          </a:p>
+          <a:p>
+            <a:endParaRPr lang="en-US" dirty="0"/>
+          </a:p>
+          <a:p>
+            <a:endParaRPr lang="en-US" dirty="0"/>
+          </a:p>
+          <a:p>
+            <a:r>
+              <a:rPr lang="en-US" dirty="0"/>
+              <a:t>- Electricity </a:t>
+            </a:r>
+          </a:p>
+          <a:p>
+            <a:pPr marL="171450" indent="-171450">
+              <a:buFontTx/>
+              <a:buChar char="-"/>
+            </a:pPr>
+            <a:r>
+              <a:rPr lang="en-US" dirty="0"/>
+              <a:t>Connectivity</a:t>
+            </a:r>
+          </a:p>
+          <a:p>
+            <a:pPr marL="171450" indent="-171450">
+              <a:buFontTx/>
+              <a:buChar char="-"/>
+            </a:pPr>
+            <a:r>
+              <a:rPr lang="en-US" dirty="0"/>
+              <a:t>Store of value/ transactions</a:t>
+            </a:r>
+          </a:p>
+          <a:p>
+            <a:pPr marL="171450" indent="-171450">
+              <a:buFontTx/>
+              <a:buChar char="-"/>
+            </a:pPr>
+            <a:endParaRPr lang="en-US" dirty="0"/>
+          </a:p>
+          <a:p>
+            <a:pPr marL="171450" indent="-171450">
+              <a:buFontTx/>
+              <a:buChar char="-"/>
+            </a:pPr>
+            <a:r>
+              <a:rPr lang="en-US" dirty="0"/>
+              <a:t>Impact reports</a:t>
+            </a:r>
+          </a:p>
+          <a:p>
+            <a:pPr marL="628650" lvl="1" indent="-171450">
+              <a:buFontTx/>
+              <a:buChar char="-"/>
+            </a:pPr>
+            <a:r>
+              <a:rPr lang="en-US" dirty="0"/>
+              <a:t>Usage of distribution (registration of merchants to track the info - breakdown to </a:t>
+            </a:r>
+            <a:r>
+              <a:rPr lang="en-US" dirty="0" err="1"/>
+              <a:t>compents</a:t>
+            </a:r>
+            <a:r>
+              <a:rPr lang="en-US" dirty="0"/>
+              <a:t>)</a:t>
+            </a:r>
+          </a:p>
+          <a:p>
+            <a:pPr marL="628650" lvl="1" indent="-171450">
+              <a:buFontTx/>
+              <a:buChar char="-"/>
+            </a:pPr>
+            <a:r>
+              <a:rPr lang="en-US" dirty="0"/>
+              <a:t>Sub-wallet, control what they buy – incentives</a:t>
+            </a:r>
+          </a:p>
+          <a:p>
+            <a:pPr marL="628650" lvl="1" indent="-171450">
+              <a:buFontTx/>
+              <a:buChar char="-"/>
+            </a:pPr>
+            <a:r>
+              <a:rPr lang="en-US" dirty="0" err="1"/>
+              <a:t>ussd</a:t>
+            </a:r>
+            <a:endParaRPr lang="en-US" dirty="0"/>
+          </a:p>
+          <a:p>
+            <a:endParaRPr lang="en-US" dirty="0"/>
+          </a:p>
+        </p:txBody>
+      </p:sp>
+      <p:sp>
+        <p:nvSpPr>
+          <p:cNvPr id="4" name="Slide Number Placeholder 3"/>
+          <p:cNvSpPr>
+            <a:spLocks noGrp="1"/>
+          </p:cNvSpPr>
+          <p:nvPr>
+            <p:ph type="sldNum" sz="quarter" idx="10"/>
+          </p:nvPr>
+        </p:nvSpPr>
+        <p:spPr/>
+        <p:txBody>
+          <a:bodyPr/>
+          <a:lstStyle/>
+          <a:p>
+            <a:fld id="{644BB077-F03A-C744-9337-CDC257A2961C}" type="slidenum">
+              <a:rPr lang="en-US" smtClean="0"/>
+              <a:t>9</a:t>
             </a:fld>
             <a:endParaRPr lang="en-US"/>
           </a:p>
@@ -4410,10 +4511,10 @@
       </p:grpSpPr>
       <p:pic>
         <p:nvPicPr>
-          <p:cNvPr id="6" name="Picture 5">
-            <a:extLst>
-              <a:ext uri="{FF2B5EF4-FFF2-40B4-BE49-F238E27FC236}">
-                <a16:creationId xmlns:a16="http://schemas.microsoft.com/office/drawing/2014/main" id="{218C9BC5-EC51-9641-8B9E-32A540A75082}"/>
+          <p:cNvPr id="11" name="Picture 10">
+            <a:extLst>
+              <a:ext uri="{FF2B5EF4-FFF2-40B4-BE49-F238E27FC236}">
+                <a16:creationId xmlns:a16="http://schemas.microsoft.com/office/drawing/2014/main" id="{E2840595-CFC7-7C42-AE29-861DD40322C2}"/>
               </a:ext>
             </a:extLst>
           </p:cNvPr>
@@ -4436,8 +4537,8 @@
         </p:blipFill>
         <p:spPr>
           <a:xfrm>
-            <a:off x="2623931" y="0"/>
-            <a:ext cx="6864626" cy="6864626"/>
+            <a:off x="3781011" y="920954"/>
+            <a:ext cx="4762500" cy="4762500"/>
           </a:xfrm>
           <a:prstGeom prst="rect">
             <a:avLst/>
@@ -4505,6 +4606,14 @@
 <file path=ppt/slides/slide10.xml><?xml version="1.0" encoding="utf-8"?>
 <p:sld xmlns:a="http://schemas.openxmlformats.org/drawingml/2006/main" xmlns:r="http://schemas.openxmlformats.org/officeDocument/2006/relationships" xmlns:p="http://schemas.openxmlformats.org/presentationml/2006/main">
   <p:cSld>
+    <p:bg>
+      <p:bgPr>
+        <a:solidFill>
+          <a:srgbClr val="FEEB4F"/>
+        </a:solidFill>
+        <a:effectLst/>
+      </p:bgPr>
+    </p:bg>
     <p:spTree>
       <p:nvGrpSpPr>
         <p:cNvPr id="1" name=""/>
@@ -4551,23 +4660,612 @@
             <a:r>
               <a:rPr lang="en-US" sz="2800" b="1" dirty="0">
                 <a:solidFill>
-                  <a:srgbClr val="4472C4">
+                  <a:schemeClr val="bg1">
                     <a:lumMod val="50000"/>
-                  </a:srgbClr>
+                  </a:schemeClr>
                 </a:solidFill>
                 <a:latin typeface="Avenir Next" charset="0"/>
                 <a:ea typeface="Avenir Next" charset="0"/>
                 <a:cs typeface="Avenir Next" charset="0"/>
               </a:rPr>
-              <a:t>Our Team</a:t>
-            </a:r>
+              <a:t>Customer acquisition strategy</a:t>
+            </a:r>
+          </a:p>
+        </p:txBody>
+      </p:sp>
+      <p:sp>
+        <p:nvSpPr>
+          <p:cNvPr id="12" name="Rectangle 11">
+            <a:extLst>
+              <a:ext uri="{FF2B5EF4-FFF2-40B4-BE49-F238E27FC236}">
+                <a16:creationId xmlns:a16="http://schemas.microsoft.com/office/drawing/2014/main" id="{59608B13-838B-264E-ACCB-F62272B65938}"/>
+              </a:ext>
+            </a:extLst>
+          </p:cNvPr>
+          <p:cNvSpPr/>
+          <p:nvPr/>
+        </p:nvSpPr>
+        <p:spPr>
+          <a:xfrm>
+            <a:off x="4295541" y="2380013"/>
+            <a:ext cx="2112596" cy="954107"/>
+          </a:xfrm>
+          <a:prstGeom prst="rect">
+            <a:avLst/>
+          </a:prstGeom>
+          <a:solidFill>
+            <a:srgbClr val="FFC000"/>
+          </a:solidFill>
+        </p:spPr>
+        <p:txBody>
+          <a:bodyPr wrap="square">
+            <a:spAutoFit/>
+          </a:bodyPr>
+          <a:lstStyle/>
+          <a:p>
+            <a:pPr marL="90488" lvl="1" indent="44450" algn="ctr">
+              <a:tabLst/>
+            </a:pPr>
+            <a:endParaRPr lang="en-US" sz="1400" b="1" dirty="0">
+              <a:solidFill>
+                <a:schemeClr val="bg1"/>
+              </a:solidFill>
+              <a:latin typeface="Avenir Next" panose="020B0503020202020204" pitchFamily="34" charset="0"/>
+              <a:ea typeface="Avenir Next" charset="0"/>
+              <a:cs typeface="Avenir Next" charset="0"/>
+            </a:endParaRPr>
+          </a:p>
+          <a:p>
+            <a:pPr marL="90488" lvl="1" indent="44450" algn="ctr">
+              <a:tabLst/>
+            </a:pPr>
+            <a:r>
+              <a:rPr lang="en-US" sz="1400" b="1" dirty="0">
+                <a:solidFill>
+                  <a:schemeClr val="bg1"/>
+                </a:solidFill>
+                <a:latin typeface="Avenir Next" panose="020B0503020202020204" pitchFamily="34" charset="0"/>
+                <a:ea typeface="Avenir Next" charset="0"/>
+                <a:cs typeface="Avenir Next" charset="0"/>
+              </a:rPr>
+              <a:t>PARTNERSHIPS WITH FINANCIAL INSTITUTIONS</a:t>
+            </a:r>
+            <a:endParaRPr lang="en-US" sz="1400" b="1" baseline="0" dirty="0">
+              <a:solidFill>
+                <a:schemeClr val="bg1"/>
+              </a:solidFill>
+              <a:latin typeface="Avenir Next" panose="020B0503020202020204" pitchFamily="34" charset="0"/>
+              <a:ea typeface="Avenir Next" charset="0"/>
+              <a:cs typeface="Avenir Next" charset="0"/>
+            </a:endParaRPr>
+          </a:p>
+        </p:txBody>
+      </p:sp>
+      <p:sp>
+        <p:nvSpPr>
+          <p:cNvPr id="13" name="Rectangle 12">
+            <a:extLst>
+              <a:ext uri="{FF2B5EF4-FFF2-40B4-BE49-F238E27FC236}">
+                <a16:creationId xmlns:a16="http://schemas.microsoft.com/office/drawing/2014/main" id="{D3B8AB4F-E66D-5446-848D-7BBDC7A2F9C9}"/>
+              </a:ext>
+            </a:extLst>
+          </p:cNvPr>
+          <p:cNvSpPr/>
+          <p:nvPr/>
+        </p:nvSpPr>
+        <p:spPr>
+          <a:xfrm>
+            <a:off x="4295540" y="3407946"/>
+            <a:ext cx="2112597" cy="1754326"/>
+          </a:xfrm>
+          <a:prstGeom prst="rect">
+            <a:avLst/>
+          </a:prstGeom>
+          <a:solidFill>
+            <a:schemeClr val="bg1">
+              <a:lumMod val="95000"/>
+            </a:schemeClr>
+          </a:solidFill>
+        </p:spPr>
+        <p:txBody>
+          <a:bodyPr wrap="square">
+            <a:spAutoFit/>
+          </a:bodyPr>
+          <a:lstStyle/>
+          <a:p>
+            <a:pPr marL="90488" lvl="1" indent="44450" algn="ctr">
+              <a:tabLst/>
+            </a:pPr>
+            <a:endParaRPr lang="en-US" sz="1200" dirty="0">
+              <a:latin typeface="Avenir Next" panose="020B0503020202020204" pitchFamily="34" charset="0"/>
+              <a:ea typeface="Avenir Next" charset="0"/>
+              <a:cs typeface="Avenir Next" charset="0"/>
+            </a:endParaRPr>
+          </a:p>
+          <a:p>
+            <a:pPr marL="376238" lvl="1" indent="-285750">
+              <a:buFont typeface="Arial" panose="020B0604020202020204" pitchFamily="34" charset="0"/>
+              <a:buChar char="•"/>
+              <a:tabLst/>
+            </a:pPr>
+            <a:r>
+              <a:rPr lang="en-US" sz="1200" dirty="0">
+                <a:latin typeface="Avenir Next" panose="020B0503020202020204" pitchFamily="34" charset="0"/>
+                <a:ea typeface="Avenir Next" charset="0"/>
+                <a:cs typeface="Avenir Next" charset="0"/>
+              </a:rPr>
+              <a:t>Foster relationship with reputable international partner banks that are preferred bankers of donors (</a:t>
+            </a:r>
+            <a:r>
+              <a:rPr lang="en-US" sz="1200" dirty="0" err="1">
+                <a:latin typeface="Avenir Next" panose="020B0503020202020204" pitchFamily="34" charset="0"/>
+                <a:ea typeface="Avenir Next" charset="0"/>
+                <a:cs typeface="Avenir Next" charset="0"/>
+              </a:rPr>
+              <a:t>Stanchart</a:t>
+            </a:r>
+            <a:r>
+              <a:rPr lang="en-US" sz="1200" dirty="0">
+                <a:latin typeface="Avenir Next" panose="020B0503020202020204" pitchFamily="34" charset="0"/>
+                <a:ea typeface="Avenir Next" charset="0"/>
+                <a:cs typeface="Avenir Next" charset="0"/>
+              </a:rPr>
+              <a:t>, Barclays)</a:t>
+            </a:r>
+          </a:p>
+          <a:p>
+            <a:pPr marL="376238" lvl="1" indent="-285750">
+              <a:buFont typeface="Arial" panose="020B0604020202020204" pitchFamily="34" charset="0"/>
+              <a:buChar char="•"/>
+              <a:tabLst/>
+            </a:pPr>
+            <a:endParaRPr lang="en-US" sz="1200" dirty="0">
+              <a:latin typeface="Avenir Next" panose="020B0503020202020204" pitchFamily="34" charset="0"/>
+              <a:ea typeface="Avenir Next" charset="0"/>
+              <a:cs typeface="Avenir Next" charset="0"/>
+            </a:endParaRPr>
+          </a:p>
+        </p:txBody>
+      </p:sp>
+      <p:sp>
+        <p:nvSpPr>
+          <p:cNvPr id="14" name="Rectangle 13">
+            <a:extLst>
+              <a:ext uri="{FF2B5EF4-FFF2-40B4-BE49-F238E27FC236}">
+                <a16:creationId xmlns:a16="http://schemas.microsoft.com/office/drawing/2014/main" id="{14B18659-1682-FC48-A98F-CF3BA3E1FD08}"/>
+              </a:ext>
+            </a:extLst>
+          </p:cNvPr>
+          <p:cNvSpPr/>
+          <p:nvPr/>
+        </p:nvSpPr>
+        <p:spPr>
+          <a:xfrm>
+            <a:off x="6923698" y="2380013"/>
+            <a:ext cx="2112596" cy="954107"/>
+          </a:xfrm>
+          <a:prstGeom prst="rect">
+            <a:avLst/>
+          </a:prstGeom>
+          <a:solidFill>
+            <a:srgbClr val="FFC000"/>
+          </a:solidFill>
+        </p:spPr>
+        <p:txBody>
+          <a:bodyPr wrap="square">
+            <a:spAutoFit/>
+          </a:bodyPr>
+          <a:lstStyle/>
+          <a:p>
+            <a:pPr marL="90488" lvl="1" indent="44450" algn="ctr">
+              <a:tabLst/>
+            </a:pPr>
+            <a:r>
+              <a:rPr lang="en-US" sz="1400" b="1" dirty="0">
+                <a:solidFill>
+                  <a:schemeClr val="bg1"/>
+                </a:solidFill>
+                <a:latin typeface="Avenir Next" panose="020B0503020202020204" pitchFamily="34" charset="0"/>
+                <a:ea typeface="Avenir Next" charset="0"/>
+                <a:cs typeface="Avenir Next" charset="0"/>
+              </a:rPr>
+              <a:t>STRATEGIC WORKSHOPS AT DONOR CONFERENCES</a:t>
+            </a:r>
+            <a:endParaRPr lang="en-US" sz="1400" b="1" baseline="0" dirty="0">
+              <a:solidFill>
+                <a:schemeClr val="bg1"/>
+              </a:solidFill>
+              <a:latin typeface="Avenir Next" panose="020B0503020202020204" pitchFamily="34" charset="0"/>
+              <a:ea typeface="Avenir Next" charset="0"/>
+              <a:cs typeface="Avenir Next" charset="0"/>
+            </a:endParaRPr>
+          </a:p>
+        </p:txBody>
+      </p:sp>
+      <p:sp>
+        <p:nvSpPr>
+          <p:cNvPr id="15" name="Rectangle 14">
+            <a:extLst>
+              <a:ext uri="{FF2B5EF4-FFF2-40B4-BE49-F238E27FC236}">
+                <a16:creationId xmlns:a16="http://schemas.microsoft.com/office/drawing/2014/main" id="{43422907-9310-F942-83B0-09E1D79D6063}"/>
+              </a:ext>
+            </a:extLst>
+          </p:cNvPr>
+          <p:cNvSpPr/>
+          <p:nvPr/>
+        </p:nvSpPr>
+        <p:spPr>
+          <a:xfrm>
+            <a:off x="6923697" y="3395002"/>
+            <a:ext cx="2112597" cy="1754326"/>
+          </a:xfrm>
+          <a:prstGeom prst="rect">
+            <a:avLst/>
+          </a:prstGeom>
+          <a:solidFill>
+            <a:schemeClr val="bg1">
+              <a:lumMod val="95000"/>
+            </a:schemeClr>
+          </a:solidFill>
+        </p:spPr>
+        <p:txBody>
+          <a:bodyPr wrap="square">
+            <a:spAutoFit/>
+          </a:bodyPr>
+          <a:lstStyle/>
+          <a:p>
+            <a:pPr marL="90488" lvl="1" indent="44450" algn="ctr">
+              <a:tabLst/>
+            </a:pPr>
+            <a:endParaRPr lang="en-US" sz="1200" dirty="0">
+              <a:latin typeface="Avenir Next" panose="020B0503020202020204" pitchFamily="34" charset="0"/>
+              <a:ea typeface="Avenir Next" charset="0"/>
+              <a:cs typeface="Avenir Next" charset="0"/>
+            </a:endParaRPr>
+          </a:p>
+          <a:p>
+            <a:pPr marL="376238" lvl="1" indent="-285750">
+              <a:buFont typeface="Arial" panose="020B0604020202020204" pitchFamily="34" charset="0"/>
+              <a:buChar char="•"/>
+              <a:tabLst/>
+            </a:pPr>
+            <a:r>
+              <a:rPr lang="en-US" sz="1200" dirty="0">
+                <a:latin typeface="Avenir Next" panose="020B0503020202020204" pitchFamily="34" charset="0"/>
+                <a:ea typeface="Avenir Next" charset="0"/>
+                <a:cs typeface="Avenir Next" charset="0"/>
+              </a:rPr>
+              <a:t>Exhibit product at local and global conferences such as UN aid conference.</a:t>
+            </a:r>
+          </a:p>
+          <a:p>
+            <a:pPr marL="376238" lvl="1" indent="-285750">
+              <a:buFont typeface="Arial" panose="020B0604020202020204" pitchFamily="34" charset="0"/>
+              <a:buChar char="•"/>
+              <a:tabLst/>
+            </a:pPr>
+            <a:r>
+              <a:rPr lang="en-US" sz="1200" dirty="0">
+                <a:latin typeface="Avenir Next" panose="020B0503020202020204" pitchFamily="34" charset="0"/>
+                <a:ea typeface="Avenir Next" charset="0"/>
+                <a:cs typeface="Avenir Next" charset="0"/>
+              </a:rPr>
+              <a:t>Create a workshop and invite donors participate in awareness.</a:t>
+            </a:r>
+          </a:p>
+        </p:txBody>
+      </p:sp>
+      <p:sp>
+        <p:nvSpPr>
+          <p:cNvPr id="18" name="Rectangle 17">
+            <a:extLst>
+              <a:ext uri="{FF2B5EF4-FFF2-40B4-BE49-F238E27FC236}">
+                <a16:creationId xmlns:a16="http://schemas.microsoft.com/office/drawing/2014/main" id="{705F86E2-704A-F542-9003-E2942BEAE1FC}"/>
+              </a:ext>
+            </a:extLst>
+          </p:cNvPr>
+          <p:cNvSpPr/>
+          <p:nvPr/>
+        </p:nvSpPr>
+        <p:spPr>
+          <a:xfrm>
+            <a:off x="9551855" y="2380012"/>
+            <a:ext cx="2112596" cy="954107"/>
+          </a:xfrm>
+          <a:prstGeom prst="rect">
+            <a:avLst/>
+          </a:prstGeom>
+          <a:solidFill>
+            <a:srgbClr val="FFC000"/>
+          </a:solidFill>
+        </p:spPr>
+        <p:txBody>
+          <a:bodyPr wrap="square">
+            <a:spAutoFit/>
+          </a:bodyPr>
+          <a:lstStyle/>
+          <a:p>
+            <a:pPr marL="90488" lvl="1" indent="44450" algn="ctr">
+              <a:tabLst/>
+            </a:pPr>
+            <a:endParaRPr lang="en-US" sz="1400" b="1" dirty="0">
+              <a:solidFill>
+                <a:schemeClr val="bg1"/>
+              </a:solidFill>
+              <a:latin typeface="Avenir Next" panose="020B0503020202020204" pitchFamily="34" charset="0"/>
+              <a:ea typeface="Avenir Next" charset="0"/>
+              <a:cs typeface="Avenir Next" charset="0"/>
+            </a:endParaRPr>
+          </a:p>
+          <a:p>
+            <a:pPr marL="90488" lvl="1" indent="44450" algn="ctr">
+              <a:tabLst/>
+            </a:pPr>
+            <a:r>
+              <a:rPr lang="en-US" sz="1400" b="1" dirty="0">
+                <a:solidFill>
+                  <a:schemeClr val="bg1"/>
+                </a:solidFill>
+                <a:latin typeface="Avenir Next" panose="020B0503020202020204" pitchFamily="34" charset="0"/>
+                <a:ea typeface="Avenir Next" charset="0"/>
+                <a:cs typeface="Avenir Next" charset="0"/>
+              </a:rPr>
+              <a:t>CONTENT CREATION</a:t>
+            </a:r>
+          </a:p>
+          <a:p>
+            <a:pPr marL="90488" lvl="1" indent="44450" algn="ctr">
+              <a:tabLst/>
+            </a:pPr>
+            <a:endParaRPr lang="en-US" sz="1400" b="1" baseline="0" dirty="0">
+              <a:solidFill>
+                <a:schemeClr val="bg1"/>
+              </a:solidFill>
+              <a:latin typeface="Avenir Next" panose="020B0503020202020204" pitchFamily="34" charset="0"/>
+              <a:ea typeface="Avenir Next" charset="0"/>
+              <a:cs typeface="Avenir Next" charset="0"/>
+            </a:endParaRPr>
+          </a:p>
+        </p:txBody>
+      </p:sp>
+      <p:sp>
+        <p:nvSpPr>
+          <p:cNvPr id="19" name="Rectangle 18">
+            <a:extLst>
+              <a:ext uri="{FF2B5EF4-FFF2-40B4-BE49-F238E27FC236}">
+                <a16:creationId xmlns:a16="http://schemas.microsoft.com/office/drawing/2014/main" id="{688F1759-67D9-B24A-8902-AB6DF6957BA8}"/>
+              </a:ext>
+            </a:extLst>
+          </p:cNvPr>
+          <p:cNvSpPr/>
+          <p:nvPr/>
+        </p:nvSpPr>
+        <p:spPr>
+          <a:xfrm>
+            <a:off x="9551854" y="3407946"/>
+            <a:ext cx="2112597" cy="1754326"/>
+          </a:xfrm>
+          <a:prstGeom prst="rect">
+            <a:avLst/>
+          </a:prstGeom>
+          <a:solidFill>
+            <a:schemeClr val="bg1">
+              <a:lumMod val="95000"/>
+            </a:schemeClr>
+          </a:solidFill>
+        </p:spPr>
+        <p:txBody>
+          <a:bodyPr wrap="square">
+            <a:spAutoFit/>
+          </a:bodyPr>
+          <a:lstStyle/>
+          <a:p>
+            <a:pPr marL="90488" lvl="1" indent="44450" algn="ctr">
+              <a:tabLst/>
+            </a:pPr>
+            <a:endParaRPr lang="en-US" sz="1200" dirty="0">
+              <a:latin typeface="Avenir Next" panose="020B0503020202020204" pitchFamily="34" charset="0"/>
+              <a:ea typeface="Avenir Next" charset="0"/>
+              <a:cs typeface="Avenir Next" charset="0"/>
+            </a:endParaRPr>
+          </a:p>
+          <a:p>
+            <a:pPr marL="376238" lvl="1" indent="-285750">
+              <a:buFont typeface="Arial" panose="020B0604020202020204" pitchFamily="34" charset="0"/>
+              <a:buChar char="•"/>
+              <a:tabLst/>
+            </a:pPr>
+            <a:r>
+              <a:rPr lang="en-US" sz="1200" dirty="0">
+                <a:latin typeface="Avenir Next" panose="020B0503020202020204" pitchFamily="34" charset="0"/>
+                <a:ea typeface="Avenir Next" charset="0"/>
+                <a:cs typeface="Avenir Next" charset="0"/>
+              </a:rPr>
+              <a:t>Create marketing content, e.g. explainer video, infographics and distribute through social media.</a:t>
+            </a:r>
+          </a:p>
+          <a:p>
+            <a:pPr marL="376238" lvl="1" indent="-285750">
+              <a:buFont typeface="Arial" panose="020B0604020202020204" pitchFamily="34" charset="0"/>
+              <a:buChar char="•"/>
+              <a:tabLst/>
+            </a:pPr>
+            <a:r>
+              <a:rPr lang="en-US" sz="1200" dirty="0">
+                <a:latin typeface="Avenir Next" panose="020B0503020202020204" pitchFamily="34" charset="0"/>
+                <a:ea typeface="Avenir Next" charset="0"/>
+                <a:cs typeface="Avenir Next" charset="0"/>
+              </a:rPr>
+              <a:t>Advertise on platforms such as </a:t>
+            </a:r>
+            <a:r>
+              <a:rPr lang="en-US" sz="1200" dirty="0" err="1">
+                <a:latin typeface="Avenir Next" panose="020B0503020202020204" pitchFamily="34" charset="0"/>
+                <a:ea typeface="Avenir Next" charset="0"/>
+                <a:cs typeface="Avenir Next" charset="0"/>
+              </a:rPr>
+              <a:t>Devnet</a:t>
+            </a:r>
+            <a:r>
+              <a:rPr lang="en-US" sz="1200" dirty="0">
+                <a:latin typeface="Avenir Next" panose="020B0503020202020204" pitchFamily="34" charset="0"/>
+                <a:ea typeface="Avenir Next" charset="0"/>
+                <a:cs typeface="Avenir Next" charset="0"/>
+              </a:rPr>
+              <a:t>.</a:t>
+            </a:r>
+          </a:p>
+        </p:txBody>
+      </p:sp>
+      <p:sp>
+        <p:nvSpPr>
+          <p:cNvPr id="20" name="Rectangle 19">
+            <a:extLst>
+              <a:ext uri="{FF2B5EF4-FFF2-40B4-BE49-F238E27FC236}">
+                <a16:creationId xmlns:a16="http://schemas.microsoft.com/office/drawing/2014/main" id="{B647FBD8-7336-504D-A3F5-1E621AB92502}"/>
+              </a:ext>
+            </a:extLst>
+          </p:cNvPr>
+          <p:cNvSpPr/>
+          <p:nvPr/>
+        </p:nvSpPr>
+        <p:spPr>
+          <a:xfrm>
+            <a:off x="1667384" y="2380013"/>
+            <a:ext cx="2112596" cy="954107"/>
+          </a:xfrm>
+          <a:prstGeom prst="rect">
+            <a:avLst/>
+          </a:prstGeom>
+          <a:solidFill>
+            <a:srgbClr val="FFC000"/>
+          </a:solidFill>
+        </p:spPr>
+        <p:txBody>
+          <a:bodyPr wrap="square">
+            <a:spAutoFit/>
+          </a:bodyPr>
+          <a:lstStyle/>
+          <a:p>
+            <a:pPr marL="90488" lvl="1" indent="44450" algn="ctr">
+              <a:tabLst/>
+            </a:pPr>
+            <a:endParaRPr lang="en-US" sz="1400" b="1" baseline="0" dirty="0">
+              <a:solidFill>
+                <a:schemeClr val="bg1"/>
+              </a:solidFill>
+              <a:latin typeface="Avenir Next" panose="020B0503020202020204" pitchFamily="34" charset="0"/>
+              <a:ea typeface="Avenir Next" charset="0"/>
+              <a:cs typeface="Avenir Next" charset="0"/>
+            </a:endParaRPr>
+          </a:p>
+          <a:p>
+            <a:pPr marL="90488" lvl="1" indent="44450" algn="ctr">
+              <a:tabLst/>
+            </a:pPr>
+            <a:r>
+              <a:rPr lang="en-US" sz="1400" b="1" baseline="0" dirty="0">
+                <a:solidFill>
+                  <a:schemeClr val="bg1"/>
+                </a:solidFill>
+                <a:latin typeface="Avenir Next" panose="020B0503020202020204" pitchFamily="34" charset="0"/>
+                <a:ea typeface="Avenir Next" charset="0"/>
+                <a:cs typeface="Avenir Next" charset="0"/>
+              </a:rPr>
+              <a:t>DIRECT BUSINESS ENGAGEMENT (COLD CALLING)</a:t>
+            </a:r>
+          </a:p>
+        </p:txBody>
+      </p:sp>
+      <p:sp>
+        <p:nvSpPr>
+          <p:cNvPr id="21" name="Rectangle 20">
+            <a:extLst>
+              <a:ext uri="{FF2B5EF4-FFF2-40B4-BE49-F238E27FC236}">
+                <a16:creationId xmlns:a16="http://schemas.microsoft.com/office/drawing/2014/main" id="{1B5BD36F-C706-B14C-938D-5B52C52901DA}"/>
+              </a:ext>
+            </a:extLst>
+          </p:cNvPr>
+          <p:cNvSpPr/>
+          <p:nvPr/>
+        </p:nvSpPr>
+        <p:spPr>
+          <a:xfrm>
+            <a:off x="1667383" y="3395002"/>
+            <a:ext cx="2112597" cy="1754326"/>
+          </a:xfrm>
+          <a:prstGeom prst="rect">
+            <a:avLst/>
+          </a:prstGeom>
+          <a:solidFill>
+            <a:schemeClr val="bg1">
+              <a:lumMod val="95000"/>
+            </a:schemeClr>
+          </a:solidFill>
+        </p:spPr>
+        <p:txBody>
+          <a:bodyPr wrap="square">
+            <a:spAutoFit/>
+          </a:bodyPr>
+          <a:lstStyle/>
+          <a:p>
+            <a:pPr marL="90488" lvl="1" indent="44450" algn="ctr">
+              <a:tabLst/>
+            </a:pPr>
+            <a:endParaRPr lang="en-US" sz="1200" dirty="0">
+              <a:latin typeface="Avenir Next" panose="020B0503020202020204" pitchFamily="34" charset="0"/>
+              <a:ea typeface="Avenir Next" charset="0"/>
+              <a:cs typeface="Avenir Next" charset="0"/>
+            </a:endParaRPr>
+          </a:p>
+          <a:p>
+            <a:pPr marL="376238" lvl="1" indent="-285750">
+              <a:buFont typeface="Arial" panose="020B0604020202020204" pitchFamily="34" charset="0"/>
+              <a:buChar char="•"/>
+              <a:tabLst/>
+            </a:pPr>
+            <a:r>
+              <a:rPr lang="en-US" sz="1200" dirty="0">
+                <a:latin typeface="Avenir Next" panose="020B0503020202020204" pitchFamily="34" charset="0"/>
+                <a:ea typeface="Avenir Next" charset="0"/>
+                <a:cs typeface="Avenir Next" charset="0"/>
+              </a:rPr>
+              <a:t>Conduct an initial pilot and  target in country donors</a:t>
+            </a:r>
+          </a:p>
+          <a:p>
+            <a:pPr marL="376238" lvl="1" indent="-285750">
+              <a:buFont typeface="Arial" panose="020B0604020202020204" pitchFamily="34" charset="0"/>
+              <a:buChar char="•"/>
+              <a:tabLst/>
+            </a:pPr>
+            <a:r>
+              <a:rPr lang="en-US" sz="1200" dirty="0">
+                <a:latin typeface="Avenir Next" panose="020B0503020202020204" pitchFamily="34" charset="0"/>
+                <a:ea typeface="Avenir Next" charset="0"/>
+                <a:cs typeface="Avenir Next" charset="0"/>
+              </a:rPr>
+              <a:t>Target global donors (WFP, OXFAM) with working proof of concept.</a:t>
+            </a:r>
+          </a:p>
+          <a:p>
+            <a:pPr marL="376238" lvl="1" indent="-285750">
+              <a:buFont typeface="Arial" panose="020B0604020202020204" pitchFamily="34" charset="0"/>
+              <a:buChar char="•"/>
+              <a:tabLst/>
+            </a:pPr>
+            <a:endParaRPr lang="en-US" sz="1200" dirty="0">
+              <a:latin typeface="Avenir Next" panose="020B0503020202020204" pitchFamily="34" charset="0"/>
+              <a:ea typeface="Avenir Next" charset="0"/>
+              <a:cs typeface="Avenir Next" charset="0"/>
+            </a:endParaRPr>
           </a:p>
         </p:txBody>
       </p:sp>
     </p:spTree>
     <p:extLst>
       <p:ext uri="{BB962C8B-B14F-4D97-AF65-F5344CB8AC3E}">
-        <p14:creationId xmlns:p14="http://schemas.microsoft.com/office/powerpoint/2010/main" val="2469119056"/>
+        <p14:creationId xmlns:p14="http://schemas.microsoft.com/office/powerpoint/2010/main" val="3888040991"/>
       </p:ext>
     </p:extLst>
   </p:cSld>
@@ -4578,6 +5276,212 @@
 </file>
 
 <file path=ppt/slides/slide11.xml><?xml version="1.0" encoding="utf-8"?>
+<p:sld xmlns:a="http://schemas.openxmlformats.org/drawingml/2006/main" xmlns:r="http://schemas.openxmlformats.org/officeDocument/2006/relationships" xmlns:p="http://schemas.openxmlformats.org/presentationml/2006/main">
+  <p:cSld>
+    <p:bg>
+      <p:bgPr>
+        <a:solidFill>
+          <a:srgbClr val="FEEB4F"/>
+        </a:solidFill>
+        <a:effectLst/>
+      </p:bgPr>
+    </p:bg>
+    <p:spTree>
+      <p:nvGrpSpPr>
+        <p:cNvPr id="1" name=""/>
+        <p:cNvGrpSpPr/>
+        <p:nvPr/>
+      </p:nvGrpSpPr>
+      <p:grpSpPr>
+        <a:xfrm>
+          <a:off x="0" y="0"/>
+          <a:ext cx="0" cy="0"/>
+          <a:chOff x="0" y="0"/>
+          <a:chExt cx="0" cy="0"/>
+        </a:xfrm>
+      </p:grpSpPr>
+      <p:sp>
+        <p:nvSpPr>
+          <p:cNvPr id="4" name="TextBox 3">
+            <a:extLst>
+              <a:ext uri="{FF2B5EF4-FFF2-40B4-BE49-F238E27FC236}">
+                <a16:creationId xmlns:a16="http://schemas.microsoft.com/office/drawing/2014/main" id="{481CBF74-2C2A-0142-8550-58B6CA321040}"/>
+              </a:ext>
+            </a:extLst>
+          </p:cNvPr>
+          <p:cNvSpPr txBox="1"/>
+          <p:nvPr/>
+        </p:nvSpPr>
+        <p:spPr>
+          <a:xfrm>
+            <a:off x="2711962" y="430992"/>
+            <a:ext cx="6411686" cy="523220"/>
+          </a:xfrm>
+          <a:prstGeom prst="rect">
+            <a:avLst/>
+          </a:prstGeom>
+          <a:noFill/>
+        </p:spPr>
+        <p:txBody>
+          <a:bodyPr wrap="square" rtlCol="0">
+            <a:spAutoFit/>
+          </a:bodyPr>
+          <a:lstStyle/>
+          <a:p>
+            <a:pPr algn="ctr" defTabSz="457200"/>
+            <a:r>
+              <a:rPr lang="en-US" sz="2800" b="1" dirty="0">
+                <a:solidFill>
+                  <a:schemeClr val="bg1">
+                    <a:lumMod val="50000"/>
+                  </a:schemeClr>
+                </a:solidFill>
+                <a:latin typeface="Avenir Next" charset="0"/>
+                <a:ea typeface="Avenir Next" charset="0"/>
+                <a:cs typeface="Avenir Next" charset="0"/>
+              </a:rPr>
+              <a:t>Future Developments</a:t>
+            </a:r>
+          </a:p>
+        </p:txBody>
+      </p:sp>
+      <p:sp>
+        <p:nvSpPr>
+          <p:cNvPr id="5" name="TextBox 4">
+            <a:extLst>
+              <a:ext uri="{FF2B5EF4-FFF2-40B4-BE49-F238E27FC236}">
+                <a16:creationId xmlns:a16="http://schemas.microsoft.com/office/drawing/2014/main" id="{E1A17105-4A7E-A04D-9C8A-32457D19FD67}"/>
+              </a:ext>
+            </a:extLst>
+          </p:cNvPr>
+          <p:cNvSpPr txBox="1"/>
+          <p:nvPr/>
+        </p:nvSpPr>
+        <p:spPr>
+          <a:xfrm>
+            <a:off x="751915" y="1424963"/>
+            <a:ext cx="11233441" cy="1015663"/>
+          </a:xfrm>
+          <a:prstGeom prst="rect">
+            <a:avLst/>
+          </a:prstGeom>
+          <a:noFill/>
+          <a:ln>
+            <a:noFill/>
+          </a:ln>
+        </p:spPr>
+        <p:txBody>
+          <a:bodyPr wrap="square" rtlCol="0">
+            <a:spAutoFit/>
+          </a:bodyPr>
+          <a:lstStyle/>
+          <a:p>
+            <a:pPr marL="457200" indent="-457200">
+              <a:buFont typeface="+mj-lt"/>
+              <a:buAutoNum type="arabicPeriod"/>
+            </a:pPr>
+            <a:r>
+              <a:rPr lang="en-US" sz="2000" b="1" dirty="0">
+                <a:solidFill>
+                  <a:schemeClr val="bg1">
+                    <a:lumMod val="50000"/>
+                  </a:schemeClr>
+                </a:solidFill>
+                <a:latin typeface="Avenir Next" panose="020B0503020202020204" pitchFamily="34" charset="0"/>
+              </a:rPr>
+              <a:t>Tokenized incentives </a:t>
+            </a:r>
+            <a:r>
+              <a:rPr lang="en-US" sz="2000" dirty="0">
+                <a:solidFill>
+                  <a:schemeClr val="bg1">
+                    <a:lumMod val="50000"/>
+                  </a:schemeClr>
+                </a:solidFill>
+                <a:latin typeface="Avenir Next" panose="020B0503020202020204" pitchFamily="34" charset="0"/>
+              </a:rPr>
+              <a:t> to reward NGO’s for achieving results.</a:t>
+            </a:r>
+          </a:p>
+          <a:p>
+            <a:pPr marL="457200" indent="-457200">
+              <a:buFont typeface="+mj-lt"/>
+              <a:buAutoNum type="arabicPeriod"/>
+            </a:pPr>
+            <a:endParaRPr lang="en-US" sz="2000" dirty="0">
+              <a:solidFill>
+                <a:schemeClr val="bg1">
+                  <a:lumMod val="50000"/>
+                </a:schemeClr>
+              </a:solidFill>
+              <a:latin typeface="Avenir Next" panose="020B0503020202020204" pitchFamily="34" charset="0"/>
+            </a:endParaRPr>
+          </a:p>
+          <a:p>
+            <a:r>
+              <a:rPr lang="en-US" sz="2000" dirty="0">
+                <a:solidFill>
+                  <a:schemeClr val="bg1">
+                    <a:lumMod val="50000"/>
+                  </a:schemeClr>
+                </a:solidFill>
+                <a:latin typeface="Avenir Next" panose="020B0503020202020204" pitchFamily="34" charset="0"/>
+              </a:rPr>
+              <a:t> </a:t>
+            </a:r>
+          </a:p>
+        </p:txBody>
+      </p:sp>
+      <p:pic>
+        <p:nvPicPr>
+          <p:cNvPr id="6" name="Picture 5">
+            <a:extLst>
+              <a:ext uri="{FF2B5EF4-FFF2-40B4-BE49-F238E27FC236}">
+                <a16:creationId xmlns:a16="http://schemas.microsoft.com/office/drawing/2014/main" id="{94F61BD2-0427-9847-93FC-D2AF33037AA9}"/>
+              </a:ext>
+            </a:extLst>
+          </p:cNvPr>
+          <p:cNvPicPr>
+            <a:picLocks noChangeAspect="1"/>
+          </p:cNvPicPr>
+          <p:nvPr/>
+        </p:nvPicPr>
+        <p:blipFill>
+          <a:blip r:embed="rId2">
+            <a:extLst>
+              <a:ext uri="{28A0092B-C50C-407E-A947-70E740481C1C}">
+                <a14:useLocalDpi xmlns:a14="http://schemas.microsoft.com/office/drawing/2010/main" val="0"/>
+              </a:ext>
+            </a:extLst>
+          </a:blip>
+          <a:stretch>
+            <a:fillRect/>
+          </a:stretch>
+        </p:blipFill>
+        <p:spPr>
+          <a:xfrm>
+            <a:off x="0" y="0"/>
+            <a:ext cx="10519558" cy="6858000"/>
+          </a:xfrm>
+          <a:prstGeom prst="rect">
+            <a:avLst/>
+          </a:prstGeom>
+        </p:spPr>
+      </p:pic>
+    </p:spTree>
+    <p:extLst>
+      <p:ext uri="{BB962C8B-B14F-4D97-AF65-F5344CB8AC3E}">
+        <p14:creationId xmlns:p14="http://schemas.microsoft.com/office/powerpoint/2010/main" val="408102592"/>
+      </p:ext>
+    </p:extLst>
+  </p:cSld>
+  <p:clrMapOvr>
+    <a:masterClrMapping/>
+  </p:clrMapOvr>
+</p:sld>
+</file>
+
+<file path=ppt/slides/slide12.xml><?xml version="1.0" encoding="utf-8"?>
 <p:sld xmlns:a="http://schemas.openxmlformats.org/drawingml/2006/main" xmlns:r="http://schemas.openxmlformats.org/officeDocument/2006/relationships" xmlns:p="http://schemas.openxmlformats.org/presentationml/2006/main">
   <p:cSld>
     <p:spTree>
@@ -4596,1022 +5500,89 @@
       </p:grpSpPr>
       <p:sp>
         <p:nvSpPr>
-          <p:cNvPr id="2" name="Rectangle 1">
-            <a:extLst>
-              <a:ext uri="{FF2B5EF4-FFF2-40B4-BE49-F238E27FC236}">
-                <a16:creationId xmlns:a16="http://schemas.microsoft.com/office/drawing/2014/main" id="{2AD630B4-579C-8641-A8E5-09003000320A}"/>
-              </a:ext>
-            </a:extLst>
-          </p:cNvPr>
-          <p:cNvSpPr/>
+          <p:cNvPr id="4" name="TextBox 3">
+            <a:extLst>
+              <a:ext uri="{FF2B5EF4-FFF2-40B4-BE49-F238E27FC236}">
+                <a16:creationId xmlns:a16="http://schemas.microsoft.com/office/drawing/2014/main" id="{481CBF74-2C2A-0142-8550-58B6CA321040}"/>
+              </a:ext>
+            </a:extLst>
+          </p:cNvPr>
+          <p:cNvSpPr txBox="1"/>
           <p:nvPr/>
         </p:nvSpPr>
         <p:spPr>
           <a:xfrm>
-            <a:off x="3968371" y="1868723"/>
-            <a:ext cx="3313375" cy="339219"/>
-          </a:xfrm>
-          <a:prstGeom prst="rect">
-            <a:avLst/>
-          </a:prstGeom>
-          <a:solidFill>
-            <a:schemeClr val="bg1">
-              <a:lumMod val="95000"/>
-            </a:schemeClr>
-          </a:solidFill>
-        </p:spPr>
-        <p:style>
-          <a:lnRef idx="2">
-            <a:schemeClr val="accent1">
-              <a:shade val="50000"/>
-            </a:schemeClr>
-          </a:lnRef>
-          <a:fillRef idx="1">
-            <a:schemeClr val="accent1"/>
-          </a:fillRef>
-          <a:effectRef idx="0">
-            <a:schemeClr val="accent1"/>
-          </a:effectRef>
-          <a:fontRef idx="minor">
-            <a:schemeClr val="lt1"/>
-          </a:fontRef>
-        </p:style>
-        <p:txBody>
-          <a:bodyPr rtlCol="0" anchor="ctr"/>
-          <a:lstStyle/>
-          <a:p>
-            <a:pPr algn="ctr"/>
-            <a:r>
-              <a:rPr lang="en-US" sz="1600" dirty="0">
-                <a:solidFill>
-                  <a:schemeClr val="tx1"/>
-                </a:solidFill>
-                <a:latin typeface="Abadi MT Condensed Light" panose="020B0306030101010103" pitchFamily="34" charset="77"/>
-              </a:rPr>
-              <a:t>Blockchain  Network</a:t>
-            </a:r>
-          </a:p>
-        </p:txBody>
-      </p:sp>
-      <p:sp>
-        <p:nvSpPr>
-          <p:cNvPr id="3" name="Rectangle 2">
-            <a:extLst>
-              <a:ext uri="{FF2B5EF4-FFF2-40B4-BE49-F238E27FC236}">
-                <a16:creationId xmlns:a16="http://schemas.microsoft.com/office/drawing/2014/main" id="{FDB751DD-A31E-EC45-9359-BB38531D298F}"/>
-              </a:ext>
-            </a:extLst>
-          </p:cNvPr>
-          <p:cNvSpPr/>
-          <p:nvPr/>
-        </p:nvSpPr>
-        <p:spPr>
-          <a:xfrm>
-            <a:off x="3950182" y="2599786"/>
-            <a:ext cx="1330316" cy="591012"/>
+            <a:off x="3069771" y="457497"/>
+            <a:ext cx="6411686" cy="523220"/>
           </a:xfrm>
           <a:prstGeom prst="rect">
             <a:avLst/>
           </a:prstGeom>
           <a:noFill/>
         </p:spPr>
-        <p:style>
-          <a:lnRef idx="2">
-            <a:schemeClr val="accent1">
-              <a:shade val="50000"/>
-            </a:schemeClr>
-          </a:lnRef>
-          <a:fillRef idx="1">
-            <a:schemeClr val="accent1"/>
-          </a:fillRef>
-          <a:effectRef idx="0">
-            <a:schemeClr val="accent1"/>
-          </a:effectRef>
-          <a:fontRef idx="minor">
-            <a:schemeClr val="lt1"/>
-          </a:fontRef>
-        </p:style>
-        <p:txBody>
-          <a:bodyPr rtlCol="0" anchor="ctr"/>
-          <a:lstStyle/>
-          <a:p>
-            <a:pPr algn="ctr"/>
-            <a:r>
-              <a:rPr lang="en-US" sz="1000" dirty="0">
-                <a:solidFill>
-                  <a:schemeClr val="tx1"/>
-                </a:solidFill>
-              </a:rPr>
-              <a:t>Donor tokenization (smart contract)</a:t>
-            </a:r>
-          </a:p>
-        </p:txBody>
-      </p:sp>
-      <p:sp>
-        <p:nvSpPr>
-          <p:cNvPr id="5" name="Rectangle 4">
-            <a:extLst>
-              <a:ext uri="{FF2B5EF4-FFF2-40B4-BE49-F238E27FC236}">
-                <a16:creationId xmlns:a16="http://schemas.microsoft.com/office/drawing/2014/main" id="{6B0874CB-F86F-6C45-9848-05DC4E8EC175}"/>
-              </a:ext>
-            </a:extLst>
-          </p:cNvPr>
-          <p:cNvSpPr/>
-          <p:nvPr/>
-        </p:nvSpPr>
-        <p:spPr>
-          <a:xfrm>
-            <a:off x="3968371" y="3827313"/>
-            <a:ext cx="1323278" cy="591012"/>
-          </a:xfrm>
-          <a:prstGeom prst="rect">
-            <a:avLst/>
-          </a:prstGeom>
-          <a:noFill/>
-        </p:spPr>
-        <p:style>
-          <a:lnRef idx="2">
-            <a:schemeClr val="accent1">
-              <a:shade val="50000"/>
-            </a:schemeClr>
-          </a:lnRef>
-          <a:fillRef idx="1">
-            <a:schemeClr val="accent1"/>
-          </a:fillRef>
-          <a:effectRef idx="0">
-            <a:schemeClr val="accent1"/>
-          </a:effectRef>
-          <a:fontRef idx="minor">
-            <a:schemeClr val="lt1"/>
-          </a:fontRef>
-        </p:style>
-        <p:txBody>
-          <a:bodyPr rtlCol="0" anchor="ctr"/>
-          <a:lstStyle/>
-          <a:p>
-            <a:pPr algn="ctr"/>
-            <a:r>
-              <a:rPr lang="en-US" sz="1000" dirty="0">
-                <a:solidFill>
-                  <a:schemeClr val="tx1"/>
-                </a:solidFill>
-              </a:rPr>
-              <a:t>User generation (beneficiaries)</a:t>
-            </a:r>
-          </a:p>
-        </p:txBody>
-      </p:sp>
-      <p:sp>
-        <p:nvSpPr>
-          <p:cNvPr id="9" name="Rectangle 8">
-            <a:extLst>
-              <a:ext uri="{FF2B5EF4-FFF2-40B4-BE49-F238E27FC236}">
-                <a16:creationId xmlns:a16="http://schemas.microsoft.com/office/drawing/2014/main" id="{00071B45-9B1E-1149-9961-7069959C0A9C}"/>
-              </a:ext>
-            </a:extLst>
-          </p:cNvPr>
-          <p:cNvSpPr/>
-          <p:nvPr/>
-        </p:nvSpPr>
-        <p:spPr>
-          <a:xfrm>
-            <a:off x="5877486" y="2536714"/>
-            <a:ext cx="1404260" cy="591012"/>
-          </a:xfrm>
-          <a:prstGeom prst="rect">
-            <a:avLst/>
-          </a:prstGeom>
-          <a:noFill/>
-        </p:spPr>
-        <p:style>
-          <a:lnRef idx="2">
-            <a:schemeClr val="accent1">
-              <a:shade val="50000"/>
-            </a:schemeClr>
-          </a:lnRef>
-          <a:fillRef idx="1">
-            <a:schemeClr val="accent1"/>
-          </a:fillRef>
-          <a:effectRef idx="0">
-            <a:schemeClr val="accent1"/>
-          </a:effectRef>
-          <a:fontRef idx="minor">
-            <a:schemeClr val="lt1"/>
-          </a:fontRef>
-        </p:style>
-        <p:txBody>
-          <a:bodyPr rtlCol="0" anchor="ctr"/>
-          <a:lstStyle/>
-          <a:p>
-            <a:pPr algn="ctr"/>
-            <a:r>
-              <a:rPr lang="en-US" sz="1050" dirty="0">
-                <a:solidFill>
-                  <a:schemeClr val="tx1"/>
-                </a:solidFill>
-              </a:rPr>
-              <a:t>Token disbursement</a:t>
-            </a:r>
-          </a:p>
-        </p:txBody>
-      </p:sp>
-      <p:sp>
-        <p:nvSpPr>
-          <p:cNvPr id="10" name="Rectangle 9">
-            <a:extLst>
-              <a:ext uri="{FF2B5EF4-FFF2-40B4-BE49-F238E27FC236}">
-                <a16:creationId xmlns:a16="http://schemas.microsoft.com/office/drawing/2014/main" id="{0EE5B42E-6A7E-284F-9C08-6D91D4708A05}"/>
-              </a:ext>
-            </a:extLst>
-          </p:cNvPr>
-          <p:cNvSpPr/>
-          <p:nvPr/>
-        </p:nvSpPr>
-        <p:spPr>
-          <a:xfrm>
-            <a:off x="6773360" y="3461915"/>
-            <a:ext cx="824794" cy="591012"/>
-          </a:xfrm>
-          <a:prstGeom prst="rect">
-            <a:avLst/>
-          </a:prstGeom>
-          <a:noFill/>
-        </p:spPr>
-        <p:style>
-          <a:lnRef idx="2">
-            <a:schemeClr val="accent1">
-              <a:shade val="50000"/>
-            </a:schemeClr>
-          </a:lnRef>
-          <a:fillRef idx="1">
-            <a:schemeClr val="accent1"/>
-          </a:fillRef>
-          <a:effectRef idx="0">
-            <a:schemeClr val="accent1"/>
-          </a:effectRef>
-          <a:fontRef idx="minor">
-            <a:schemeClr val="lt1"/>
-          </a:fontRef>
-        </p:style>
-        <p:txBody>
-          <a:bodyPr rtlCol="0" anchor="ctr"/>
-          <a:lstStyle/>
-          <a:p>
-            <a:pPr algn="ctr"/>
-            <a:r>
-              <a:rPr lang="en-US" sz="1050" dirty="0">
-                <a:solidFill>
-                  <a:schemeClr val="tx1"/>
-                </a:solidFill>
-              </a:rPr>
-              <a:t>Beneficiary User Verification</a:t>
-            </a:r>
-          </a:p>
-        </p:txBody>
-      </p:sp>
-      <p:sp>
-        <p:nvSpPr>
-          <p:cNvPr id="16" name="Rectangle 15">
-            <a:extLst>
-              <a:ext uri="{FF2B5EF4-FFF2-40B4-BE49-F238E27FC236}">
-                <a16:creationId xmlns:a16="http://schemas.microsoft.com/office/drawing/2014/main" id="{F442D246-D4CB-7C46-837E-57A08F31EC86}"/>
-              </a:ext>
-            </a:extLst>
-          </p:cNvPr>
-          <p:cNvSpPr/>
-          <p:nvPr/>
-        </p:nvSpPr>
-        <p:spPr>
-          <a:xfrm>
-            <a:off x="1378627" y="2548950"/>
-            <a:ext cx="1184955" cy="591012"/>
-          </a:xfrm>
-          <a:prstGeom prst="rect">
-            <a:avLst/>
-          </a:prstGeom>
-          <a:noFill/>
-        </p:spPr>
-        <p:style>
-          <a:lnRef idx="2">
-            <a:schemeClr val="accent1">
-              <a:shade val="50000"/>
-            </a:schemeClr>
-          </a:lnRef>
-          <a:fillRef idx="1">
-            <a:schemeClr val="accent1"/>
-          </a:fillRef>
-          <a:effectRef idx="0">
-            <a:schemeClr val="accent1"/>
-          </a:effectRef>
-          <a:fontRef idx="minor">
-            <a:schemeClr val="lt1"/>
-          </a:fontRef>
-        </p:style>
-        <p:txBody>
-          <a:bodyPr rtlCol="0" anchor="ctr"/>
-          <a:lstStyle/>
-          <a:p>
-            <a:pPr algn="ctr"/>
-            <a:r>
-              <a:rPr lang="en-US" sz="900" dirty="0">
-                <a:solidFill>
-                  <a:schemeClr val="tx1"/>
-                </a:solidFill>
-              </a:rPr>
-              <a:t>Participating Bank Application </a:t>
-            </a:r>
-          </a:p>
-          <a:p>
-            <a:pPr algn="ctr"/>
-            <a:r>
-              <a:rPr lang="en-US" sz="900" b="1" dirty="0">
-                <a:solidFill>
-                  <a:schemeClr val="tx1"/>
-                </a:solidFill>
-              </a:rPr>
-              <a:t>(Bank web  portal)</a:t>
-            </a:r>
-          </a:p>
-        </p:txBody>
-      </p:sp>
-      <p:cxnSp>
-        <p:nvCxnSpPr>
-          <p:cNvPr id="18" name="Straight Arrow Connector 17">
-            <a:extLst>
-              <a:ext uri="{FF2B5EF4-FFF2-40B4-BE49-F238E27FC236}">
-                <a16:creationId xmlns:a16="http://schemas.microsoft.com/office/drawing/2014/main" id="{CBC72C5C-6636-C849-9D2C-6899DFA4FDF2}"/>
-              </a:ext>
-            </a:extLst>
-          </p:cNvPr>
-          <p:cNvCxnSpPr>
-            <a:stCxn id="16" idx="3"/>
-          </p:cNvCxnSpPr>
-          <p:nvPr/>
-        </p:nvCxnSpPr>
-        <p:spPr>
-          <a:xfrm>
-            <a:off x="2563582" y="2844456"/>
-            <a:ext cx="1261286" cy="0"/>
-          </a:xfrm>
-          <a:prstGeom prst="straightConnector1">
-            <a:avLst/>
-          </a:prstGeom>
-          <a:ln>
-            <a:tailEnd type="triangle"/>
-          </a:ln>
-        </p:spPr>
-        <p:style>
-          <a:lnRef idx="1">
-            <a:schemeClr val="accent1"/>
-          </a:lnRef>
-          <a:fillRef idx="0">
-            <a:schemeClr val="accent1"/>
-          </a:fillRef>
-          <a:effectRef idx="0">
-            <a:schemeClr val="accent1"/>
-          </a:effectRef>
-          <a:fontRef idx="minor">
-            <a:schemeClr val="tx1"/>
-          </a:fontRef>
-        </p:style>
-      </p:cxnSp>
-      <p:sp>
-        <p:nvSpPr>
-          <p:cNvPr id="19" name="Rectangle 18">
-            <a:extLst>
-              <a:ext uri="{FF2B5EF4-FFF2-40B4-BE49-F238E27FC236}">
-                <a16:creationId xmlns:a16="http://schemas.microsoft.com/office/drawing/2014/main" id="{817EFB87-BED3-4349-9FCB-0E380D94A38E}"/>
-              </a:ext>
-            </a:extLst>
-          </p:cNvPr>
-          <p:cNvSpPr/>
-          <p:nvPr/>
-        </p:nvSpPr>
-        <p:spPr>
-          <a:xfrm>
-            <a:off x="9178772" y="3165305"/>
-            <a:ext cx="1547502" cy="852172"/>
-          </a:xfrm>
-          <a:prstGeom prst="rect">
-            <a:avLst/>
-          </a:prstGeom>
-          <a:noFill/>
-        </p:spPr>
-        <p:style>
-          <a:lnRef idx="2">
-            <a:schemeClr val="accent1">
-              <a:shade val="50000"/>
-            </a:schemeClr>
-          </a:lnRef>
-          <a:fillRef idx="1">
-            <a:schemeClr val="accent1"/>
-          </a:fillRef>
-          <a:effectRef idx="0">
-            <a:schemeClr val="accent1"/>
-          </a:effectRef>
-          <a:fontRef idx="minor">
-            <a:schemeClr val="lt1"/>
-          </a:fontRef>
-        </p:style>
-        <p:txBody>
-          <a:bodyPr rtlCol="0" anchor="ctr"/>
-          <a:lstStyle/>
-          <a:p>
-            <a:pPr algn="ctr"/>
-            <a:r>
-              <a:rPr lang="en-US" sz="900" b="1" dirty="0">
-                <a:solidFill>
-                  <a:schemeClr val="tx1"/>
-                </a:solidFill>
-              </a:rPr>
-              <a:t>Merchant POS app</a:t>
-            </a:r>
-          </a:p>
-          <a:p>
-            <a:pPr marL="171450" indent="-171450">
-              <a:buFontTx/>
-              <a:buChar char="-"/>
-            </a:pPr>
-            <a:r>
-              <a:rPr lang="en-US" sz="900" dirty="0">
-                <a:solidFill>
-                  <a:schemeClr val="tx1"/>
-                </a:solidFill>
-              </a:rPr>
-              <a:t>Record beneficiary transactions</a:t>
-            </a:r>
-          </a:p>
-          <a:p>
-            <a:pPr marL="171450" indent="-171450">
-              <a:buFontTx/>
-              <a:buChar char="-"/>
-            </a:pPr>
-            <a:r>
-              <a:rPr lang="en-US" sz="900" dirty="0">
-                <a:solidFill>
-                  <a:schemeClr val="tx1"/>
-                </a:solidFill>
-              </a:rPr>
-              <a:t>Token redemption for fiat</a:t>
-            </a:r>
-          </a:p>
-          <a:p>
-            <a:pPr algn="ctr"/>
-            <a:r>
-              <a:rPr lang="en-US" sz="900" b="1" dirty="0">
-                <a:solidFill>
-                  <a:schemeClr val="tx1"/>
-                </a:solidFill>
-              </a:rPr>
-              <a:t>(Web app- HTML, CSS)</a:t>
-            </a:r>
-          </a:p>
-        </p:txBody>
-      </p:sp>
-      <p:sp>
-        <p:nvSpPr>
-          <p:cNvPr id="20" name="Rectangle 19">
-            <a:extLst>
-              <a:ext uri="{FF2B5EF4-FFF2-40B4-BE49-F238E27FC236}">
-                <a16:creationId xmlns:a16="http://schemas.microsoft.com/office/drawing/2014/main" id="{72644FAB-8E7E-0B49-9EAE-2E6C17C4BF1E}"/>
-              </a:ext>
-            </a:extLst>
-          </p:cNvPr>
-          <p:cNvSpPr/>
-          <p:nvPr/>
-        </p:nvSpPr>
-        <p:spPr>
-          <a:xfrm>
-            <a:off x="1971105" y="3878368"/>
-            <a:ext cx="1552680" cy="677470"/>
-          </a:xfrm>
-          <a:prstGeom prst="rect">
-            <a:avLst/>
-          </a:prstGeom>
-          <a:noFill/>
-        </p:spPr>
-        <p:style>
-          <a:lnRef idx="2">
-            <a:schemeClr val="accent1">
-              <a:shade val="50000"/>
-            </a:schemeClr>
-          </a:lnRef>
-          <a:fillRef idx="1">
-            <a:schemeClr val="accent1"/>
-          </a:fillRef>
-          <a:effectRef idx="0">
-            <a:schemeClr val="accent1"/>
-          </a:effectRef>
-          <a:fontRef idx="minor">
-            <a:schemeClr val="lt1"/>
-          </a:fontRef>
-        </p:style>
-        <p:txBody>
-          <a:bodyPr rtlCol="0" anchor="ctr"/>
-          <a:lstStyle/>
-          <a:p>
-            <a:r>
-              <a:rPr lang="en-US" sz="900" b="1" dirty="0">
-                <a:solidFill>
-                  <a:schemeClr val="tx1"/>
-                </a:solidFill>
-              </a:rPr>
-              <a:t>Donor app</a:t>
-            </a:r>
-          </a:p>
-          <a:p>
-            <a:pPr marL="171450" indent="-171450">
-              <a:buFontTx/>
-              <a:buChar char="-"/>
-            </a:pPr>
-            <a:r>
-              <a:rPr lang="en-US" sz="900" dirty="0">
-                <a:solidFill>
-                  <a:schemeClr val="tx1"/>
-                </a:solidFill>
-              </a:rPr>
-              <a:t>Reporting</a:t>
-            </a:r>
-          </a:p>
-          <a:p>
-            <a:pPr marL="171450" indent="-171450">
-              <a:buFontTx/>
-              <a:buChar char="-"/>
-            </a:pPr>
-            <a:r>
-              <a:rPr lang="en-US" sz="900" dirty="0">
-                <a:solidFill>
-                  <a:schemeClr val="tx1"/>
-                </a:solidFill>
-              </a:rPr>
-              <a:t>User registration (local donor partner)</a:t>
-            </a:r>
-          </a:p>
-          <a:p>
-            <a:r>
-              <a:rPr lang="en-US" sz="900" b="1" dirty="0">
-                <a:solidFill>
-                  <a:schemeClr val="tx1"/>
-                </a:solidFill>
-              </a:rPr>
-              <a:t>(Donor web portal)</a:t>
-            </a:r>
-          </a:p>
-        </p:txBody>
-      </p:sp>
-      <p:sp>
-        <p:nvSpPr>
-          <p:cNvPr id="21" name="Rectangle 20">
-            <a:extLst>
-              <a:ext uri="{FF2B5EF4-FFF2-40B4-BE49-F238E27FC236}">
-                <a16:creationId xmlns:a16="http://schemas.microsoft.com/office/drawing/2014/main" id="{9C798DDE-AB4A-9542-B846-C8C51D3A5891}"/>
-              </a:ext>
-            </a:extLst>
-          </p:cNvPr>
-          <p:cNvSpPr/>
-          <p:nvPr/>
-        </p:nvSpPr>
-        <p:spPr>
-          <a:xfrm>
-            <a:off x="9159923" y="1868722"/>
-            <a:ext cx="1566351" cy="339219"/>
-          </a:xfrm>
-          <a:prstGeom prst="rect">
-            <a:avLst/>
-          </a:prstGeom>
-          <a:solidFill>
-            <a:schemeClr val="bg1">
-              <a:lumMod val="95000"/>
-            </a:schemeClr>
-          </a:solidFill>
-        </p:spPr>
-        <p:style>
-          <a:lnRef idx="2">
-            <a:schemeClr val="accent1">
-              <a:shade val="50000"/>
-            </a:schemeClr>
-          </a:lnRef>
-          <a:fillRef idx="1">
-            <a:schemeClr val="accent1"/>
-          </a:fillRef>
-          <a:effectRef idx="0">
-            <a:schemeClr val="accent1"/>
-          </a:effectRef>
-          <a:fontRef idx="minor">
-            <a:schemeClr val="lt1"/>
-          </a:fontRef>
-        </p:style>
-        <p:txBody>
-          <a:bodyPr rtlCol="0" anchor="ctr"/>
-          <a:lstStyle/>
-          <a:p>
-            <a:pPr algn="ctr"/>
-            <a:r>
-              <a:rPr lang="en-US" sz="1400" dirty="0">
-                <a:solidFill>
-                  <a:schemeClr val="tx1"/>
-                </a:solidFill>
-                <a:latin typeface="Abadi MT Condensed Light" panose="020B0306030101010103" pitchFamily="34" charset="77"/>
-              </a:rPr>
-              <a:t>Merchant Ecosystem</a:t>
-            </a:r>
-          </a:p>
-        </p:txBody>
-      </p:sp>
-      <p:cxnSp>
-        <p:nvCxnSpPr>
-          <p:cNvPr id="24" name="Elbow Connector 23">
-            <a:extLst>
-              <a:ext uri="{FF2B5EF4-FFF2-40B4-BE49-F238E27FC236}">
-                <a16:creationId xmlns:a16="http://schemas.microsoft.com/office/drawing/2014/main" id="{6EC8F6A2-A2CF-A74C-B00D-7AFE33220B75}"/>
-              </a:ext>
-            </a:extLst>
-          </p:cNvPr>
-          <p:cNvCxnSpPr>
-            <a:cxnSpLocks/>
-            <a:stCxn id="19" idx="3"/>
-            <a:endCxn id="16" idx="2"/>
-          </p:cNvCxnSpPr>
-          <p:nvPr/>
-        </p:nvCxnSpPr>
-        <p:spPr>
-          <a:xfrm flipH="1" flipV="1">
-            <a:off x="1971105" y="3139962"/>
-            <a:ext cx="8755169" cy="451429"/>
-          </a:xfrm>
-          <a:prstGeom prst="bentConnector4">
-            <a:avLst>
-              <a:gd name="adj1" fmla="val -2611"/>
-              <a:gd name="adj2" fmla="val -384497"/>
-            </a:avLst>
-          </a:prstGeom>
-          <a:ln>
-            <a:tailEnd type="triangle"/>
-          </a:ln>
-        </p:spPr>
-        <p:style>
-          <a:lnRef idx="1">
-            <a:schemeClr val="accent1"/>
-          </a:lnRef>
-          <a:fillRef idx="0">
-            <a:schemeClr val="accent1"/>
-          </a:fillRef>
-          <a:effectRef idx="0">
-            <a:schemeClr val="accent1"/>
-          </a:effectRef>
-          <a:fontRef idx="minor">
-            <a:schemeClr val="tx1"/>
-          </a:fontRef>
-        </p:style>
-      </p:cxnSp>
-      <p:cxnSp>
-        <p:nvCxnSpPr>
-          <p:cNvPr id="33" name="Straight Arrow Connector 32">
-            <a:extLst>
-              <a:ext uri="{FF2B5EF4-FFF2-40B4-BE49-F238E27FC236}">
-                <a16:creationId xmlns:a16="http://schemas.microsoft.com/office/drawing/2014/main" id="{56E118F9-5045-7D4E-B38C-0F131E4E5A15}"/>
-              </a:ext>
-            </a:extLst>
-          </p:cNvPr>
-          <p:cNvCxnSpPr>
-            <a:cxnSpLocks/>
-          </p:cNvCxnSpPr>
-          <p:nvPr/>
-        </p:nvCxnSpPr>
-        <p:spPr>
-          <a:xfrm>
-            <a:off x="5291649" y="2844456"/>
-            <a:ext cx="478243" cy="0"/>
-          </a:xfrm>
-          <a:prstGeom prst="straightConnector1">
-            <a:avLst/>
-          </a:prstGeom>
-          <a:ln>
-            <a:tailEnd type="triangle"/>
-          </a:ln>
-        </p:spPr>
-        <p:style>
-          <a:lnRef idx="1">
-            <a:schemeClr val="accent1"/>
-          </a:lnRef>
-          <a:fillRef idx="0">
-            <a:schemeClr val="accent1"/>
-          </a:fillRef>
-          <a:effectRef idx="0">
-            <a:schemeClr val="accent1"/>
-          </a:effectRef>
-          <a:fontRef idx="minor">
-            <a:schemeClr val="tx1"/>
-          </a:fontRef>
-        </p:style>
-      </p:cxnSp>
-      <p:cxnSp>
-        <p:nvCxnSpPr>
-          <p:cNvPr id="45" name="Elbow Connector 44">
-            <a:extLst>
-              <a:ext uri="{FF2B5EF4-FFF2-40B4-BE49-F238E27FC236}">
-                <a16:creationId xmlns:a16="http://schemas.microsoft.com/office/drawing/2014/main" id="{A7870E4B-5581-B441-A7DD-2EFE3A9FEE49}"/>
-              </a:ext>
-            </a:extLst>
-          </p:cNvPr>
-          <p:cNvCxnSpPr>
-            <a:cxnSpLocks/>
-            <a:stCxn id="10" idx="3"/>
-            <a:endCxn id="19" idx="1"/>
-          </p:cNvCxnSpPr>
-          <p:nvPr/>
-        </p:nvCxnSpPr>
-        <p:spPr>
-          <a:xfrm flipV="1">
-            <a:off x="7598154" y="3591391"/>
-            <a:ext cx="1580618" cy="166030"/>
-          </a:xfrm>
-          <a:prstGeom prst="bentConnector3">
-            <a:avLst/>
-          </a:prstGeom>
-          <a:ln>
-            <a:tailEnd type="triangle"/>
-          </a:ln>
-        </p:spPr>
-        <p:style>
-          <a:lnRef idx="1">
-            <a:schemeClr val="accent1"/>
-          </a:lnRef>
-          <a:fillRef idx="0">
-            <a:schemeClr val="accent1"/>
-          </a:fillRef>
-          <a:effectRef idx="0">
-            <a:schemeClr val="accent1"/>
-          </a:effectRef>
-          <a:fontRef idx="minor">
-            <a:schemeClr val="tx1"/>
-          </a:fontRef>
-        </p:style>
-      </p:cxnSp>
-      <p:cxnSp>
-        <p:nvCxnSpPr>
-          <p:cNvPr id="47" name="Elbow Connector 46">
-            <a:extLst>
-              <a:ext uri="{FF2B5EF4-FFF2-40B4-BE49-F238E27FC236}">
-                <a16:creationId xmlns:a16="http://schemas.microsoft.com/office/drawing/2014/main" id="{A298BEEF-CB51-934E-9D2C-06644B0BDD97}"/>
-              </a:ext>
-            </a:extLst>
-          </p:cNvPr>
-          <p:cNvCxnSpPr>
-            <a:cxnSpLocks/>
-            <a:stCxn id="19" idx="2"/>
-            <a:endCxn id="10" idx="2"/>
-          </p:cNvCxnSpPr>
-          <p:nvPr/>
-        </p:nvCxnSpPr>
-        <p:spPr>
-          <a:xfrm rot="5400000">
-            <a:off x="8551415" y="2651819"/>
-            <a:ext cx="35450" cy="2766766"/>
-          </a:xfrm>
-          <a:prstGeom prst="bentConnector3">
-            <a:avLst>
-              <a:gd name="adj1" fmla="val 744852"/>
-            </a:avLst>
-          </a:prstGeom>
-          <a:ln>
-            <a:tailEnd type="triangle"/>
-          </a:ln>
-        </p:spPr>
-        <p:style>
-          <a:lnRef idx="1">
-            <a:schemeClr val="accent1"/>
-          </a:lnRef>
-          <a:fillRef idx="0">
-            <a:schemeClr val="accent1"/>
-          </a:fillRef>
-          <a:effectRef idx="0">
-            <a:schemeClr val="accent1"/>
-          </a:effectRef>
-          <a:fontRef idx="minor">
-            <a:schemeClr val="tx1"/>
-          </a:fontRef>
-        </p:style>
-      </p:cxnSp>
-      <p:cxnSp>
-        <p:nvCxnSpPr>
-          <p:cNvPr id="54" name="Straight Arrow Connector 53">
-            <a:extLst>
-              <a:ext uri="{FF2B5EF4-FFF2-40B4-BE49-F238E27FC236}">
-                <a16:creationId xmlns:a16="http://schemas.microsoft.com/office/drawing/2014/main" id="{5A4185F1-9F81-E740-953C-1268C413CCAB}"/>
-              </a:ext>
-            </a:extLst>
-          </p:cNvPr>
-          <p:cNvCxnSpPr>
-            <a:cxnSpLocks/>
-          </p:cNvCxnSpPr>
-          <p:nvPr/>
-        </p:nvCxnSpPr>
-        <p:spPr>
-          <a:xfrm>
-            <a:off x="3445727" y="4122819"/>
-            <a:ext cx="539441" cy="0"/>
-          </a:xfrm>
-          <a:prstGeom prst="straightConnector1">
-            <a:avLst/>
-          </a:prstGeom>
-          <a:ln>
-            <a:tailEnd type="triangle"/>
-          </a:ln>
-        </p:spPr>
-        <p:style>
-          <a:lnRef idx="1">
-            <a:schemeClr val="accent1"/>
-          </a:lnRef>
-          <a:fillRef idx="0">
-            <a:schemeClr val="accent1"/>
-          </a:fillRef>
-          <a:effectRef idx="0">
-            <a:schemeClr val="accent1"/>
-          </a:effectRef>
-          <a:fontRef idx="minor">
-            <a:schemeClr val="tx1"/>
-          </a:fontRef>
-        </p:style>
-      </p:cxnSp>
-      <p:sp>
-        <p:nvSpPr>
-          <p:cNvPr id="59" name="Rounded Rectangle 58">
-            <a:extLst>
-              <a:ext uri="{FF2B5EF4-FFF2-40B4-BE49-F238E27FC236}">
-                <a16:creationId xmlns:a16="http://schemas.microsoft.com/office/drawing/2014/main" id="{9230F8C2-EC0E-0E44-AD44-BE1E73D64091}"/>
-              </a:ext>
-            </a:extLst>
-          </p:cNvPr>
-          <p:cNvSpPr/>
-          <p:nvPr/>
-        </p:nvSpPr>
-        <p:spPr>
-          <a:xfrm>
-            <a:off x="3824868" y="2378446"/>
-            <a:ext cx="3936381" cy="2472335"/>
-          </a:xfrm>
-          <a:prstGeom prst="roundRect">
-            <a:avLst/>
-          </a:prstGeom>
-          <a:noFill/>
-          <a:ln>
-            <a:prstDash val="dash"/>
-          </a:ln>
-        </p:spPr>
-        <p:style>
-          <a:lnRef idx="2">
-            <a:schemeClr val="accent1">
-              <a:shade val="50000"/>
-            </a:schemeClr>
-          </a:lnRef>
-          <a:fillRef idx="1">
-            <a:schemeClr val="accent1"/>
-          </a:fillRef>
-          <a:effectRef idx="0">
-            <a:schemeClr val="accent1"/>
-          </a:effectRef>
-          <a:fontRef idx="minor">
-            <a:schemeClr val="lt1"/>
-          </a:fontRef>
-        </p:style>
-        <p:txBody>
-          <a:bodyPr rtlCol="0" anchor="ctr"/>
-          <a:lstStyle/>
-          <a:p>
-            <a:pPr algn="ctr"/>
-            <a:endParaRPr lang="en-US"/>
-          </a:p>
-        </p:txBody>
-      </p:sp>
-      <p:sp>
-        <p:nvSpPr>
-          <p:cNvPr id="60" name="TextBox 59">
-            <a:extLst>
-              <a:ext uri="{FF2B5EF4-FFF2-40B4-BE49-F238E27FC236}">
-                <a16:creationId xmlns:a16="http://schemas.microsoft.com/office/drawing/2014/main" id="{66D9A0D2-137E-744A-80CB-A552109307B4}"/>
-              </a:ext>
-            </a:extLst>
-          </p:cNvPr>
-          <p:cNvSpPr txBox="1"/>
-          <p:nvPr/>
-        </p:nvSpPr>
-        <p:spPr>
-          <a:xfrm>
-            <a:off x="4615340" y="5110446"/>
-            <a:ext cx="2570417" cy="261610"/>
-          </a:xfrm>
-          <a:prstGeom prst="rect">
-            <a:avLst/>
-          </a:prstGeom>
-          <a:noFill/>
-        </p:spPr>
         <p:txBody>
           <a:bodyPr wrap="square" rtlCol="0">
             <a:spAutoFit/>
           </a:bodyPr>
           <a:lstStyle/>
           <a:p>
-            <a:pPr algn="ctr"/>
-            <a:r>
-              <a:rPr lang="en-US" sz="1100" b="1" dirty="0"/>
-              <a:t>Token redemption</a:t>
-            </a:r>
-          </a:p>
-        </p:txBody>
-      </p:sp>
-      <p:cxnSp>
-        <p:nvCxnSpPr>
-          <p:cNvPr id="63" name="Elbow Connector 62">
-            <a:extLst>
-              <a:ext uri="{FF2B5EF4-FFF2-40B4-BE49-F238E27FC236}">
-                <a16:creationId xmlns:a16="http://schemas.microsoft.com/office/drawing/2014/main" id="{EFE996B2-9DD6-434B-8802-FF642C97DF09}"/>
-              </a:ext>
-            </a:extLst>
-          </p:cNvPr>
-          <p:cNvCxnSpPr>
-            <a:cxnSpLocks/>
-            <a:stCxn id="9" idx="2"/>
-            <a:endCxn id="5" idx="3"/>
-          </p:cNvCxnSpPr>
-          <p:nvPr/>
-        </p:nvCxnSpPr>
-        <p:spPr>
-          <a:xfrm rot="5400000">
-            <a:off x="5438087" y="2981289"/>
-            <a:ext cx="995093" cy="1287967"/>
-          </a:xfrm>
-          <a:prstGeom prst="bentConnector2">
-            <a:avLst/>
-          </a:prstGeom>
-          <a:ln>
-            <a:tailEnd type="triangle"/>
-          </a:ln>
-        </p:spPr>
-        <p:style>
-          <a:lnRef idx="1">
-            <a:schemeClr val="accent1"/>
-          </a:lnRef>
-          <a:fillRef idx="0">
-            <a:schemeClr val="accent1"/>
-          </a:fillRef>
-          <a:effectRef idx="0">
-            <a:schemeClr val="accent1"/>
-          </a:effectRef>
-          <a:fontRef idx="minor">
-            <a:schemeClr val="tx1"/>
-          </a:fontRef>
-        </p:style>
-      </p:cxnSp>
-      <p:sp>
-        <p:nvSpPr>
-          <p:cNvPr id="75" name="TextBox 74">
-            <a:extLst>
-              <a:ext uri="{FF2B5EF4-FFF2-40B4-BE49-F238E27FC236}">
-                <a16:creationId xmlns:a16="http://schemas.microsoft.com/office/drawing/2014/main" id="{BC82F7D4-61D3-4E48-B549-79BAB4194C38}"/>
-              </a:ext>
-            </a:extLst>
-          </p:cNvPr>
-          <p:cNvSpPr txBox="1"/>
-          <p:nvPr/>
-        </p:nvSpPr>
-        <p:spPr>
-          <a:xfrm>
-            <a:off x="2849041" y="490152"/>
-            <a:ext cx="6338502" cy="584775"/>
-          </a:xfrm>
-          <a:prstGeom prst="rect">
-            <a:avLst/>
-          </a:prstGeom>
-          <a:noFill/>
-        </p:spPr>
-        <p:txBody>
-          <a:bodyPr wrap="square" rtlCol="0">
-            <a:spAutoFit/>
-          </a:bodyPr>
-          <a:lstStyle/>
-          <a:p>
             <a:pPr algn="ctr" defTabSz="457200"/>
             <a:r>
-              <a:rPr lang="en-US" sz="3200" b="1" dirty="0">
+              <a:rPr lang="en-US" sz="2800" b="1" dirty="0">
                 <a:solidFill>
-                  <a:schemeClr val="bg1">
+                  <a:srgbClr val="4472C4">
                     <a:lumMod val="50000"/>
-                  </a:schemeClr>
+                  </a:srgbClr>
                 </a:solidFill>
                 <a:latin typeface="Avenir Next" charset="0"/>
                 <a:ea typeface="Avenir Next" charset="0"/>
                 <a:cs typeface="Avenir Next" charset="0"/>
               </a:rPr>
-              <a:t>Target Infrastructure model </a:t>
-            </a:r>
-          </a:p>
-        </p:txBody>
-      </p:sp>
+              <a:t>Our Team</a:t>
+            </a:r>
+          </a:p>
+        </p:txBody>
+      </p:sp>
+      <p:pic>
+        <p:nvPicPr>
+          <p:cNvPr id="6" name="Picture 5">
+            <a:extLst>
+              <a:ext uri="{FF2B5EF4-FFF2-40B4-BE49-F238E27FC236}">
+                <a16:creationId xmlns:a16="http://schemas.microsoft.com/office/drawing/2014/main" id="{457DF57C-408F-E648-929B-0300EA9DD195}"/>
+              </a:ext>
+            </a:extLst>
+          </p:cNvPr>
+          <p:cNvPicPr>
+            <a:picLocks noChangeAspect="1"/>
+          </p:cNvPicPr>
+          <p:nvPr/>
+        </p:nvPicPr>
+        <p:blipFill>
+          <a:blip r:embed="rId2">
+            <a:extLst>
+              <a:ext uri="{28A0092B-C50C-407E-A947-70E740481C1C}">
+                <a14:useLocalDpi xmlns:a14="http://schemas.microsoft.com/office/drawing/2010/main" val="0"/>
+              </a:ext>
+            </a:extLst>
+          </a:blip>
+          <a:stretch>
+            <a:fillRect/>
+          </a:stretch>
+        </p:blipFill>
+        <p:spPr>
+          <a:xfrm>
+            <a:off x="0" y="20804"/>
+            <a:ext cx="12192000" cy="6816391"/>
+          </a:xfrm>
+          <a:prstGeom prst="rect">
+            <a:avLst/>
+          </a:prstGeom>
+        </p:spPr>
+      </p:pic>
     </p:spTree>
     <p:extLst>
       <p:ext uri="{BB962C8B-B14F-4D97-AF65-F5344CB8AC3E}">
-        <p14:creationId xmlns:p14="http://schemas.microsoft.com/office/powerpoint/2010/main" val="2552832760"/>
+        <p14:creationId xmlns:p14="http://schemas.microsoft.com/office/powerpoint/2010/main" val="2469119056"/>
       </p:ext>
     </p:extLst>
   </p:cSld>
@@ -5621,7 +5592,7 @@
 </p:sld>
 </file>
 
-<file path=ppt/slides/slide12.xml><?xml version="1.0" encoding="utf-8"?>
+<file path=ppt/slides/slide13.xml><?xml version="1.0" encoding="utf-8"?>
 <p:sld xmlns:a="http://schemas.openxmlformats.org/drawingml/2006/main" xmlns:r="http://schemas.openxmlformats.org/officeDocument/2006/relationships" xmlns:p="http://schemas.openxmlformats.org/presentationml/2006/main">
   <p:cSld>
     <p:bg>
@@ -5695,6 +5666,1050 @@
 </p:sld>
 </file>
 
+<file path=ppt/slides/slide14.xml><?xml version="1.0" encoding="utf-8"?>
+<p:sld xmlns:a="http://schemas.openxmlformats.org/drawingml/2006/main" xmlns:r="http://schemas.openxmlformats.org/officeDocument/2006/relationships" xmlns:p="http://schemas.openxmlformats.org/presentationml/2006/main">
+  <p:cSld>
+    <p:spTree>
+      <p:nvGrpSpPr>
+        <p:cNvPr id="1" name=""/>
+        <p:cNvGrpSpPr/>
+        <p:nvPr/>
+      </p:nvGrpSpPr>
+      <p:grpSpPr>
+        <a:xfrm>
+          <a:off x="0" y="0"/>
+          <a:ext cx="0" cy="0"/>
+          <a:chOff x="0" y="0"/>
+          <a:chExt cx="0" cy="0"/>
+        </a:xfrm>
+      </p:grpSpPr>
+      <p:sp>
+        <p:nvSpPr>
+          <p:cNvPr id="2" name="Rectangle 1">
+            <a:extLst>
+              <a:ext uri="{FF2B5EF4-FFF2-40B4-BE49-F238E27FC236}">
+                <a16:creationId xmlns:a16="http://schemas.microsoft.com/office/drawing/2014/main" id="{2AD630B4-579C-8641-A8E5-09003000320A}"/>
+              </a:ext>
+            </a:extLst>
+          </p:cNvPr>
+          <p:cNvSpPr/>
+          <p:nvPr/>
+        </p:nvSpPr>
+        <p:spPr>
+          <a:xfrm>
+            <a:off x="3968371" y="1868723"/>
+            <a:ext cx="3313375" cy="339219"/>
+          </a:xfrm>
+          <a:prstGeom prst="rect">
+            <a:avLst/>
+          </a:prstGeom>
+          <a:solidFill>
+            <a:schemeClr val="bg1">
+              <a:lumMod val="95000"/>
+            </a:schemeClr>
+          </a:solidFill>
+        </p:spPr>
+        <p:style>
+          <a:lnRef idx="2">
+            <a:schemeClr val="accent1">
+              <a:shade val="50000"/>
+            </a:schemeClr>
+          </a:lnRef>
+          <a:fillRef idx="1">
+            <a:schemeClr val="accent1"/>
+          </a:fillRef>
+          <a:effectRef idx="0">
+            <a:schemeClr val="accent1"/>
+          </a:effectRef>
+          <a:fontRef idx="minor">
+            <a:schemeClr val="lt1"/>
+          </a:fontRef>
+        </p:style>
+        <p:txBody>
+          <a:bodyPr rtlCol="0" anchor="ctr"/>
+          <a:lstStyle/>
+          <a:p>
+            <a:pPr algn="ctr"/>
+            <a:r>
+              <a:rPr lang="en-US" sz="1600" dirty="0">
+                <a:solidFill>
+                  <a:schemeClr val="tx1"/>
+                </a:solidFill>
+                <a:latin typeface="Abadi MT Condensed Light" panose="020B0306030101010103" pitchFamily="34" charset="77"/>
+              </a:rPr>
+              <a:t>Blockchain  Network</a:t>
+            </a:r>
+          </a:p>
+        </p:txBody>
+      </p:sp>
+      <p:sp>
+        <p:nvSpPr>
+          <p:cNvPr id="3" name="Rectangle 2">
+            <a:extLst>
+              <a:ext uri="{FF2B5EF4-FFF2-40B4-BE49-F238E27FC236}">
+                <a16:creationId xmlns:a16="http://schemas.microsoft.com/office/drawing/2014/main" id="{FDB751DD-A31E-EC45-9359-BB38531D298F}"/>
+              </a:ext>
+            </a:extLst>
+          </p:cNvPr>
+          <p:cNvSpPr/>
+          <p:nvPr/>
+        </p:nvSpPr>
+        <p:spPr>
+          <a:xfrm>
+            <a:off x="3950182" y="2599786"/>
+            <a:ext cx="1330316" cy="591012"/>
+          </a:xfrm>
+          <a:prstGeom prst="rect">
+            <a:avLst/>
+          </a:prstGeom>
+          <a:noFill/>
+        </p:spPr>
+        <p:style>
+          <a:lnRef idx="2">
+            <a:schemeClr val="accent1">
+              <a:shade val="50000"/>
+            </a:schemeClr>
+          </a:lnRef>
+          <a:fillRef idx="1">
+            <a:schemeClr val="accent1"/>
+          </a:fillRef>
+          <a:effectRef idx="0">
+            <a:schemeClr val="accent1"/>
+          </a:effectRef>
+          <a:fontRef idx="minor">
+            <a:schemeClr val="lt1"/>
+          </a:fontRef>
+        </p:style>
+        <p:txBody>
+          <a:bodyPr rtlCol="0" anchor="ctr"/>
+          <a:lstStyle/>
+          <a:p>
+            <a:pPr algn="ctr"/>
+            <a:r>
+              <a:rPr lang="en-US" sz="1000" dirty="0">
+                <a:solidFill>
+                  <a:schemeClr val="tx1"/>
+                </a:solidFill>
+              </a:rPr>
+              <a:t>Donor tokenization (smart contract)</a:t>
+            </a:r>
+          </a:p>
+        </p:txBody>
+      </p:sp>
+      <p:sp>
+        <p:nvSpPr>
+          <p:cNvPr id="5" name="Rectangle 4">
+            <a:extLst>
+              <a:ext uri="{FF2B5EF4-FFF2-40B4-BE49-F238E27FC236}">
+                <a16:creationId xmlns:a16="http://schemas.microsoft.com/office/drawing/2014/main" id="{6B0874CB-F86F-6C45-9848-05DC4E8EC175}"/>
+              </a:ext>
+            </a:extLst>
+          </p:cNvPr>
+          <p:cNvSpPr/>
+          <p:nvPr/>
+        </p:nvSpPr>
+        <p:spPr>
+          <a:xfrm>
+            <a:off x="3968371" y="3827313"/>
+            <a:ext cx="1323278" cy="591012"/>
+          </a:xfrm>
+          <a:prstGeom prst="rect">
+            <a:avLst/>
+          </a:prstGeom>
+          <a:noFill/>
+        </p:spPr>
+        <p:style>
+          <a:lnRef idx="2">
+            <a:schemeClr val="accent1">
+              <a:shade val="50000"/>
+            </a:schemeClr>
+          </a:lnRef>
+          <a:fillRef idx="1">
+            <a:schemeClr val="accent1"/>
+          </a:fillRef>
+          <a:effectRef idx="0">
+            <a:schemeClr val="accent1"/>
+          </a:effectRef>
+          <a:fontRef idx="minor">
+            <a:schemeClr val="lt1"/>
+          </a:fontRef>
+        </p:style>
+        <p:txBody>
+          <a:bodyPr rtlCol="0" anchor="ctr"/>
+          <a:lstStyle/>
+          <a:p>
+            <a:pPr algn="ctr"/>
+            <a:r>
+              <a:rPr lang="en-US" sz="1000" dirty="0">
+                <a:solidFill>
+                  <a:schemeClr val="tx1"/>
+                </a:solidFill>
+              </a:rPr>
+              <a:t>User generation (beneficiaries)</a:t>
+            </a:r>
+          </a:p>
+        </p:txBody>
+      </p:sp>
+      <p:sp>
+        <p:nvSpPr>
+          <p:cNvPr id="9" name="Rectangle 8">
+            <a:extLst>
+              <a:ext uri="{FF2B5EF4-FFF2-40B4-BE49-F238E27FC236}">
+                <a16:creationId xmlns:a16="http://schemas.microsoft.com/office/drawing/2014/main" id="{00071B45-9B1E-1149-9961-7069959C0A9C}"/>
+              </a:ext>
+            </a:extLst>
+          </p:cNvPr>
+          <p:cNvSpPr/>
+          <p:nvPr/>
+        </p:nvSpPr>
+        <p:spPr>
+          <a:xfrm>
+            <a:off x="5877486" y="2536714"/>
+            <a:ext cx="1404260" cy="591012"/>
+          </a:xfrm>
+          <a:prstGeom prst="rect">
+            <a:avLst/>
+          </a:prstGeom>
+          <a:noFill/>
+        </p:spPr>
+        <p:style>
+          <a:lnRef idx="2">
+            <a:schemeClr val="accent1">
+              <a:shade val="50000"/>
+            </a:schemeClr>
+          </a:lnRef>
+          <a:fillRef idx="1">
+            <a:schemeClr val="accent1"/>
+          </a:fillRef>
+          <a:effectRef idx="0">
+            <a:schemeClr val="accent1"/>
+          </a:effectRef>
+          <a:fontRef idx="minor">
+            <a:schemeClr val="lt1"/>
+          </a:fontRef>
+        </p:style>
+        <p:txBody>
+          <a:bodyPr rtlCol="0" anchor="ctr"/>
+          <a:lstStyle/>
+          <a:p>
+            <a:pPr algn="ctr"/>
+            <a:r>
+              <a:rPr lang="en-US" sz="1050" dirty="0">
+                <a:solidFill>
+                  <a:schemeClr val="tx1"/>
+                </a:solidFill>
+              </a:rPr>
+              <a:t>Token disbursement</a:t>
+            </a:r>
+          </a:p>
+        </p:txBody>
+      </p:sp>
+      <p:sp>
+        <p:nvSpPr>
+          <p:cNvPr id="10" name="Rectangle 9">
+            <a:extLst>
+              <a:ext uri="{FF2B5EF4-FFF2-40B4-BE49-F238E27FC236}">
+                <a16:creationId xmlns:a16="http://schemas.microsoft.com/office/drawing/2014/main" id="{0EE5B42E-6A7E-284F-9C08-6D91D4708A05}"/>
+              </a:ext>
+            </a:extLst>
+          </p:cNvPr>
+          <p:cNvSpPr/>
+          <p:nvPr/>
+        </p:nvSpPr>
+        <p:spPr>
+          <a:xfrm>
+            <a:off x="6773360" y="3461915"/>
+            <a:ext cx="824794" cy="591012"/>
+          </a:xfrm>
+          <a:prstGeom prst="rect">
+            <a:avLst/>
+          </a:prstGeom>
+          <a:noFill/>
+        </p:spPr>
+        <p:style>
+          <a:lnRef idx="2">
+            <a:schemeClr val="accent1">
+              <a:shade val="50000"/>
+            </a:schemeClr>
+          </a:lnRef>
+          <a:fillRef idx="1">
+            <a:schemeClr val="accent1"/>
+          </a:fillRef>
+          <a:effectRef idx="0">
+            <a:schemeClr val="accent1"/>
+          </a:effectRef>
+          <a:fontRef idx="minor">
+            <a:schemeClr val="lt1"/>
+          </a:fontRef>
+        </p:style>
+        <p:txBody>
+          <a:bodyPr rtlCol="0" anchor="ctr"/>
+          <a:lstStyle/>
+          <a:p>
+            <a:pPr algn="ctr"/>
+            <a:r>
+              <a:rPr lang="en-US" sz="1050" dirty="0">
+                <a:solidFill>
+                  <a:schemeClr val="tx1"/>
+                </a:solidFill>
+              </a:rPr>
+              <a:t>Beneficiary User Verification</a:t>
+            </a:r>
+          </a:p>
+        </p:txBody>
+      </p:sp>
+      <p:sp>
+        <p:nvSpPr>
+          <p:cNvPr id="16" name="Rectangle 15">
+            <a:extLst>
+              <a:ext uri="{FF2B5EF4-FFF2-40B4-BE49-F238E27FC236}">
+                <a16:creationId xmlns:a16="http://schemas.microsoft.com/office/drawing/2014/main" id="{F442D246-D4CB-7C46-837E-57A08F31EC86}"/>
+              </a:ext>
+            </a:extLst>
+          </p:cNvPr>
+          <p:cNvSpPr/>
+          <p:nvPr/>
+        </p:nvSpPr>
+        <p:spPr>
+          <a:xfrm>
+            <a:off x="1378627" y="2548950"/>
+            <a:ext cx="1184955" cy="591012"/>
+          </a:xfrm>
+          <a:prstGeom prst="rect">
+            <a:avLst/>
+          </a:prstGeom>
+          <a:noFill/>
+        </p:spPr>
+        <p:style>
+          <a:lnRef idx="2">
+            <a:schemeClr val="accent1">
+              <a:shade val="50000"/>
+            </a:schemeClr>
+          </a:lnRef>
+          <a:fillRef idx="1">
+            <a:schemeClr val="accent1"/>
+          </a:fillRef>
+          <a:effectRef idx="0">
+            <a:schemeClr val="accent1"/>
+          </a:effectRef>
+          <a:fontRef idx="minor">
+            <a:schemeClr val="lt1"/>
+          </a:fontRef>
+        </p:style>
+        <p:txBody>
+          <a:bodyPr rtlCol="0" anchor="ctr"/>
+          <a:lstStyle/>
+          <a:p>
+            <a:pPr algn="ctr"/>
+            <a:r>
+              <a:rPr lang="en-US" sz="900" dirty="0">
+                <a:solidFill>
+                  <a:schemeClr val="tx1"/>
+                </a:solidFill>
+              </a:rPr>
+              <a:t>Participating Bank Application </a:t>
+            </a:r>
+          </a:p>
+          <a:p>
+            <a:pPr algn="ctr"/>
+            <a:r>
+              <a:rPr lang="en-US" sz="900" b="1" dirty="0">
+                <a:solidFill>
+                  <a:schemeClr val="tx1"/>
+                </a:solidFill>
+              </a:rPr>
+              <a:t>(Bank web  portal)</a:t>
+            </a:r>
+          </a:p>
+        </p:txBody>
+      </p:sp>
+      <p:cxnSp>
+        <p:nvCxnSpPr>
+          <p:cNvPr id="18" name="Straight Arrow Connector 17">
+            <a:extLst>
+              <a:ext uri="{FF2B5EF4-FFF2-40B4-BE49-F238E27FC236}">
+                <a16:creationId xmlns:a16="http://schemas.microsoft.com/office/drawing/2014/main" id="{CBC72C5C-6636-C849-9D2C-6899DFA4FDF2}"/>
+              </a:ext>
+            </a:extLst>
+          </p:cNvPr>
+          <p:cNvCxnSpPr>
+            <a:stCxn id="16" idx="3"/>
+          </p:cNvCxnSpPr>
+          <p:nvPr/>
+        </p:nvCxnSpPr>
+        <p:spPr>
+          <a:xfrm>
+            <a:off x="2563582" y="2844456"/>
+            <a:ext cx="1261286" cy="0"/>
+          </a:xfrm>
+          <a:prstGeom prst="straightConnector1">
+            <a:avLst/>
+          </a:prstGeom>
+          <a:ln>
+            <a:tailEnd type="triangle"/>
+          </a:ln>
+        </p:spPr>
+        <p:style>
+          <a:lnRef idx="1">
+            <a:schemeClr val="accent1"/>
+          </a:lnRef>
+          <a:fillRef idx="0">
+            <a:schemeClr val="accent1"/>
+          </a:fillRef>
+          <a:effectRef idx="0">
+            <a:schemeClr val="accent1"/>
+          </a:effectRef>
+          <a:fontRef idx="minor">
+            <a:schemeClr val="tx1"/>
+          </a:fontRef>
+        </p:style>
+      </p:cxnSp>
+      <p:sp>
+        <p:nvSpPr>
+          <p:cNvPr id="19" name="Rectangle 18">
+            <a:extLst>
+              <a:ext uri="{FF2B5EF4-FFF2-40B4-BE49-F238E27FC236}">
+                <a16:creationId xmlns:a16="http://schemas.microsoft.com/office/drawing/2014/main" id="{817EFB87-BED3-4349-9FCB-0E380D94A38E}"/>
+              </a:ext>
+            </a:extLst>
+          </p:cNvPr>
+          <p:cNvSpPr/>
+          <p:nvPr/>
+        </p:nvSpPr>
+        <p:spPr>
+          <a:xfrm>
+            <a:off x="9178772" y="3165305"/>
+            <a:ext cx="1547502" cy="852172"/>
+          </a:xfrm>
+          <a:prstGeom prst="rect">
+            <a:avLst/>
+          </a:prstGeom>
+          <a:noFill/>
+        </p:spPr>
+        <p:style>
+          <a:lnRef idx="2">
+            <a:schemeClr val="accent1">
+              <a:shade val="50000"/>
+            </a:schemeClr>
+          </a:lnRef>
+          <a:fillRef idx="1">
+            <a:schemeClr val="accent1"/>
+          </a:fillRef>
+          <a:effectRef idx="0">
+            <a:schemeClr val="accent1"/>
+          </a:effectRef>
+          <a:fontRef idx="minor">
+            <a:schemeClr val="lt1"/>
+          </a:fontRef>
+        </p:style>
+        <p:txBody>
+          <a:bodyPr rtlCol="0" anchor="ctr"/>
+          <a:lstStyle/>
+          <a:p>
+            <a:pPr algn="ctr"/>
+            <a:r>
+              <a:rPr lang="en-US" sz="900" b="1" dirty="0">
+                <a:solidFill>
+                  <a:schemeClr val="tx1"/>
+                </a:solidFill>
+              </a:rPr>
+              <a:t>Merchant POS app</a:t>
+            </a:r>
+          </a:p>
+          <a:p>
+            <a:pPr marL="171450" indent="-171450">
+              <a:buFontTx/>
+              <a:buChar char="-"/>
+            </a:pPr>
+            <a:r>
+              <a:rPr lang="en-US" sz="900" dirty="0">
+                <a:solidFill>
+                  <a:schemeClr val="tx1"/>
+                </a:solidFill>
+              </a:rPr>
+              <a:t>Record beneficiary transactions</a:t>
+            </a:r>
+          </a:p>
+          <a:p>
+            <a:pPr marL="171450" indent="-171450">
+              <a:buFontTx/>
+              <a:buChar char="-"/>
+            </a:pPr>
+            <a:r>
+              <a:rPr lang="en-US" sz="900" dirty="0">
+                <a:solidFill>
+                  <a:schemeClr val="tx1"/>
+                </a:solidFill>
+              </a:rPr>
+              <a:t>Token redemption for fiat</a:t>
+            </a:r>
+          </a:p>
+          <a:p>
+            <a:pPr algn="ctr"/>
+            <a:r>
+              <a:rPr lang="en-US" sz="900" b="1" dirty="0">
+                <a:solidFill>
+                  <a:schemeClr val="tx1"/>
+                </a:solidFill>
+              </a:rPr>
+              <a:t>(Web app- HTML, CSS)</a:t>
+            </a:r>
+          </a:p>
+        </p:txBody>
+      </p:sp>
+      <p:sp>
+        <p:nvSpPr>
+          <p:cNvPr id="20" name="Rectangle 19">
+            <a:extLst>
+              <a:ext uri="{FF2B5EF4-FFF2-40B4-BE49-F238E27FC236}">
+                <a16:creationId xmlns:a16="http://schemas.microsoft.com/office/drawing/2014/main" id="{72644FAB-8E7E-0B49-9EAE-2E6C17C4BF1E}"/>
+              </a:ext>
+            </a:extLst>
+          </p:cNvPr>
+          <p:cNvSpPr/>
+          <p:nvPr/>
+        </p:nvSpPr>
+        <p:spPr>
+          <a:xfrm>
+            <a:off x="1971105" y="3878368"/>
+            <a:ext cx="1552680" cy="677470"/>
+          </a:xfrm>
+          <a:prstGeom prst="rect">
+            <a:avLst/>
+          </a:prstGeom>
+          <a:noFill/>
+        </p:spPr>
+        <p:style>
+          <a:lnRef idx="2">
+            <a:schemeClr val="accent1">
+              <a:shade val="50000"/>
+            </a:schemeClr>
+          </a:lnRef>
+          <a:fillRef idx="1">
+            <a:schemeClr val="accent1"/>
+          </a:fillRef>
+          <a:effectRef idx="0">
+            <a:schemeClr val="accent1"/>
+          </a:effectRef>
+          <a:fontRef idx="minor">
+            <a:schemeClr val="lt1"/>
+          </a:fontRef>
+        </p:style>
+        <p:txBody>
+          <a:bodyPr rtlCol="0" anchor="ctr"/>
+          <a:lstStyle/>
+          <a:p>
+            <a:r>
+              <a:rPr lang="en-US" sz="900" b="1" dirty="0">
+                <a:solidFill>
+                  <a:schemeClr val="tx1"/>
+                </a:solidFill>
+              </a:rPr>
+              <a:t>Donor app</a:t>
+            </a:r>
+          </a:p>
+          <a:p>
+            <a:pPr marL="171450" indent="-171450">
+              <a:buFontTx/>
+              <a:buChar char="-"/>
+            </a:pPr>
+            <a:r>
+              <a:rPr lang="en-US" sz="900" dirty="0">
+                <a:solidFill>
+                  <a:schemeClr val="tx1"/>
+                </a:solidFill>
+              </a:rPr>
+              <a:t>Reporting</a:t>
+            </a:r>
+          </a:p>
+          <a:p>
+            <a:pPr marL="171450" indent="-171450">
+              <a:buFontTx/>
+              <a:buChar char="-"/>
+            </a:pPr>
+            <a:r>
+              <a:rPr lang="en-US" sz="900" dirty="0">
+                <a:solidFill>
+                  <a:schemeClr val="tx1"/>
+                </a:solidFill>
+              </a:rPr>
+              <a:t>User registration (local donor partner)</a:t>
+            </a:r>
+          </a:p>
+          <a:p>
+            <a:r>
+              <a:rPr lang="en-US" sz="900" b="1" dirty="0">
+                <a:solidFill>
+                  <a:schemeClr val="tx1"/>
+                </a:solidFill>
+              </a:rPr>
+              <a:t>(Donor web portal)</a:t>
+            </a:r>
+          </a:p>
+        </p:txBody>
+      </p:sp>
+      <p:sp>
+        <p:nvSpPr>
+          <p:cNvPr id="21" name="Rectangle 20">
+            <a:extLst>
+              <a:ext uri="{FF2B5EF4-FFF2-40B4-BE49-F238E27FC236}">
+                <a16:creationId xmlns:a16="http://schemas.microsoft.com/office/drawing/2014/main" id="{9C798DDE-AB4A-9542-B846-C8C51D3A5891}"/>
+              </a:ext>
+            </a:extLst>
+          </p:cNvPr>
+          <p:cNvSpPr/>
+          <p:nvPr/>
+        </p:nvSpPr>
+        <p:spPr>
+          <a:xfrm>
+            <a:off x="9159923" y="1868722"/>
+            <a:ext cx="1566351" cy="339219"/>
+          </a:xfrm>
+          <a:prstGeom prst="rect">
+            <a:avLst/>
+          </a:prstGeom>
+          <a:solidFill>
+            <a:schemeClr val="bg1">
+              <a:lumMod val="95000"/>
+            </a:schemeClr>
+          </a:solidFill>
+        </p:spPr>
+        <p:style>
+          <a:lnRef idx="2">
+            <a:schemeClr val="accent1">
+              <a:shade val="50000"/>
+            </a:schemeClr>
+          </a:lnRef>
+          <a:fillRef idx="1">
+            <a:schemeClr val="accent1"/>
+          </a:fillRef>
+          <a:effectRef idx="0">
+            <a:schemeClr val="accent1"/>
+          </a:effectRef>
+          <a:fontRef idx="minor">
+            <a:schemeClr val="lt1"/>
+          </a:fontRef>
+        </p:style>
+        <p:txBody>
+          <a:bodyPr rtlCol="0" anchor="ctr"/>
+          <a:lstStyle/>
+          <a:p>
+            <a:pPr algn="ctr"/>
+            <a:r>
+              <a:rPr lang="en-US" sz="1400" dirty="0">
+                <a:solidFill>
+                  <a:schemeClr val="tx1"/>
+                </a:solidFill>
+                <a:latin typeface="Abadi MT Condensed Light" panose="020B0306030101010103" pitchFamily="34" charset="77"/>
+              </a:rPr>
+              <a:t>Merchant Ecosystem</a:t>
+            </a:r>
+          </a:p>
+        </p:txBody>
+      </p:sp>
+      <p:cxnSp>
+        <p:nvCxnSpPr>
+          <p:cNvPr id="24" name="Elbow Connector 23">
+            <a:extLst>
+              <a:ext uri="{FF2B5EF4-FFF2-40B4-BE49-F238E27FC236}">
+                <a16:creationId xmlns:a16="http://schemas.microsoft.com/office/drawing/2014/main" id="{6EC8F6A2-A2CF-A74C-B00D-7AFE33220B75}"/>
+              </a:ext>
+            </a:extLst>
+          </p:cNvPr>
+          <p:cNvCxnSpPr>
+            <a:cxnSpLocks/>
+            <a:stCxn id="19" idx="3"/>
+            <a:endCxn id="16" idx="2"/>
+          </p:cNvCxnSpPr>
+          <p:nvPr/>
+        </p:nvCxnSpPr>
+        <p:spPr>
+          <a:xfrm flipH="1" flipV="1">
+            <a:off x="1971105" y="3139962"/>
+            <a:ext cx="8755169" cy="451429"/>
+          </a:xfrm>
+          <a:prstGeom prst="bentConnector4">
+            <a:avLst>
+              <a:gd name="adj1" fmla="val -2611"/>
+              <a:gd name="adj2" fmla="val -384497"/>
+            </a:avLst>
+          </a:prstGeom>
+          <a:ln>
+            <a:tailEnd type="triangle"/>
+          </a:ln>
+        </p:spPr>
+        <p:style>
+          <a:lnRef idx="1">
+            <a:schemeClr val="accent1"/>
+          </a:lnRef>
+          <a:fillRef idx="0">
+            <a:schemeClr val="accent1"/>
+          </a:fillRef>
+          <a:effectRef idx="0">
+            <a:schemeClr val="accent1"/>
+          </a:effectRef>
+          <a:fontRef idx="minor">
+            <a:schemeClr val="tx1"/>
+          </a:fontRef>
+        </p:style>
+      </p:cxnSp>
+      <p:cxnSp>
+        <p:nvCxnSpPr>
+          <p:cNvPr id="33" name="Straight Arrow Connector 32">
+            <a:extLst>
+              <a:ext uri="{FF2B5EF4-FFF2-40B4-BE49-F238E27FC236}">
+                <a16:creationId xmlns:a16="http://schemas.microsoft.com/office/drawing/2014/main" id="{56E118F9-5045-7D4E-B38C-0F131E4E5A15}"/>
+              </a:ext>
+            </a:extLst>
+          </p:cNvPr>
+          <p:cNvCxnSpPr>
+            <a:cxnSpLocks/>
+          </p:cNvCxnSpPr>
+          <p:nvPr/>
+        </p:nvCxnSpPr>
+        <p:spPr>
+          <a:xfrm>
+            <a:off x="5291649" y="2844456"/>
+            <a:ext cx="478243" cy="0"/>
+          </a:xfrm>
+          <a:prstGeom prst="straightConnector1">
+            <a:avLst/>
+          </a:prstGeom>
+          <a:ln>
+            <a:tailEnd type="triangle"/>
+          </a:ln>
+        </p:spPr>
+        <p:style>
+          <a:lnRef idx="1">
+            <a:schemeClr val="accent1"/>
+          </a:lnRef>
+          <a:fillRef idx="0">
+            <a:schemeClr val="accent1"/>
+          </a:fillRef>
+          <a:effectRef idx="0">
+            <a:schemeClr val="accent1"/>
+          </a:effectRef>
+          <a:fontRef idx="minor">
+            <a:schemeClr val="tx1"/>
+          </a:fontRef>
+        </p:style>
+      </p:cxnSp>
+      <p:cxnSp>
+        <p:nvCxnSpPr>
+          <p:cNvPr id="45" name="Elbow Connector 44">
+            <a:extLst>
+              <a:ext uri="{FF2B5EF4-FFF2-40B4-BE49-F238E27FC236}">
+                <a16:creationId xmlns:a16="http://schemas.microsoft.com/office/drawing/2014/main" id="{A7870E4B-5581-B441-A7DD-2EFE3A9FEE49}"/>
+              </a:ext>
+            </a:extLst>
+          </p:cNvPr>
+          <p:cNvCxnSpPr>
+            <a:cxnSpLocks/>
+            <a:stCxn id="10" idx="3"/>
+            <a:endCxn id="19" idx="1"/>
+          </p:cNvCxnSpPr>
+          <p:nvPr/>
+        </p:nvCxnSpPr>
+        <p:spPr>
+          <a:xfrm flipV="1">
+            <a:off x="7598154" y="3591391"/>
+            <a:ext cx="1580618" cy="166030"/>
+          </a:xfrm>
+          <a:prstGeom prst="bentConnector3">
+            <a:avLst/>
+          </a:prstGeom>
+          <a:ln>
+            <a:tailEnd type="triangle"/>
+          </a:ln>
+        </p:spPr>
+        <p:style>
+          <a:lnRef idx="1">
+            <a:schemeClr val="accent1"/>
+          </a:lnRef>
+          <a:fillRef idx="0">
+            <a:schemeClr val="accent1"/>
+          </a:fillRef>
+          <a:effectRef idx="0">
+            <a:schemeClr val="accent1"/>
+          </a:effectRef>
+          <a:fontRef idx="minor">
+            <a:schemeClr val="tx1"/>
+          </a:fontRef>
+        </p:style>
+      </p:cxnSp>
+      <p:cxnSp>
+        <p:nvCxnSpPr>
+          <p:cNvPr id="47" name="Elbow Connector 46">
+            <a:extLst>
+              <a:ext uri="{FF2B5EF4-FFF2-40B4-BE49-F238E27FC236}">
+                <a16:creationId xmlns:a16="http://schemas.microsoft.com/office/drawing/2014/main" id="{A298BEEF-CB51-934E-9D2C-06644B0BDD97}"/>
+              </a:ext>
+            </a:extLst>
+          </p:cNvPr>
+          <p:cNvCxnSpPr>
+            <a:cxnSpLocks/>
+            <a:stCxn id="19" idx="2"/>
+            <a:endCxn id="10" idx="2"/>
+          </p:cNvCxnSpPr>
+          <p:nvPr/>
+        </p:nvCxnSpPr>
+        <p:spPr>
+          <a:xfrm rot="5400000">
+            <a:off x="8551415" y="2651819"/>
+            <a:ext cx="35450" cy="2766766"/>
+          </a:xfrm>
+          <a:prstGeom prst="bentConnector3">
+            <a:avLst>
+              <a:gd name="adj1" fmla="val 744852"/>
+            </a:avLst>
+          </a:prstGeom>
+          <a:ln>
+            <a:tailEnd type="triangle"/>
+          </a:ln>
+        </p:spPr>
+        <p:style>
+          <a:lnRef idx="1">
+            <a:schemeClr val="accent1"/>
+          </a:lnRef>
+          <a:fillRef idx="0">
+            <a:schemeClr val="accent1"/>
+          </a:fillRef>
+          <a:effectRef idx="0">
+            <a:schemeClr val="accent1"/>
+          </a:effectRef>
+          <a:fontRef idx="minor">
+            <a:schemeClr val="tx1"/>
+          </a:fontRef>
+        </p:style>
+      </p:cxnSp>
+      <p:cxnSp>
+        <p:nvCxnSpPr>
+          <p:cNvPr id="54" name="Straight Arrow Connector 53">
+            <a:extLst>
+              <a:ext uri="{FF2B5EF4-FFF2-40B4-BE49-F238E27FC236}">
+                <a16:creationId xmlns:a16="http://schemas.microsoft.com/office/drawing/2014/main" id="{5A4185F1-9F81-E740-953C-1268C413CCAB}"/>
+              </a:ext>
+            </a:extLst>
+          </p:cNvPr>
+          <p:cNvCxnSpPr>
+            <a:cxnSpLocks/>
+          </p:cNvCxnSpPr>
+          <p:nvPr/>
+        </p:nvCxnSpPr>
+        <p:spPr>
+          <a:xfrm>
+            <a:off x="3445727" y="4122819"/>
+            <a:ext cx="539441" cy="0"/>
+          </a:xfrm>
+          <a:prstGeom prst="straightConnector1">
+            <a:avLst/>
+          </a:prstGeom>
+          <a:ln>
+            <a:tailEnd type="triangle"/>
+          </a:ln>
+        </p:spPr>
+        <p:style>
+          <a:lnRef idx="1">
+            <a:schemeClr val="accent1"/>
+          </a:lnRef>
+          <a:fillRef idx="0">
+            <a:schemeClr val="accent1"/>
+          </a:fillRef>
+          <a:effectRef idx="0">
+            <a:schemeClr val="accent1"/>
+          </a:effectRef>
+          <a:fontRef idx="minor">
+            <a:schemeClr val="tx1"/>
+          </a:fontRef>
+        </p:style>
+      </p:cxnSp>
+      <p:sp>
+        <p:nvSpPr>
+          <p:cNvPr id="59" name="Rounded Rectangle 58">
+            <a:extLst>
+              <a:ext uri="{FF2B5EF4-FFF2-40B4-BE49-F238E27FC236}">
+                <a16:creationId xmlns:a16="http://schemas.microsoft.com/office/drawing/2014/main" id="{9230F8C2-EC0E-0E44-AD44-BE1E73D64091}"/>
+              </a:ext>
+            </a:extLst>
+          </p:cNvPr>
+          <p:cNvSpPr/>
+          <p:nvPr/>
+        </p:nvSpPr>
+        <p:spPr>
+          <a:xfrm>
+            <a:off x="3824868" y="2378446"/>
+            <a:ext cx="3936381" cy="2472335"/>
+          </a:xfrm>
+          <a:prstGeom prst="roundRect">
+            <a:avLst/>
+          </a:prstGeom>
+          <a:noFill/>
+          <a:ln>
+            <a:prstDash val="dash"/>
+          </a:ln>
+        </p:spPr>
+        <p:style>
+          <a:lnRef idx="2">
+            <a:schemeClr val="accent1">
+              <a:shade val="50000"/>
+            </a:schemeClr>
+          </a:lnRef>
+          <a:fillRef idx="1">
+            <a:schemeClr val="accent1"/>
+          </a:fillRef>
+          <a:effectRef idx="0">
+            <a:schemeClr val="accent1"/>
+          </a:effectRef>
+          <a:fontRef idx="minor">
+            <a:schemeClr val="lt1"/>
+          </a:fontRef>
+        </p:style>
+        <p:txBody>
+          <a:bodyPr rtlCol="0" anchor="ctr"/>
+          <a:lstStyle/>
+          <a:p>
+            <a:pPr algn="ctr"/>
+            <a:endParaRPr lang="en-US"/>
+          </a:p>
+        </p:txBody>
+      </p:sp>
+      <p:sp>
+        <p:nvSpPr>
+          <p:cNvPr id="60" name="TextBox 59">
+            <a:extLst>
+              <a:ext uri="{FF2B5EF4-FFF2-40B4-BE49-F238E27FC236}">
+                <a16:creationId xmlns:a16="http://schemas.microsoft.com/office/drawing/2014/main" id="{66D9A0D2-137E-744A-80CB-A552109307B4}"/>
+              </a:ext>
+            </a:extLst>
+          </p:cNvPr>
+          <p:cNvSpPr txBox="1"/>
+          <p:nvPr/>
+        </p:nvSpPr>
+        <p:spPr>
+          <a:xfrm>
+            <a:off x="4615340" y="5110446"/>
+            <a:ext cx="2570417" cy="261610"/>
+          </a:xfrm>
+          <a:prstGeom prst="rect">
+            <a:avLst/>
+          </a:prstGeom>
+          <a:noFill/>
+        </p:spPr>
+        <p:txBody>
+          <a:bodyPr wrap="square" rtlCol="0">
+            <a:spAutoFit/>
+          </a:bodyPr>
+          <a:lstStyle/>
+          <a:p>
+            <a:pPr algn="ctr"/>
+            <a:r>
+              <a:rPr lang="en-US" sz="1100" b="1" dirty="0"/>
+              <a:t>Token redemption</a:t>
+            </a:r>
+          </a:p>
+        </p:txBody>
+      </p:sp>
+      <p:cxnSp>
+        <p:nvCxnSpPr>
+          <p:cNvPr id="63" name="Elbow Connector 62">
+            <a:extLst>
+              <a:ext uri="{FF2B5EF4-FFF2-40B4-BE49-F238E27FC236}">
+                <a16:creationId xmlns:a16="http://schemas.microsoft.com/office/drawing/2014/main" id="{EFE996B2-9DD6-434B-8802-FF642C97DF09}"/>
+              </a:ext>
+            </a:extLst>
+          </p:cNvPr>
+          <p:cNvCxnSpPr>
+            <a:cxnSpLocks/>
+            <a:stCxn id="9" idx="2"/>
+            <a:endCxn id="5" idx="3"/>
+          </p:cNvCxnSpPr>
+          <p:nvPr/>
+        </p:nvCxnSpPr>
+        <p:spPr>
+          <a:xfrm rot="5400000">
+            <a:off x="5438087" y="2981289"/>
+            <a:ext cx="995093" cy="1287967"/>
+          </a:xfrm>
+          <a:prstGeom prst="bentConnector2">
+            <a:avLst/>
+          </a:prstGeom>
+          <a:ln>
+            <a:tailEnd type="triangle"/>
+          </a:ln>
+        </p:spPr>
+        <p:style>
+          <a:lnRef idx="1">
+            <a:schemeClr val="accent1"/>
+          </a:lnRef>
+          <a:fillRef idx="0">
+            <a:schemeClr val="accent1"/>
+          </a:fillRef>
+          <a:effectRef idx="0">
+            <a:schemeClr val="accent1"/>
+          </a:effectRef>
+          <a:fontRef idx="minor">
+            <a:schemeClr val="tx1"/>
+          </a:fontRef>
+        </p:style>
+      </p:cxnSp>
+      <p:sp>
+        <p:nvSpPr>
+          <p:cNvPr id="75" name="TextBox 74">
+            <a:extLst>
+              <a:ext uri="{FF2B5EF4-FFF2-40B4-BE49-F238E27FC236}">
+                <a16:creationId xmlns:a16="http://schemas.microsoft.com/office/drawing/2014/main" id="{BC82F7D4-61D3-4E48-B549-79BAB4194C38}"/>
+              </a:ext>
+            </a:extLst>
+          </p:cNvPr>
+          <p:cNvSpPr txBox="1"/>
+          <p:nvPr/>
+        </p:nvSpPr>
+        <p:spPr>
+          <a:xfrm>
+            <a:off x="2849041" y="490152"/>
+            <a:ext cx="6338502" cy="584775"/>
+          </a:xfrm>
+          <a:prstGeom prst="rect">
+            <a:avLst/>
+          </a:prstGeom>
+          <a:noFill/>
+        </p:spPr>
+        <p:txBody>
+          <a:bodyPr wrap="square" rtlCol="0">
+            <a:spAutoFit/>
+          </a:bodyPr>
+          <a:lstStyle/>
+          <a:p>
+            <a:pPr algn="ctr" defTabSz="457200"/>
+            <a:r>
+              <a:rPr lang="en-US" sz="3200" b="1" dirty="0">
+                <a:solidFill>
+                  <a:schemeClr val="bg1">
+                    <a:lumMod val="50000"/>
+                  </a:schemeClr>
+                </a:solidFill>
+                <a:latin typeface="Avenir Next" charset="0"/>
+                <a:ea typeface="Avenir Next" charset="0"/>
+                <a:cs typeface="Avenir Next" charset="0"/>
+              </a:rPr>
+              <a:t>Target Infrastructure model </a:t>
+            </a:r>
+          </a:p>
+        </p:txBody>
+      </p:sp>
+    </p:spTree>
+    <p:extLst>
+      <p:ext uri="{BB962C8B-B14F-4D97-AF65-F5344CB8AC3E}">
+        <p14:creationId xmlns:p14="http://schemas.microsoft.com/office/powerpoint/2010/main" val="2552832760"/>
+      </p:ext>
+    </p:extLst>
+  </p:cSld>
+  <p:clrMapOvr>
+    <a:masterClrMapping/>
+  </p:clrMapOvr>
+</p:sld>
+</file>
+
 <file path=ppt/slides/slide2.xml><?xml version="1.0" encoding="utf-8"?>
 <p:sld xmlns:a="http://schemas.openxmlformats.org/drawingml/2006/main" xmlns:r="http://schemas.openxmlformats.org/officeDocument/2006/relationships" xmlns:p="http://schemas.openxmlformats.org/presentationml/2006/main">
   <p:cSld>
@@ -5712,6 +6727,80 @@
           <a:chExt cx="0" cy="0"/>
         </a:xfrm>
       </p:grpSpPr>
+      <p:pic>
+        <p:nvPicPr>
+          <p:cNvPr id="5" name="Picture 4">
+            <a:extLst>
+              <a:ext uri="{FF2B5EF4-FFF2-40B4-BE49-F238E27FC236}">
+                <a16:creationId xmlns:a16="http://schemas.microsoft.com/office/drawing/2014/main" id="{12051786-B8E7-FB49-8DF9-F726779F89CD}"/>
+              </a:ext>
+            </a:extLst>
+          </p:cNvPr>
+          <p:cNvPicPr>
+            <a:picLocks noChangeAspect="1"/>
+          </p:cNvPicPr>
+          <p:nvPr/>
+        </p:nvPicPr>
+        <p:blipFill>
+          <a:blip r:embed="rId2">
+            <a:extLst>
+              <a:ext uri="{28A0092B-C50C-407E-A947-70E740481C1C}">
+                <a14:useLocalDpi xmlns:a14="http://schemas.microsoft.com/office/drawing/2010/main" val="0"/>
+              </a:ext>
+            </a:extLst>
+          </a:blip>
+          <a:stretch>
+            <a:fillRect/>
+          </a:stretch>
+        </p:blipFill>
+        <p:spPr>
+          <a:xfrm>
+            <a:off x="0" y="-92765"/>
+            <a:ext cx="12351025" cy="7050155"/>
+          </a:xfrm>
+          <a:prstGeom prst="rect">
+            <a:avLst/>
+          </a:prstGeom>
+        </p:spPr>
+      </p:pic>
+    </p:spTree>
+    <p:extLst>
+      <p:ext uri="{BB962C8B-B14F-4D97-AF65-F5344CB8AC3E}">
+        <p14:creationId xmlns:p14="http://schemas.microsoft.com/office/powerpoint/2010/main" val="2456125997"/>
+      </p:ext>
+    </p:extLst>
+  </p:cSld>
+  <p:clrMapOvr>
+    <a:masterClrMapping/>
+  </p:clrMapOvr>
+</p:sld>
+</file>
+
+<file path=ppt/slides/slide3.xml><?xml version="1.0" encoding="utf-8"?>
+<p:sld xmlns:a="http://schemas.openxmlformats.org/drawingml/2006/main" xmlns:r="http://schemas.openxmlformats.org/officeDocument/2006/relationships" xmlns:p="http://schemas.openxmlformats.org/presentationml/2006/main">
+  <p:cSld>
+    <p:bg>
+      <p:bgPr>
+        <a:solidFill>
+          <a:srgbClr val="FEEB4F"/>
+        </a:solidFill>
+        <a:effectLst/>
+      </p:bgPr>
+    </p:bg>
+    <p:spTree>
+      <p:nvGrpSpPr>
+        <p:cNvPr id="1" name=""/>
+        <p:cNvGrpSpPr/>
+        <p:nvPr/>
+      </p:nvGrpSpPr>
+      <p:grpSpPr>
+        <a:xfrm>
+          <a:off x="0" y="0"/>
+          <a:ext cx="0" cy="0"/>
+          <a:chOff x="0" y="0"/>
+          <a:chExt cx="0" cy="0"/>
+        </a:xfrm>
+      </p:grpSpPr>
       <p:sp>
         <p:nvSpPr>
           <p:cNvPr id="4" name="TextBox 3">
@@ -5771,8 +6860,8 @@
         </p:nvSpPr>
         <p:spPr>
           <a:xfrm>
-            <a:off x="1828799" y="2313879"/>
-            <a:ext cx="1725283" cy="1759789"/>
+            <a:off x="2411720" y="1707596"/>
+            <a:ext cx="2388067" cy="2350885"/>
           </a:xfrm>
           <a:prstGeom prst="ellipse">
             <a:avLst/>
@@ -5806,7 +6895,7 @@
           <a:p>
             <a:pPr algn="ctr"/>
             <a:r>
-              <a:rPr lang="en-US" sz="3200" b="1" dirty="0">
+              <a:rPr lang="en-US" sz="4400" b="1" dirty="0">
                 <a:solidFill>
                   <a:schemeClr val="bg1"/>
                 </a:solidFill>
@@ -5831,8 +6920,8 @@
         </p:nvSpPr>
         <p:spPr>
           <a:xfrm>
-            <a:off x="1558378" y="4509057"/>
-            <a:ext cx="2266123" cy="738664"/>
+            <a:off x="1657683" y="4429540"/>
+            <a:ext cx="3896140" cy="523220"/>
           </a:xfrm>
           <a:prstGeom prst="rect">
             <a:avLst/>
@@ -5874,17 +6963,14 @@
         </p:nvSpPr>
         <p:spPr>
           <a:xfrm>
-            <a:off x="5428071" y="2313879"/>
-            <a:ext cx="1725283" cy="1759789"/>
+            <a:off x="7556188" y="1707597"/>
+            <a:ext cx="2388067" cy="2350885"/>
           </a:xfrm>
           <a:prstGeom prst="ellipse">
             <a:avLst/>
           </a:prstGeom>
           <a:solidFill>
-            <a:schemeClr val="accent4">
-              <a:lumMod val="60000"/>
-              <a:lumOff val="40000"/>
-            </a:schemeClr>
+            <a:srgbClr val="FFC000"/>
           </a:solidFill>
           <a:ln>
             <a:noFill/>
@@ -5912,7 +6998,7 @@
           <a:p>
             <a:pPr algn="ctr"/>
             <a:r>
-              <a:rPr lang="en-US" sz="3200" b="1" dirty="0">
+              <a:rPr lang="en-US" sz="4400" b="1" dirty="0">
                 <a:solidFill>
                   <a:schemeClr val="bg1"/>
                 </a:solidFill>
@@ -5937,8 +7023,8 @@
         </p:nvSpPr>
         <p:spPr>
           <a:xfrm>
-            <a:off x="5221252" y="4509057"/>
-            <a:ext cx="2138920" cy="523220"/>
+            <a:off x="6456348" y="4459341"/>
+            <a:ext cx="4039373" cy="307777"/>
           </a:xfrm>
           <a:prstGeom prst="rect">
             <a:avLst/>
@@ -5966,1019 +7052,10 @@
           </a:p>
         </p:txBody>
       </p:sp>
-      <p:sp>
-        <p:nvSpPr>
-          <p:cNvPr id="10" name="Oval 9">
-            <a:extLst>
-              <a:ext uri="{FF2B5EF4-FFF2-40B4-BE49-F238E27FC236}">
-                <a16:creationId xmlns:a16="http://schemas.microsoft.com/office/drawing/2014/main" id="{390FF485-6354-FA4E-B151-9C90B423C3AF}"/>
-              </a:ext>
-            </a:extLst>
-          </p:cNvPr>
-          <p:cNvSpPr/>
-          <p:nvPr/>
-        </p:nvSpPr>
-        <p:spPr>
-          <a:xfrm>
-            <a:off x="9027343" y="2313879"/>
-            <a:ext cx="1725283" cy="1759789"/>
-          </a:xfrm>
-          <a:prstGeom prst="ellipse">
-            <a:avLst/>
-          </a:prstGeom>
-          <a:solidFill>
-            <a:srgbClr val="FEEB4F"/>
-          </a:solidFill>
-          <a:ln>
-            <a:noFill/>
-          </a:ln>
-        </p:spPr>
-        <p:style>
-          <a:lnRef idx="2">
-            <a:schemeClr val="accent1">
-              <a:shade val="50000"/>
-            </a:schemeClr>
-          </a:lnRef>
-          <a:fillRef idx="1">
-            <a:schemeClr val="accent1"/>
-          </a:fillRef>
-          <a:effectRef idx="0">
-            <a:schemeClr val="accent1"/>
-          </a:effectRef>
-          <a:fontRef idx="minor">
-            <a:schemeClr val="lt1"/>
-          </a:fontRef>
-        </p:style>
-        <p:txBody>
-          <a:bodyPr rtlCol="0" anchor="ctr"/>
-          <a:lstStyle/>
-          <a:p>
-            <a:pPr algn="ctr"/>
-            <a:r>
-              <a:rPr lang="en-US" sz="3600" b="1" dirty="0">
-                <a:latin typeface="Avenir Next" panose="020B0503020202020204" pitchFamily="34" charset="0"/>
-              </a:rPr>
-              <a:t>14</a:t>
-            </a:r>
-          </a:p>
-          <a:p>
-            <a:pPr algn="ctr"/>
-            <a:r>
-              <a:rPr lang="en-US" sz="2000" b="1" dirty="0">
-                <a:latin typeface="Avenir Next" panose="020B0503020202020204" pitchFamily="34" charset="0"/>
-              </a:rPr>
-              <a:t>weeks</a:t>
-            </a:r>
-          </a:p>
-        </p:txBody>
-      </p:sp>
-      <p:sp>
-        <p:nvSpPr>
-          <p:cNvPr id="11" name="TextBox 10">
-            <a:extLst>
-              <a:ext uri="{FF2B5EF4-FFF2-40B4-BE49-F238E27FC236}">
-                <a16:creationId xmlns:a16="http://schemas.microsoft.com/office/drawing/2014/main" id="{1BE18BB5-1829-1F47-ADB0-02E97CD30CFD}"/>
-              </a:ext>
-            </a:extLst>
-          </p:cNvPr>
-          <p:cNvSpPr txBox="1"/>
-          <p:nvPr/>
-        </p:nvSpPr>
-        <p:spPr>
-          <a:xfrm>
-            <a:off x="8881569" y="4512375"/>
-            <a:ext cx="2223753" cy="738664"/>
-          </a:xfrm>
-          <a:prstGeom prst="rect">
-            <a:avLst/>
-          </a:prstGeom>
-          <a:noFill/>
-        </p:spPr>
-        <p:txBody>
-          <a:bodyPr wrap="square" rtlCol="0">
-            <a:spAutoFit/>
-          </a:bodyPr>
-          <a:lstStyle/>
-          <a:p>
-            <a:pPr algn="ctr"/>
-            <a:r>
-              <a:rPr lang="en-US" sz="1400" b="1" dirty="0">
-                <a:solidFill>
-                  <a:schemeClr val="bg1">
-                    <a:lumMod val="50000"/>
-                  </a:schemeClr>
-                </a:solidFill>
-                <a:latin typeface="Avenir Next" panose="020B0503020202020204" pitchFamily="34" charset="0"/>
-              </a:rPr>
-              <a:t>Average number of delays in disbursement in Aid to recipient.</a:t>
-            </a:r>
-          </a:p>
-        </p:txBody>
-      </p:sp>
     </p:spTree>
     <p:extLst>
       <p:ext uri="{BB962C8B-B14F-4D97-AF65-F5344CB8AC3E}">
         <p14:creationId xmlns:p14="http://schemas.microsoft.com/office/powerpoint/2010/main" val="3488445390"/>
-      </p:ext>
-    </p:extLst>
-  </p:cSld>
-  <p:clrMapOvr>
-    <a:masterClrMapping/>
-  </p:clrMapOvr>
-</p:sld>
-</file>
-
-<file path=ppt/slides/slide3.xml><?xml version="1.0" encoding="utf-8"?>
-<p:sld xmlns:a="http://schemas.openxmlformats.org/drawingml/2006/main" xmlns:r="http://schemas.openxmlformats.org/officeDocument/2006/relationships" xmlns:p="http://schemas.openxmlformats.org/presentationml/2006/main">
-  <p:cSld>
-    <p:spTree>
-      <p:nvGrpSpPr>
-        <p:cNvPr id="1" name=""/>
-        <p:cNvGrpSpPr/>
-        <p:nvPr/>
-      </p:nvGrpSpPr>
-      <p:grpSpPr>
-        <a:xfrm>
-          <a:off x="0" y="0"/>
-          <a:ext cx="0" cy="0"/>
-          <a:chOff x="0" y="0"/>
-          <a:chExt cx="0" cy="0"/>
-        </a:xfrm>
-      </p:grpSpPr>
-      <p:sp>
-        <p:nvSpPr>
-          <p:cNvPr id="4" name="TextBox 3">
-            <a:extLst>
-              <a:ext uri="{FF2B5EF4-FFF2-40B4-BE49-F238E27FC236}">
-                <a16:creationId xmlns:a16="http://schemas.microsoft.com/office/drawing/2014/main" id="{481CBF74-2C2A-0142-8550-58B6CA321040}"/>
-              </a:ext>
-            </a:extLst>
-          </p:cNvPr>
-          <p:cNvSpPr txBox="1"/>
-          <p:nvPr/>
-        </p:nvSpPr>
-        <p:spPr>
-          <a:xfrm>
-            <a:off x="4438357" y="403068"/>
-            <a:ext cx="2593816" cy="523220"/>
-          </a:xfrm>
-          <a:prstGeom prst="rect">
-            <a:avLst/>
-          </a:prstGeom>
-          <a:noFill/>
-        </p:spPr>
-        <p:txBody>
-          <a:bodyPr wrap="square" rtlCol="0">
-            <a:spAutoFit/>
-          </a:bodyPr>
-          <a:lstStyle/>
-          <a:p>
-            <a:pPr algn="ctr" defTabSz="457200"/>
-            <a:r>
-              <a:rPr lang="en-US" sz="2800" b="1" dirty="0">
-                <a:solidFill>
-                  <a:schemeClr val="bg1">
-                    <a:lumMod val="50000"/>
-                  </a:schemeClr>
-                </a:solidFill>
-                <a:latin typeface="Avenir Next" charset="0"/>
-                <a:ea typeface="Avenir Next" charset="0"/>
-                <a:cs typeface="Avenir Next" charset="0"/>
-              </a:rPr>
-              <a:t>Solution</a:t>
-            </a:r>
-          </a:p>
-        </p:txBody>
-      </p:sp>
-      <p:cxnSp>
-        <p:nvCxnSpPr>
-          <p:cNvPr id="5" name="Straight Connector 4">
-            <a:extLst>
-              <a:ext uri="{FF2B5EF4-FFF2-40B4-BE49-F238E27FC236}">
-                <a16:creationId xmlns:a16="http://schemas.microsoft.com/office/drawing/2014/main" id="{64CD0901-0103-C547-8568-3586868E2CA5}"/>
-              </a:ext>
-            </a:extLst>
-          </p:cNvPr>
-          <p:cNvCxnSpPr>
-            <a:cxnSpLocks/>
-          </p:cNvCxnSpPr>
-          <p:nvPr/>
-        </p:nvCxnSpPr>
-        <p:spPr>
-          <a:xfrm>
-            <a:off x="791988" y="3331297"/>
-            <a:ext cx="10974443" cy="0"/>
-          </a:xfrm>
-          <a:prstGeom prst="line">
-            <a:avLst/>
-          </a:prstGeom>
-          <a:ln>
-            <a:solidFill>
-              <a:srgbClr val="FFC000"/>
-            </a:solidFill>
-          </a:ln>
-        </p:spPr>
-        <p:style>
-          <a:lnRef idx="1">
-            <a:schemeClr val="accent1"/>
-          </a:lnRef>
-          <a:fillRef idx="0">
-            <a:schemeClr val="accent1"/>
-          </a:fillRef>
-          <a:effectRef idx="0">
-            <a:schemeClr val="accent1"/>
-          </a:effectRef>
-          <a:fontRef idx="minor">
-            <a:schemeClr val="tx1"/>
-          </a:fontRef>
-        </p:style>
-      </p:cxnSp>
-      <p:sp>
-        <p:nvSpPr>
-          <p:cNvPr id="6" name="Oval 5">
-            <a:extLst>
-              <a:ext uri="{FF2B5EF4-FFF2-40B4-BE49-F238E27FC236}">
-                <a16:creationId xmlns:a16="http://schemas.microsoft.com/office/drawing/2014/main" id="{5B37981F-8485-D340-8142-DBDA1AAF6770}"/>
-              </a:ext>
-            </a:extLst>
-          </p:cNvPr>
-          <p:cNvSpPr/>
-          <p:nvPr/>
-        </p:nvSpPr>
-        <p:spPr>
-          <a:xfrm>
-            <a:off x="1276709" y="3141516"/>
-            <a:ext cx="362310" cy="379562"/>
-          </a:xfrm>
-          <a:prstGeom prst="ellipse">
-            <a:avLst/>
-          </a:prstGeom>
-          <a:solidFill>
-            <a:srgbClr val="FFC000"/>
-          </a:solidFill>
-          <a:ln>
-            <a:solidFill>
-              <a:srgbClr val="FFC000"/>
-            </a:solidFill>
-          </a:ln>
-        </p:spPr>
-        <p:style>
-          <a:lnRef idx="2">
-            <a:schemeClr val="accent1">
-              <a:shade val="50000"/>
-            </a:schemeClr>
-          </a:lnRef>
-          <a:fillRef idx="1">
-            <a:schemeClr val="accent1"/>
-          </a:fillRef>
-          <a:effectRef idx="0">
-            <a:schemeClr val="accent1"/>
-          </a:effectRef>
-          <a:fontRef idx="minor">
-            <a:schemeClr val="lt1"/>
-          </a:fontRef>
-        </p:style>
-        <p:txBody>
-          <a:bodyPr rtlCol="0" anchor="ctr"/>
-          <a:lstStyle/>
-          <a:p>
-            <a:pPr algn="ctr"/>
-            <a:endParaRPr lang="en-US">
-              <a:latin typeface="Avenir Next" panose="020B0503020202020204" pitchFamily="34" charset="0"/>
-            </a:endParaRPr>
-          </a:p>
-        </p:txBody>
-      </p:sp>
-      <p:sp>
-        <p:nvSpPr>
-          <p:cNvPr id="7" name="TextBox 6">
-            <a:extLst>
-              <a:ext uri="{FF2B5EF4-FFF2-40B4-BE49-F238E27FC236}">
-                <a16:creationId xmlns:a16="http://schemas.microsoft.com/office/drawing/2014/main" id="{228A4D4D-88DB-B24E-9ED6-47E44F7E6719}"/>
-              </a:ext>
-            </a:extLst>
-          </p:cNvPr>
-          <p:cNvSpPr txBox="1"/>
-          <p:nvPr/>
-        </p:nvSpPr>
-        <p:spPr>
-          <a:xfrm>
-            <a:off x="620281" y="3659100"/>
-            <a:ext cx="1675166" cy="1600438"/>
-          </a:xfrm>
-          <a:prstGeom prst="rect">
-            <a:avLst/>
-          </a:prstGeom>
-          <a:noFill/>
-          <a:ln>
-            <a:solidFill>
-              <a:schemeClr val="bg1">
-                <a:lumMod val="95000"/>
-              </a:schemeClr>
-            </a:solidFill>
-          </a:ln>
-        </p:spPr>
-        <p:txBody>
-          <a:bodyPr wrap="square" rtlCol="0">
-            <a:spAutoFit/>
-          </a:bodyPr>
-          <a:lstStyle/>
-          <a:p>
-            <a:pPr algn="ctr"/>
-            <a:r>
-              <a:rPr lang="en-US" sz="1400" b="1" dirty="0">
-                <a:latin typeface="Avenir Next" panose="020B0503020202020204" pitchFamily="34" charset="0"/>
-              </a:rPr>
-              <a:t>Project targets</a:t>
-            </a:r>
-          </a:p>
-          <a:p>
-            <a:pPr algn="ctr"/>
-            <a:r>
-              <a:rPr lang="en-US" sz="1400" dirty="0">
-                <a:latin typeface="Avenir Next" panose="020B0503020202020204" pitchFamily="34" charset="0"/>
-              </a:rPr>
-              <a:t>Donor and Aid Agency agree on project objectives and budget.</a:t>
-            </a:r>
-          </a:p>
-          <a:p>
-            <a:pPr algn="ctr"/>
-            <a:endParaRPr lang="en-US" sz="1400" dirty="0">
-              <a:latin typeface="Avenir Next" panose="020B0503020202020204" pitchFamily="34" charset="0"/>
-            </a:endParaRPr>
-          </a:p>
-          <a:p>
-            <a:pPr algn="ctr"/>
-            <a:endParaRPr lang="en-US" sz="1400" dirty="0">
-              <a:latin typeface="Avenir Next" panose="020B0503020202020204" pitchFamily="34" charset="0"/>
-            </a:endParaRPr>
-          </a:p>
-        </p:txBody>
-      </p:sp>
-      <p:sp>
-        <p:nvSpPr>
-          <p:cNvPr id="8" name="Oval 7">
-            <a:extLst>
-              <a:ext uri="{FF2B5EF4-FFF2-40B4-BE49-F238E27FC236}">
-                <a16:creationId xmlns:a16="http://schemas.microsoft.com/office/drawing/2014/main" id="{CE7289C9-9EA8-1D44-BDDD-F38997F2B422}"/>
-              </a:ext>
-            </a:extLst>
-          </p:cNvPr>
-          <p:cNvSpPr/>
-          <p:nvPr/>
-        </p:nvSpPr>
-        <p:spPr>
-          <a:xfrm>
-            <a:off x="3223403" y="3141516"/>
-            <a:ext cx="362310" cy="379562"/>
-          </a:xfrm>
-          <a:prstGeom prst="ellipse">
-            <a:avLst/>
-          </a:prstGeom>
-          <a:solidFill>
-            <a:srgbClr val="FFC000"/>
-          </a:solidFill>
-          <a:ln>
-            <a:solidFill>
-              <a:srgbClr val="FFC000"/>
-            </a:solidFill>
-          </a:ln>
-        </p:spPr>
-        <p:style>
-          <a:lnRef idx="2">
-            <a:schemeClr val="accent1">
-              <a:shade val="50000"/>
-            </a:schemeClr>
-          </a:lnRef>
-          <a:fillRef idx="1">
-            <a:schemeClr val="accent1"/>
-          </a:fillRef>
-          <a:effectRef idx="0">
-            <a:schemeClr val="accent1"/>
-          </a:effectRef>
-          <a:fontRef idx="minor">
-            <a:schemeClr val="lt1"/>
-          </a:fontRef>
-        </p:style>
-        <p:txBody>
-          <a:bodyPr rtlCol="0" anchor="ctr"/>
-          <a:lstStyle/>
-          <a:p>
-            <a:pPr algn="ctr"/>
-            <a:endParaRPr lang="en-US">
-              <a:latin typeface="Avenir Next" panose="020B0503020202020204" pitchFamily="34" charset="0"/>
-            </a:endParaRPr>
-          </a:p>
-        </p:txBody>
-      </p:sp>
-      <p:sp>
-        <p:nvSpPr>
-          <p:cNvPr id="9" name="TextBox 8">
-            <a:extLst>
-              <a:ext uri="{FF2B5EF4-FFF2-40B4-BE49-F238E27FC236}">
-                <a16:creationId xmlns:a16="http://schemas.microsoft.com/office/drawing/2014/main" id="{CCE9A6A7-CE48-C34E-9A2E-BD8DB7BF71E3}"/>
-              </a:ext>
-            </a:extLst>
-          </p:cNvPr>
-          <p:cNvSpPr txBox="1"/>
-          <p:nvPr/>
-        </p:nvSpPr>
-        <p:spPr>
-          <a:xfrm>
-            <a:off x="2566975" y="3659100"/>
-            <a:ext cx="1675166" cy="1600438"/>
-          </a:xfrm>
-          <a:prstGeom prst="rect">
-            <a:avLst/>
-          </a:prstGeom>
-          <a:noFill/>
-          <a:ln>
-            <a:solidFill>
-              <a:schemeClr val="bg1">
-                <a:lumMod val="95000"/>
-              </a:schemeClr>
-            </a:solidFill>
-          </a:ln>
-        </p:spPr>
-        <p:txBody>
-          <a:bodyPr wrap="square" rtlCol="0">
-            <a:spAutoFit/>
-          </a:bodyPr>
-          <a:lstStyle/>
-          <a:p>
-            <a:pPr algn="ctr"/>
-            <a:r>
-              <a:rPr lang="en-US" sz="1400" b="1" dirty="0">
-                <a:latin typeface="Avenir Next" panose="020B0503020202020204" pitchFamily="34" charset="0"/>
-              </a:rPr>
-              <a:t>Donor guarantee</a:t>
-            </a:r>
-          </a:p>
-          <a:p>
-            <a:pPr algn="ctr"/>
-            <a:r>
-              <a:rPr lang="en-US" sz="1400" dirty="0">
-                <a:latin typeface="Avenir Next" panose="020B0503020202020204" pitchFamily="34" charset="0"/>
-              </a:rPr>
-              <a:t>Donor to be disbursed into Partner bank escrow account.</a:t>
-            </a:r>
-          </a:p>
-          <a:p>
-            <a:pPr algn="ctr"/>
-            <a:endParaRPr lang="en-US" sz="1400" dirty="0">
-              <a:latin typeface="Avenir Next" panose="020B0503020202020204" pitchFamily="34" charset="0"/>
-            </a:endParaRPr>
-          </a:p>
-          <a:p>
-            <a:pPr algn="ctr"/>
-            <a:endParaRPr lang="en-US" sz="1400" dirty="0">
-              <a:latin typeface="Avenir Next" panose="020B0503020202020204" pitchFamily="34" charset="0"/>
-            </a:endParaRPr>
-          </a:p>
-        </p:txBody>
-      </p:sp>
-      <p:sp>
-        <p:nvSpPr>
-          <p:cNvPr id="10" name="Oval 9">
-            <a:extLst>
-              <a:ext uri="{FF2B5EF4-FFF2-40B4-BE49-F238E27FC236}">
-                <a16:creationId xmlns:a16="http://schemas.microsoft.com/office/drawing/2014/main" id="{1443E78A-4B7B-8745-8968-9A483A4452F9}"/>
-              </a:ext>
-            </a:extLst>
-          </p:cNvPr>
-          <p:cNvSpPr/>
-          <p:nvPr/>
-        </p:nvSpPr>
-        <p:spPr>
-          <a:xfrm>
-            <a:off x="5080959" y="3141516"/>
-            <a:ext cx="362310" cy="379562"/>
-          </a:xfrm>
-          <a:prstGeom prst="ellipse">
-            <a:avLst/>
-          </a:prstGeom>
-          <a:solidFill>
-            <a:srgbClr val="FFC000"/>
-          </a:solidFill>
-          <a:ln>
-            <a:solidFill>
-              <a:srgbClr val="FFC000"/>
-            </a:solidFill>
-          </a:ln>
-        </p:spPr>
-        <p:style>
-          <a:lnRef idx="2">
-            <a:schemeClr val="accent1">
-              <a:shade val="50000"/>
-            </a:schemeClr>
-          </a:lnRef>
-          <a:fillRef idx="1">
-            <a:schemeClr val="accent1"/>
-          </a:fillRef>
-          <a:effectRef idx="0">
-            <a:schemeClr val="accent1"/>
-          </a:effectRef>
-          <a:fontRef idx="minor">
-            <a:schemeClr val="lt1"/>
-          </a:fontRef>
-        </p:style>
-        <p:txBody>
-          <a:bodyPr rtlCol="0" anchor="ctr"/>
-          <a:lstStyle/>
-          <a:p>
-            <a:pPr algn="ctr"/>
-            <a:endParaRPr lang="en-US">
-              <a:latin typeface="Avenir Next" panose="020B0503020202020204" pitchFamily="34" charset="0"/>
-            </a:endParaRPr>
-          </a:p>
-        </p:txBody>
-      </p:sp>
-      <p:sp>
-        <p:nvSpPr>
-          <p:cNvPr id="11" name="TextBox 10">
-            <a:extLst>
-              <a:ext uri="{FF2B5EF4-FFF2-40B4-BE49-F238E27FC236}">
-                <a16:creationId xmlns:a16="http://schemas.microsoft.com/office/drawing/2014/main" id="{4ACCF348-EF50-4940-9258-1A22C0E65ED3}"/>
-              </a:ext>
-            </a:extLst>
-          </p:cNvPr>
-          <p:cNvSpPr txBox="1"/>
-          <p:nvPr/>
-        </p:nvSpPr>
-        <p:spPr>
-          <a:xfrm>
-            <a:off x="4424531" y="3659100"/>
-            <a:ext cx="1675166" cy="1600438"/>
-          </a:xfrm>
-          <a:prstGeom prst="rect">
-            <a:avLst/>
-          </a:prstGeom>
-          <a:noFill/>
-          <a:ln>
-            <a:solidFill>
-              <a:schemeClr val="bg1">
-                <a:lumMod val="95000"/>
-              </a:schemeClr>
-            </a:solidFill>
-          </a:ln>
-        </p:spPr>
-        <p:txBody>
-          <a:bodyPr wrap="square" rtlCol="0">
-            <a:spAutoFit/>
-          </a:bodyPr>
-          <a:lstStyle/>
-          <a:p>
-            <a:pPr algn="ctr"/>
-            <a:r>
-              <a:rPr lang="en-US" sz="1400" b="1" dirty="0">
-                <a:latin typeface="Avenir Next" panose="020B0503020202020204" pitchFamily="34" charset="0"/>
-              </a:rPr>
-              <a:t>Funds issued</a:t>
-            </a:r>
-          </a:p>
-          <a:p>
-            <a:pPr algn="ctr"/>
-            <a:r>
-              <a:rPr lang="en-US" sz="1400" dirty="0">
-                <a:latin typeface="Avenir Next" panose="020B0503020202020204" pitchFamily="34" charset="0"/>
-              </a:rPr>
-              <a:t>Partner bank issues tokens on behalf on donor.</a:t>
-            </a:r>
-          </a:p>
-          <a:p>
-            <a:pPr algn="ctr"/>
-            <a:endParaRPr lang="en-US" sz="1400" dirty="0">
-              <a:latin typeface="Avenir Next" panose="020B0503020202020204" pitchFamily="34" charset="0"/>
-            </a:endParaRPr>
-          </a:p>
-          <a:p>
-            <a:pPr algn="ctr"/>
-            <a:endParaRPr lang="en-US" sz="1400" dirty="0">
-              <a:latin typeface="Avenir Next" panose="020B0503020202020204" pitchFamily="34" charset="0"/>
-            </a:endParaRPr>
-          </a:p>
-          <a:p>
-            <a:pPr algn="ctr"/>
-            <a:endParaRPr lang="en-US" sz="1400" dirty="0">
-              <a:latin typeface="Avenir Next" panose="020B0503020202020204" pitchFamily="34" charset="0"/>
-            </a:endParaRPr>
-          </a:p>
-        </p:txBody>
-      </p:sp>
-      <p:sp>
-        <p:nvSpPr>
-          <p:cNvPr id="12" name="Oval 11">
-            <a:extLst>
-              <a:ext uri="{FF2B5EF4-FFF2-40B4-BE49-F238E27FC236}">
-                <a16:creationId xmlns:a16="http://schemas.microsoft.com/office/drawing/2014/main" id="{381AB156-AC24-FA46-A12F-11D2729FC2A8}"/>
-              </a:ext>
-            </a:extLst>
-          </p:cNvPr>
-          <p:cNvSpPr/>
-          <p:nvPr/>
-        </p:nvSpPr>
-        <p:spPr>
-          <a:xfrm>
-            <a:off x="7027653" y="3141516"/>
-            <a:ext cx="362310" cy="379562"/>
-          </a:xfrm>
-          <a:prstGeom prst="ellipse">
-            <a:avLst/>
-          </a:prstGeom>
-          <a:solidFill>
-            <a:srgbClr val="FFC000"/>
-          </a:solidFill>
-          <a:ln>
-            <a:solidFill>
-              <a:srgbClr val="FFC000"/>
-            </a:solidFill>
-          </a:ln>
-        </p:spPr>
-        <p:style>
-          <a:lnRef idx="2">
-            <a:schemeClr val="accent1">
-              <a:shade val="50000"/>
-            </a:schemeClr>
-          </a:lnRef>
-          <a:fillRef idx="1">
-            <a:schemeClr val="accent1"/>
-          </a:fillRef>
-          <a:effectRef idx="0">
-            <a:schemeClr val="accent1"/>
-          </a:effectRef>
-          <a:fontRef idx="minor">
-            <a:schemeClr val="lt1"/>
-          </a:fontRef>
-        </p:style>
-        <p:txBody>
-          <a:bodyPr rtlCol="0" anchor="ctr"/>
-          <a:lstStyle/>
-          <a:p>
-            <a:pPr algn="ctr"/>
-            <a:endParaRPr lang="en-US">
-              <a:latin typeface="Avenir Next" panose="020B0503020202020204" pitchFamily="34" charset="0"/>
-            </a:endParaRPr>
-          </a:p>
-        </p:txBody>
-      </p:sp>
-      <p:sp>
-        <p:nvSpPr>
-          <p:cNvPr id="13" name="TextBox 12">
-            <a:extLst>
-              <a:ext uri="{FF2B5EF4-FFF2-40B4-BE49-F238E27FC236}">
-                <a16:creationId xmlns:a16="http://schemas.microsoft.com/office/drawing/2014/main" id="{B4255EE5-0A58-5845-BDC9-4EC7A6CD5B10}"/>
-              </a:ext>
-            </a:extLst>
-          </p:cNvPr>
-          <p:cNvSpPr txBox="1"/>
-          <p:nvPr/>
-        </p:nvSpPr>
-        <p:spPr>
-          <a:xfrm>
-            <a:off x="6371225" y="3659100"/>
-            <a:ext cx="1675166" cy="1600438"/>
-          </a:xfrm>
-          <a:prstGeom prst="rect">
-            <a:avLst/>
-          </a:prstGeom>
-          <a:noFill/>
-          <a:ln>
-            <a:solidFill>
-              <a:schemeClr val="bg1">
-                <a:lumMod val="95000"/>
-              </a:schemeClr>
-            </a:solidFill>
-          </a:ln>
-        </p:spPr>
-        <p:txBody>
-          <a:bodyPr wrap="square" rtlCol="0">
-            <a:spAutoFit/>
-          </a:bodyPr>
-          <a:lstStyle/>
-          <a:p>
-            <a:pPr algn="ctr"/>
-            <a:r>
-              <a:rPr lang="en-US" sz="1400" b="1" dirty="0">
-                <a:latin typeface="Avenir Next" panose="020B0503020202020204" pitchFamily="34" charset="0"/>
-              </a:rPr>
-              <a:t>Funds disbursement</a:t>
-            </a:r>
-          </a:p>
-          <a:p>
-            <a:pPr algn="ctr"/>
-            <a:r>
-              <a:rPr lang="en-US" sz="1400" dirty="0">
-                <a:latin typeface="Avenir Next" panose="020B0503020202020204" pitchFamily="34" charset="0"/>
-              </a:rPr>
-              <a:t>Tokens are disbursed to beneficiary.</a:t>
-            </a:r>
-          </a:p>
-          <a:p>
-            <a:pPr algn="ctr"/>
-            <a:endParaRPr lang="en-US" sz="1400" dirty="0">
-              <a:latin typeface="Avenir Next" panose="020B0503020202020204" pitchFamily="34" charset="0"/>
-            </a:endParaRPr>
-          </a:p>
-          <a:p>
-            <a:pPr algn="ctr"/>
-            <a:endParaRPr lang="en-US" sz="1400" dirty="0">
-              <a:latin typeface="Avenir Next" panose="020B0503020202020204" pitchFamily="34" charset="0"/>
-            </a:endParaRPr>
-          </a:p>
-        </p:txBody>
-      </p:sp>
-      <p:sp>
-        <p:nvSpPr>
-          <p:cNvPr id="14" name="Oval 13">
-            <a:extLst>
-              <a:ext uri="{FF2B5EF4-FFF2-40B4-BE49-F238E27FC236}">
-                <a16:creationId xmlns:a16="http://schemas.microsoft.com/office/drawing/2014/main" id="{4E22F576-B1EC-2242-B423-BC91DD53E29D}"/>
-              </a:ext>
-            </a:extLst>
-          </p:cNvPr>
-          <p:cNvSpPr/>
-          <p:nvPr/>
-        </p:nvSpPr>
-        <p:spPr>
-          <a:xfrm>
-            <a:off x="10747693" y="3141516"/>
-            <a:ext cx="362310" cy="379562"/>
-          </a:xfrm>
-          <a:prstGeom prst="ellipse">
-            <a:avLst/>
-          </a:prstGeom>
-          <a:solidFill>
-            <a:srgbClr val="FFC000"/>
-          </a:solidFill>
-          <a:ln>
-            <a:solidFill>
-              <a:srgbClr val="FFC000"/>
-            </a:solidFill>
-          </a:ln>
-        </p:spPr>
-        <p:style>
-          <a:lnRef idx="2">
-            <a:schemeClr val="accent1">
-              <a:shade val="50000"/>
-            </a:schemeClr>
-          </a:lnRef>
-          <a:fillRef idx="1">
-            <a:schemeClr val="accent1"/>
-          </a:fillRef>
-          <a:effectRef idx="0">
-            <a:schemeClr val="accent1"/>
-          </a:effectRef>
-          <a:fontRef idx="minor">
-            <a:schemeClr val="lt1"/>
-          </a:fontRef>
-        </p:style>
-        <p:txBody>
-          <a:bodyPr rtlCol="0" anchor="ctr"/>
-          <a:lstStyle/>
-          <a:p>
-            <a:pPr algn="ctr"/>
-            <a:endParaRPr lang="en-US">
-              <a:latin typeface="Avenir Next" panose="020B0503020202020204" pitchFamily="34" charset="0"/>
-            </a:endParaRPr>
-          </a:p>
-        </p:txBody>
-      </p:sp>
-      <p:sp>
-        <p:nvSpPr>
-          <p:cNvPr id="15" name="TextBox 14">
-            <a:extLst>
-              <a:ext uri="{FF2B5EF4-FFF2-40B4-BE49-F238E27FC236}">
-                <a16:creationId xmlns:a16="http://schemas.microsoft.com/office/drawing/2014/main" id="{68CAACD2-C2CE-FE4E-A29B-931B8762E398}"/>
-              </a:ext>
-            </a:extLst>
-          </p:cNvPr>
-          <p:cNvSpPr txBox="1"/>
-          <p:nvPr/>
-        </p:nvSpPr>
-        <p:spPr>
-          <a:xfrm>
-            <a:off x="10091265" y="3659100"/>
-            <a:ext cx="1675166" cy="1600438"/>
-          </a:xfrm>
-          <a:prstGeom prst="rect">
-            <a:avLst/>
-          </a:prstGeom>
-          <a:noFill/>
-          <a:ln>
-            <a:solidFill>
-              <a:schemeClr val="bg1">
-                <a:lumMod val="95000"/>
-              </a:schemeClr>
-            </a:solidFill>
-          </a:ln>
-        </p:spPr>
-        <p:txBody>
-          <a:bodyPr wrap="square" rtlCol="0">
-            <a:spAutoFit/>
-          </a:bodyPr>
-          <a:lstStyle/>
-          <a:p>
-            <a:pPr algn="ctr"/>
-            <a:r>
-              <a:rPr lang="en-US" sz="1400" b="1" dirty="0">
-                <a:latin typeface="Avenir Next" panose="020B0503020202020204" pitchFamily="34" charset="0"/>
-              </a:rPr>
-              <a:t>Token redemption</a:t>
-            </a:r>
-          </a:p>
-          <a:p>
-            <a:pPr algn="ctr"/>
-            <a:r>
-              <a:rPr lang="en-US" sz="1400" dirty="0">
-                <a:latin typeface="Avenir Next" panose="020B0503020202020204" pitchFamily="34" charset="0"/>
-              </a:rPr>
-              <a:t>Merchants convert tokens into cash  via exchange.</a:t>
-            </a:r>
-          </a:p>
-          <a:p>
-            <a:pPr algn="ctr"/>
-            <a:endParaRPr lang="en-US" sz="1400" dirty="0">
-              <a:latin typeface="Avenir Next" panose="020B0503020202020204" pitchFamily="34" charset="0"/>
-            </a:endParaRPr>
-          </a:p>
-        </p:txBody>
-      </p:sp>
-      <p:sp>
-        <p:nvSpPr>
-          <p:cNvPr id="16" name="Oval 15">
-            <a:extLst>
-              <a:ext uri="{FF2B5EF4-FFF2-40B4-BE49-F238E27FC236}">
-                <a16:creationId xmlns:a16="http://schemas.microsoft.com/office/drawing/2014/main" id="{9F475272-AB13-EB45-96A6-8EFB956BF8F9}"/>
-              </a:ext>
-            </a:extLst>
-          </p:cNvPr>
-          <p:cNvSpPr/>
-          <p:nvPr/>
-        </p:nvSpPr>
-        <p:spPr>
-          <a:xfrm>
-            <a:off x="9006392" y="3141516"/>
-            <a:ext cx="362310" cy="379562"/>
-          </a:xfrm>
-          <a:prstGeom prst="ellipse">
-            <a:avLst/>
-          </a:prstGeom>
-          <a:solidFill>
-            <a:srgbClr val="FFC000"/>
-          </a:solidFill>
-          <a:ln>
-            <a:solidFill>
-              <a:srgbClr val="FFC000"/>
-            </a:solidFill>
-          </a:ln>
-        </p:spPr>
-        <p:style>
-          <a:lnRef idx="2">
-            <a:schemeClr val="accent1">
-              <a:shade val="50000"/>
-            </a:schemeClr>
-          </a:lnRef>
-          <a:fillRef idx="1">
-            <a:schemeClr val="accent1"/>
-          </a:fillRef>
-          <a:effectRef idx="0">
-            <a:schemeClr val="accent1"/>
-          </a:effectRef>
-          <a:fontRef idx="minor">
-            <a:schemeClr val="lt1"/>
-          </a:fontRef>
-        </p:style>
-        <p:txBody>
-          <a:bodyPr rtlCol="0" anchor="ctr"/>
-          <a:lstStyle/>
-          <a:p>
-            <a:pPr algn="ctr"/>
-            <a:endParaRPr lang="en-US">
-              <a:latin typeface="Avenir Next" panose="020B0503020202020204" pitchFamily="34" charset="0"/>
-            </a:endParaRPr>
-          </a:p>
-        </p:txBody>
-      </p:sp>
-      <p:sp>
-        <p:nvSpPr>
-          <p:cNvPr id="17" name="TextBox 16">
-            <a:extLst>
-              <a:ext uri="{FF2B5EF4-FFF2-40B4-BE49-F238E27FC236}">
-                <a16:creationId xmlns:a16="http://schemas.microsoft.com/office/drawing/2014/main" id="{0E9D71D5-9EB3-474A-B157-318C1E8C36D9}"/>
-              </a:ext>
-            </a:extLst>
-          </p:cNvPr>
-          <p:cNvSpPr txBox="1"/>
-          <p:nvPr/>
-        </p:nvSpPr>
-        <p:spPr>
-          <a:xfrm>
-            <a:off x="8349964" y="3659100"/>
-            <a:ext cx="1675166" cy="1600438"/>
-          </a:xfrm>
-          <a:prstGeom prst="rect">
-            <a:avLst/>
-          </a:prstGeom>
-          <a:noFill/>
-          <a:ln>
-            <a:solidFill>
-              <a:schemeClr val="bg1">
-                <a:lumMod val="95000"/>
-              </a:schemeClr>
-            </a:solidFill>
-          </a:ln>
-        </p:spPr>
-        <p:txBody>
-          <a:bodyPr wrap="square" rtlCol="0">
-            <a:spAutoFit/>
-          </a:bodyPr>
-          <a:lstStyle/>
-          <a:p>
-            <a:pPr algn="ctr"/>
-            <a:r>
-              <a:rPr lang="en-US" sz="1400" b="1" dirty="0">
-                <a:latin typeface="Avenir Next" panose="020B0503020202020204" pitchFamily="34" charset="0"/>
-              </a:rPr>
-              <a:t>Funds disbursement</a:t>
-            </a:r>
-          </a:p>
-          <a:p>
-            <a:pPr algn="ctr"/>
-            <a:r>
-              <a:rPr lang="en-US" sz="1400" dirty="0">
-                <a:latin typeface="Avenir Next" panose="020B0503020202020204" pitchFamily="34" charset="0"/>
-              </a:rPr>
-              <a:t>Beneficiary uses tokens to purchase goods from Merchant.</a:t>
-            </a:r>
-          </a:p>
-          <a:p>
-            <a:pPr algn="ctr"/>
-            <a:endParaRPr lang="en-US" sz="1400" dirty="0">
-              <a:latin typeface="Avenir Next" panose="020B0503020202020204" pitchFamily="34" charset="0"/>
-            </a:endParaRPr>
-          </a:p>
-        </p:txBody>
-      </p:sp>
-      <p:sp>
-        <p:nvSpPr>
-          <p:cNvPr id="19" name="TextBox 18">
-            <a:extLst>
-              <a:ext uri="{FF2B5EF4-FFF2-40B4-BE49-F238E27FC236}">
-                <a16:creationId xmlns:a16="http://schemas.microsoft.com/office/drawing/2014/main" id="{273F0518-EA87-C347-854D-4A34AEA676D5}"/>
-              </a:ext>
-            </a:extLst>
-          </p:cNvPr>
-          <p:cNvSpPr txBox="1"/>
-          <p:nvPr/>
-        </p:nvSpPr>
-        <p:spPr>
-          <a:xfrm>
-            <a:off x="620281" y="1597733"/>
-            <a:ext cx="11233441" cy="707886"/>
-          </a:xfrm>
-          <a:prstGeom prst="rect">
-            <a:avLst/>
-          </a:prstGeom>
-          <a:noFill/>
-          <a:ln>
-            <a:noFill/>
-          </a:ln>
-        </p:spPr>
-        <p:txBody>
-          <a:bodyPr wrap="square" rtlCol="0">
-            <a:spAutoFit/>
-          </a:bodyPr>
-          <a:lstStyle/>
-          <a:p>
-            <a:r>
-              <a:rPr lang="en-US" sz="2000" b="1" dirty="0">
-                <a:solidFill>
-                  <a:schemeClr val="bg1">
-                    <a:lumMod val="50000"/>
-                  </a:schemeClr>
-                </a:solidFill>
-                <a:latin typeface="Avenir Next" panose="020B0503020202020204" pitchFamily="34" charset="0"/>
-              </a:rPr>
-              <a:t>A Blockchain based platform </a:t>
-            </a:r>
-            <a:r>
-              <a:rPr lang="en-US" sz="2000" dirty="0">
-                <a:solidFill>
-                  <a:schemeClr val="bg1">
-                    <a:lumMod val="50000"/>
-                  </a:schemeClr>
-                </a:solidFill>
-                <a:latin typeface="Avenir Next" panose="020B0503020202020204" pitchFamily="34" charset="0"/>
-              </a:rPr>
-              <a:t> where donors can transfer funds to beneficiaries and directly track the impact of their funds.</a:t>
-            </a:r>
-          </a:p>
-        </p:txBody>
-      </p:sp>
-    </p:spTree>
-    <p:extLst>
-      <p:ext uri="{BB962C8B-B14F-4D97-AF65-F5344CB8AC3E}">
-        <p14:creationId xmlns:p14="http://schemas.microsoft.com/office/powerpoint/2010/main" val="2485634986"/>
       </p:ext>
     </p:extLst>
   </p:cSld>
@@ -7007,6 +7084,103 @@
       </p:grpSpPr>
       <p:sp>
         <p:nvSpPr>
+          <p:cNvPr id="2" name="Title 1">
+            <a:extLst>
+              <a:ext uri="{FF2B5EF4-FFF2-40B4-BE49-F238E27FC236}">
+                <a16:creationId xmlns:a16="http://schemas.microsoft.com/office/drawing/2014/main" id="{9245D5BB-8A6B-9546-8E25-0DA6D09189B7}"/>
+              </a:ext>
+            </a:extLst>
+          </p:cNvPr>
+          <p:cNvSpPr>
+            <a:spLocks noGrp="1"/>
+          </p:cNvSpPr>
+          <p:nvPr>
+            <p:ph type="title"/>
+          </p:nvPr>
+        </p:nvSpPr>
+        <p:spPr/>
+        <p:txBody>
+          <a:bodyPr/>
+          <a:lstStyle/>
+          <a:p>
+            <a:endParaRPr lang="en-US"/>
+          </a:p>
+        </p:txBody>
+      </p:sp>
+      <p:pic>
+        <p:nvPicPr>
+          <p:cNvPr id="5" name="Content Placeholder 4">
+            <a:extLst>
+              <a:ext uri="{FF2B5EF4-FFF2-40B4-BE49-F238E27FC236}">
+                <a16:creationId xmlns:a16="http://schemas.microsoft.com/office/drawing/2014/main" id="{0F46A6D4-0FA8-3240-8FA4-3F9FFEF17DF9}"/>
+              </a:ext>
+            </a:extLst>
+          </p:cNvPr>
+          <p:cNvPicPr>
+            <a:picLocks noGrp="1" noChangeAspect="1"/>
+          </p:cNvPicPr>
+          <p:nvPr>
+            <p:ph idx="1"/>
+          </p:nvPr>
+        </p:nvPicPr>
+        <p:blipFill rotWithShape="1">
+          <a:blip r:embed="rId2">
+            <a:extLst>
+              <a:ext uri="{28A0092B-C50C-407E-A947-70E740481C1C}">
+                <a14:useLocalDpi xmlns:a14="http://schemas.microsoft.com/office/drawing/2010/main" val="0"/>
+              </a:ext>
+            </a:extLst>
+          </a:blip>
+          <a:srcRect b="1102"/>
+          <a:stretch/>
+        </p:blipFill>
+        <p:spPr>
+          <a:xfrm>
+            <a:off x="-1" y="0"/>
+            <a:ext cx="12284765" cy="6858000"/>
+          </a:xfrm>
+        </p:spPr>
+      </p:pic>
+    </p:spTree>
+    <p:extLst>
+      <p:ext uri="{BB962C8B-B14F-4D97-AF65-F5344CB8AC3E}">
+        <p14:creationId xmlns:p14="http://schemas.microsoft.com/office/powerpoint/2010/main" val="3276355452"/>
+      </p:ext>
+    </p:extLst>
+  </p:cSld>
+  <p:clrMapOvr>
+    <a:masterClrMapping/>
+  </p:clrMapOvr>
+</p:sld>
+</file>
+
+<file path=ppt/slides/slide5.xml><?xml version="1.0" encoding="utf-8"?>
+<p:sld xmlns:a="http://schemas.openxmlformats.org/drawingml/2006/main" xmlns:r="http://schemas.openxmlformats.org/officeDocument/2006/relationships" xmlns:p="http://schemas.openxmlformats.org/presentationml/2006/main">
+  <p:cSld>
+    <p:bg>
+      <p:bgPr>
+        <a:solidFill>
+          <a:srgbClr val="FEEB4F"/>
+        </a:solidFill>
+        <a:effectLst/>
+      </p:bgPr>
+    </p:bg>
+    <p:spTree>
+      <p:nvGrpSpPr>
+        <p:cNvPr id="1" name=""/>
+        <p:cNvGrpSpPr/>
+        <p:nvPr/>
+      </p:nvGrpSpPr>
+      <p:grpSpPr>
+        <a:xfrm>
+          <a:off x="0" y="0"/>
+          <a:ext cx="0" cy="0"/>
+          <a:chOff x="0" y="0"/>
+          <a:chExt cx="0" cy="0"/>
+        </a:xfrm>
+      </p:grpSpPr>
+      <p:sp>
+        <p:nvSpPr>
           <p:cNvPr id="4" name="TextBox 3">
             <a:extLst>
               <a:ext uri="{FF2B5EF4-FFF2-40B4-BE49-F238E27FC236}">
@@ -7045,17 +7219,60 @@
                 <a:ea typeface="Avenir Next" charset="0"/>
                 <a:cs typeface="Avenir Next" charset="0"/>
               </a:rPr>
-              <a:t>The Market</a:t>
-            </a:r>
-          </a:p>
-        </p:txBody>
-      </p:sp>
-      <p:sp>
-        <p:nvSpPr>
-          <p:cNvPr id="3" name="Oval 2">
-            <a:extLst>
-              <a:ext uri="{FF2B5EF4-FFF2-40B4-BE49-F238E27FC236}">
-                <a16:creationId xmlns:a16="http://schemas.microsoft.com/office/drawing/2014/main" id="{84631B10-C77F-BC4A-A1F8-59F7EB08410A}"/>
+              <a:t>Solution</a:t>
+            </a:r>
+          </a:p>
+        </p:txBody>
+      </p:sp>
+      <p:cxnSp>
+        <p:nvCxnSpPr>
+          <p:cNvPr id="5" name="Straight Connector 4">
+            <a:extLst>
+              <a:ext uri="{FF2B5EF4-FFF2-40B4-BE49-F238E27FC236}">
+                <a16:creationId xmlns:a16="http://schemas.microsoft.com/office/drawing/2014/main" id="{64CD0901-0103-C547-8568-3586868E2CA5}"/>
+              </a:ext>
+            </a:extLst>
+          </p:cNvPr>
+          <p:cNvCxnSpPr>
+            <a:cxnSpLocks/>
+          </p:cNvCxnSpPr>
+          <p:nvPr/>
+        </p:nvCxnSpPr>
+        <p:spPr>
+          <a:xfrm>
+            <a:off x="791988" y="3331297"/>
+            <a:ext cx="10974443" cy="0"/>
+          </a:xfrm>
+          <a:prstGeom prst="line">
+            <a:avLst/>
+          </a:prstGeom>
+          <a:ln>
+            <a:solidFill>
+              <a:srgbClr val="FFC000"/>
+            </a:solidFill>
+          </a:ln>
+        </p:spPr>
+        <p:style>
+          <a:lnRef idx="1">
+            <a:schemeClr val="accent1"/>
+          </a:lnRef>
+          <a:fillRef idx="0">
+            <a:schemeClr val="accent1"/>
+          </a:fillRef>
+          <a:effectRef idx="0">
+            <a:schemeClr val="accent1"/>
+          </a:effectRef>
+          <a:fontRef idx="minor">
+            <a:schemeClr val="tx1"/>
+          </a:fontRef>
+        </p:style>
+      </p:cxnSp>
+      <p:sp>
+        <p:nvSpPr>
+          <p:cNvPr id="6" name="Oval 5">
+            <a:extLst>
+              <a:ext uri="{FF2B5EF4-FFF2-40B4-BE49-F238E27FC236}">
+                <a16:creationId xmlns:a16="http://schemas.microsoft.com/office/drawing/2014/main" id="{5B37981F-8485-D340-8142-DBDA1AAF6770}"/>
               </a:ext>
             </a:extLst>
           </p:cNvPr>
@@ -7064,8 +7281,8 @@
         </p:nvSpPr>
         <p:spPr>
           <a:xfrm>
-            <a:off x="1878120" y="1942034"/>
-            <a:ext cx="2027614" cy="1991437"/>
+            <a:off x="1276709" y="3141516"/>
+            <a:ext cx="362310" cy="379562"/>
           </a:xfrm>
           <a:prstGeom prst="ellipse">
             <a:avLst/>
@@ -7074,16 +7291,10 @@
             <a:srgbClr val="FFC000"/>
           </a:solidFill>
           <a:ln>
-            <a:noFill/>
+            <a:solidFill>
+              <a:srgbClr val="FFC000"/>
+            </a:solidFill>
           </a:ln>
-          <a:effectLst>
-            <a:glow rad="139700">
-              <a:schemeClr val="accent4">
-                <a:satMod val="175000"/>
-                <a:alpha val="40000"/>
-              </a:schemeClr>
-            </a:glow>
-          </a:effectLst>
         </p:spPr>
         <p:style>
           <a:lnRef idx="2">
@@ -7106,52 +7317,51 @@
           <a:lstStyle/>
           <a:p>
             <a:pPr algn="ctr"/>
-            <a:r>
-              <a:rPr lang="en-US" sz="2800" dirty="0"/>
-              <a:t>145</a:t>
-            </a:r>
-          </a:p>
-          <a:p>
-            <a:pPr algn="ctr"/>
-            <a:r>
-              <a:rPr lang="en-US" sz="2800" b="1" dirty="0"/>
-              <a:t>Billion</a:t>
-            </a:r>
-          </a:p>
-        </p:txBody>
-      </p:sp>
-      <p:sp>
-        <p:nvSpPr>
-          <p:cNvPr id="6" name="Rectangle 5">
-            <a:extLst>
-              <a:ext uri="{FF2B5EF4-FFF2-40B4-BE49-F238E27FC236}">
-                <a16:creationId xmlns:a16="http://schemas.microsoft.com/office/drawing/2014/main" id="{40A03BD7-85A0-6144-8B17-6AACA461F4A3}"/>
-              </a:ext>
-            </a:extLst>
-          </p:cNvPr>
-          <p:cNvSpPr/>
+            <a:endParaRPr lang="en-US">
+              <a:solidFill>
+                <a:schemeClr val="bg1">
+                  <a:lumMod val="50000"/>
+                </a:schemeClr>
+              </a:solidFill>
+              <a:latin typeface="Avenir Next" panose="020B0503020202020204" pitchFamily="34" charset="0"/>
+            </a:endParaRPr>
+          </a:p>
+        </p:txBody>
+      </p:sp>
+      <p:sp>
+        <p:nvSpPr>
+          <p:cNvPr id="7" name="TextBox 6">
+            <a:extLst>
+              <a:ext uri="{FF2B5EF4-FFF2-40B4-BE49-F238E27FC236}">
+                <a16:creationId xmlns:a16="http://schemas.microsoft.com/office/drawing/2014/main" id="{228A4D4D-88DB-B24E-9ED6-47E44F7E6719}"/>
+              </a:ext>
+            </a:extLst>
+          </p:cNvPr>
+          <p:cNvSpPr txBox="1"/>
           <p:nvPr/>
         </p:nvSpPr>
         <p:spPr>
           <a:xfrm>
-            <a:off x="1557060" y="4479009"/>
-            <a:ext cx="2597999" cy="523220"/>
+            <a:off x="620281" y="3659100"/>
+            <a:ext cx="1675166" cy="1600438"/>
           </a:xfrm>
           <a:prstGeom prst="rect">
             <a:avLst/>
           </a:prstGeom>
-        </p:spPr>
-        <p:txBody>
-          <a:bodyPr wrap="square">
+          <a:noFill/>
+          <a:ln>
+            <a:solidFill>
+              <a:srgbClr val="FFC000"/>
+            </a:solidFill>
+          </a:ln>
+        </p:spPr>
+        <p:txBody>
+          <a:bodyPr wrap="square" rtlCol="0">
             <a:spAutoFit/>
           </a:bodyPr>
           <a:lstStyle/>
           <a:p>
-            <a:pPr algn="ctr">
-              <a:spcAft>
-                <a:spcPts val="0"/>
-              </a:spcAft>
-            </a:pPr>
+            <a:pPr algn="ctr"/>
             <a:r>
               <a:rPr lang="en-US" sz="1400" b="1" dirty="0">
                 <a:solidFill>
@@ -7159,69 +7369,55 @@
                     <a:lumMod val="50000"/>
                   </a:schemeClr>
                 </a:solidFill>
-                <a:latin typeface="Calibri" charset="0"/>
-                <a:cs typeface="Times New Roman" charset="0"/>
-              </a:rPr>
-              <a:t>Amount of foreign Aid disbursed by donors.</a:t>
-            </a:r>
-          </a:p>
-        </p:txBody>
-      </p:sp>
-      <p:sp>
-        <p:nvSpPr>
-          <p:cNvPr id="7" name="Rectangle 6">
-            <a:extLst>
-              <a:ext uri="{FF2B5EF4-FFF2-40B4-BE49-F238E27FC236}">
-                <a16:creationId xmlns:a16="http://schemas.microsoft.com/office/drawing/2014/main" id="{85D1A6A4-20ED-424A-B065-255A0A51A45B}"/>
-              </a:ext>
-            </a:extLst>
-          </p:cNvPr>
-          <p:cNvSpPr/>
-          <p:nvPr/>
-        </p:nvSpPr>
-        <p:spPr>
-          <a:xfrm>
-            <a:off x="4939126" y="4391035"/>
-            <a:ext cx="2310693" cy="523220"/>
-          </a:xfrm>
-          <a:prstGeom prst="rect">
-            <a:avLst/>
-          </a:prstGeom>
-        </p:spPr>
-        <p:txBody>
-          <a:bodyPr wrap="square">
-            <a:spAutoFit/>
-          </a:bodyPr>
-          <a:lstStyle/>
-          <a:p>
-            <a:pPr algn="ctr">
-              <a:spcAft>
-                <a:spcPts val="0"/>
-              </a:spcAft>
-            </a:pPr>
-            <a:r>
-              <a:rPr lang="en-US" sz="1400" b="1" dirty="0">
+                <a:latin typeface="Avenir Next" panose="020B0503020202020204" pitchFamily="34" charset="0"/>
+              </a:rPr>
+              <a:t>Project targets</a:t>
+            </a:r>
+          </a:p>
+          <a:p>
+            <a:pPr algn="ctr"/>
+            <a:r>
+              <a:rPr lang="en-US" sz="1400" dirty="0">
                 <a:solidFill>
                   <a:schemeClr val="bg1">
                     <a:lumMod val="50000"/>
                   </a:schemeClr>
                 </a:solidFill>
-                <a:effectLst/>
-                <a:latin typeface="Calibri" charset="0"/>
-                <a:ea typeface="Calibri" charset="0"/>
-                <a:cs typeface="Times New Roman" charset="0"/>
-              </a:rPr>
-              <a:t>Average value of aid disbursed to Africa </a:t>
-            </a:r>
-          </a:p>
-        </p:txBody>
-      </p:sp>
-      <p:sp>
-        <p:nvSpPr>
-          <p:cNvPr id="8" name="Rectangle 7">
-            <a:extLst>
-              <a:ext uri="{FF2B5EF4-FFF2-40B4-BE49-F238E27FC236}">
-                <a16:creationId xmlns:a16="http://schemas.microsoft.com/office/drawing/2014/main" id="{D58E8ED8-6AEE-3E49-BE53-90D942FA98F0}"/>
+                <a:latin typeface="Avenir Next" panose="020B0503020202020204" pitchFamily="34" charset="0"/>
+              </a:rPr>
+              <a:t>Donor and Aid Agency agree on project objectives and budget.</a:t>
+            </a:r>
+          </a:p>
+          <a:p>
+            <a:pPr algn="ctr"/>
+            <a:endParaRPr lang="en-US" sz="1400" dirty="0">
+              <a:solidFill>
+                <a:schemeClr val="bg1">
+                  <a:lumMod val="50000"/>
+                </a:schemeClr>
+              </a:solidFill>
+              <a:latin typeface="Avenir Next" panose="020B0503020202020204" pitchFamily="34" charset="0"/>
+            </a:endParaRPr>
+          </a:p>
+          <a:p>
+            <a:pPr algn="ctr"/>
+            <a:endParaRPr lang="en-US" sz="1400" dirty="0">
+              <a:solidFill>
+                <a:schemeClr val="bg1">
+                  <a:lumMod val="50000"/>
+                </a:schemeClr>
+              </a:solidFill>
+              <a:latin typeface="Avenir Next" panose="020B0503020202020204" pitchFamily="34" charset="0"/>
+            </a:endParaRPr>
+          </a:p>
+        </p:txBody>
+      </p:sp>
+      <p:sp>
+        <p:nvSpPr>
+          <p:cNvPr id="8" name="Oval 7">
+            <a:extLst>
+              <a:ext uri="{FF2B5EF4-FFF2-40B4-BE49-F238E27FC236}">
+                <a16:creationId xmlns:a16="http://schemas.microsoft.com/office/drawing/2014/main" id="{CE7289C9-9EA8-1D44-BDDD-F38997F2B422}"/>
               </a:ext>
             </a:extLst>
           </p:cNvPr>
@@ -7230,145 +7426,8 @@
         </p:nvSpPr>
         <p:spPr>
           <a:xfrm>
-            <a:off x="5094438" y="5002229"/>
-            <a:ext cx="2000067" cy="307777"/>
-          </a:xfrm>
-          <a:prstGeom prst="rect">
-            <a:avLst/>
-          </a:prstGeom>
-        </p:spPr>
-        <p:txBody>
-          <a:bodyPr wrap="square">
-            <a:spAutoFit/>
-          </a:bodyPr>
-          <a:lstStyle/>
-          <a:p>
-            <a:pPr algn="ctr">
-              <a:spcAft>
-                <a:spcPts val="0"/>
-              </a:spcAft>
-            </a:pPr>
-            <a:r>
-              <a:rPr lang="en-US" sz="1400" b="1" dirty="0">
-                <a:effectLst/>
-                <a:latin typeface="Calibri" charset="0"/>
-                <a:ea typeface="Calibri" charset="0"/>
-                <a:cs typeface="Times New Roman" charset="0"/>
-              </a:rPr>
-              <a:t>Addressable market</a:t>
-            </a:r>
-          </a:p>
-        </p:txBody>
-      </p:sp>
-      <p:sp>
-        <p:nvSpPr>
-          <p:cNvPr id="9" name="Rectangle 8">
-            <a:extLst>
-              <a:ext uri="{FF2B5EF4-FFF2-40B4-BE49-F238E27FC236}">
-                <a16:creationId xmlns:a16="http://schemas.microsoft.com/office/drawing/2014/main" id="{493FD380-3A9E-5E48-B6E8-C9DBFF64D6B9}"/>
-              </a:ext>
-            </a:extLst>
-          </p:cNvPr>
-          <p:cNvSpPr/>
-          <p:nvPr/>
-        </p:nvSpPr>
-        <p:spPr>
-          <a:xfrm>
-            <a:off x="7690651" y="4986653"/>
-            <a:ext cx="2597999" cy="307777"/>
-          </a:xfrm>
-          <a:prstGeom prst="rect">
-            <a:avLst/>
-          </a:prstGeom>
-        </p:spPr>
-        <p:txBody>
-          <a:bodyPr wrap="square">
-            <a:spAutoFit/>
-          </a:bodyPr>
-          <a:lstStyle/>
-          <a:p>
-            <a:pPr algn="ctr">
-              <a:spcAft>
-                <a:spcPts val="0"/>
-              </a:spcAft>
-            </a:pPr>
-            <a:r>
-              <a:rPr lang="en-US" sz="1400" b="1" dirty="0">
-                <a:effectLst/>
-                <a:latin typeface="Calibri" charset="0"/>
-                <a:ea typeface="Calibri" charset="0"/>
-                <a:cs typeface="Times New Roman" charset="0"/>
-              </a:rPr>
-              <a:t>Target market share</a:t>
-            </a:r>
-          </a:p>
-        </p:txBody>
-      </p:sp>
-      <p:sp>
-        <p:nvSpPr>
-          <p:cNvPr id="10" name="Rectangle 9">
-            <a:extLst>
-              <a:ext uri="{FF2B5EF4-FFF2-40B4-BE49-F238E27FC236}">
-                <a16:creationId xmlns:a16="http://schemas.microsoft.com/office/drawing/2014/main" id="{7272314A-0A81-154E-B4CB-1261712C4C8F}"/>
-              </a:ext>
-            </a:extLst>
-          </p:cNvPr>
-          <p:cNvSpPr/>
-          <p:nvPr/>
-        </p:nvSpPr>
-        <p:spPr>
-          <a:xfrm>
-            <a:off x="8033886" y="4432842"/>
-            <a:ext cx="1911531" cy="307777"/>
-          </a:xfrm>
-          <a:prstGeom prst="rect">
-            <a:avLst/>
-          </a:prstGeom>
-        </p:spPr>
-        <p:txBody>
-          <a:bodyPr wrap="square">
-            <a:spAutoFit/>
-          </a:bodyPr>
-          <a:lstStyle/>
-          <a:p>
-            <a:pPr algn="ctr">
-              <a:spcAft>
-                <a:spcPts val="0"/>
-              </a:spcAft>
-            </a:pPr>
-            <a:r>
-              <a:rPr lang="en-US" sz="1400" b="1" dirty="0">
-                <a:solidFill>
-                  <a:schemeClr val="bg1">
-                    <a:lumMod val="50000"/>
-                  </a:schemeClr>
-                </a:solidFill>
-                <a:effectLst/>
-                <a:latin typeface="Calibri" charset="0"/>
-                <a:ea typeface="Calibri" charset="0"/>
-                <a:cs typeface="Times New Roman" charset="0"/>
-              </a:rPr>
-              <a:t>Potential market share</a:t>
-            </a:r>
-          </a:p>
-        </p:txBody>
-      </p:sp>
-      <p:sp>
-        <p:nvSpPr>
-          <p:cNvPr id="11" name="Oval 10">
-            <a:extLst>
-              <a:ext uri="{FF2B5EF4-FFF2-40B4-BE49-F238E27FC236}">
-                <a16:creationId xmlns:a16="http://schemas.microsoft.com/office/drawing/2014/main" id="{39B10895-60CB-7E49-AEBA-3EFE91068994}"/>
-              </a:ext>
-            </a:extLst>
-          </p:cNvPr>
-          <p:cNvSpPr/>
-          <p:nvPr/>
-        </p:nvSpPr>
-        <p:spPr>
-          <a:xfrm>
-            <a:off x="5311445" y="2337959"/>
-            <a:ext cx="1566057" cy="1595512"/>
+            <a:off x="3223403" y="3141516"/>
+            <a:ext cx="362310" cy="379562"/>
           </a:xfrm>
           <a:prstGeom prst="ellipse">
             <a:avLst/>
@@ -7377,16 +7436,10 @@
             <a:srgbClr val="FFC000"/>
           </a:solidFill>
           <a:ln>
-            <a:noFill/>
+            <a:solidFill>
+              <a:srgbClr val="FFC000"/>
+            </a:solidFill>
           </a:ln>
-          <a:effectLst>
-            <a:glow rad="228600">
-              <a:schemeClr val="accent4">
-                <a:satMod val="175000"/>
-                <a:alpha val="40000"/>
-              </a:schemeClr>
-            </a:glow>
-          </a:effectLst>
         </p:spPr>
         <p:style>
           <a:lnRef idx="2">
@@ -7409,30 +7462,96 @@
           <a:lstStyle/>
           <a:p>
             <a:pPr algn="ctr"/>
-            <a:r>
-              <a:rPr lang="en-US" sz="2800" dirty="0"/>
-              <a:t>25</a:t>
-            </a:r>
-          </a:p>
+            <a:endParaRPr lang="en-US">
+              <a:solidFill>
+                <a:schemeClr val="bg1">
+                  <a:lumMod val="50000"/>
+                </a:schemeClr>
+              </a:solidFill>
+              <a:latin typeface="Avenir Next" panose="020B0503020202020204" pitchFamily="34" charset="0"/>
+            </a:endParaRPr>
+          </a:p>
+        </p:txBody>
+      </p:sp>
+      <p:sp>
+        <p:nvSpPr>
+          <p:cNvPr id="9" name="TextBox 8">
+            <a:extLst>
+              <a:ext uri="{FF2B5EF4-FFF2-40B4-BE49-F238E27FC236}">
+                <a16:creationId xmlns:a16="http://schemas.microsoft.com/office/drawing/2014/main" id="{CCE9A6A7-CE48-C34E-9A2E-BD8DB7BF71E3}"/>
+              </a:ext>
+            </a:extLst>
+          </p:cNvPr>
+          <p:cNvSpPr txBox="1"/>
+          <p:nvPr/>
+        </p:nvSpPr>
+        <p:spPr>
+          <a:xfrm>
+            <a:off x="2566975" y="3659100"/>
+            <a:ext cx="1675166" cy="1600438"/>
+          </a:xfrm>
+          <a:prstGeom prst="rect">
+            <a:avLst/>
+          </a:prstGeom>
+          <a:noFill/>
+          <a:ln>
+            <a:solidFill>
+              <a:srgbClr val="FFC000"/>
+            </a:solidFill>
+          </a:ln>
+        </p:spPr>
+        <p:txBody>
+          <a:bodyPr wrap="square" rtlCol="0">
+            <a:spAutoFit/>
+          </a:bodyPr>
+          <a:lstStyle/>
           <a:p>
             <a:pPr algn="ctr"/>
             <a:r>
-              <a:rPr lang="en-US" sz="2400" b="1" dirty="0"/>
-              <a:t>Billion</a:t>
-            </a:r>
-            <a:r>
-              <a:rPr lang="en-US" sz="1100" dirty="0"/>
-              <a:t> </a:t>
-            </a:r>
-          </a:p>
-        </p:txBody>
-      </p:sp>
-      <p:sp>
-        <p:nvSpPr>
-          <p:cNvPr id="12" name="Oval 11">
-            <a:extLst>
-              <a:ext uri="{FF2B5EF4-FFF2-40B4-BE49-F238E27FC236}">
-                <a16:creationId xmlns:a16="http://schemas.microsoft.com/office/drawing/2014/main" id="{BC6F0E7E-569C-A14C-B00C-F6A5CA7FDE76}"/>
+              <a:rPr lang="en-US" sz="1400" b="1" dirty="0">
+                <a:solidFill>
+                  <a:schemeClr val="bg1">
+                    <a:lumMod val="50000"/>
+                  </a:schemeClr>
+                </a:solidFill>
+                <a:latin typeface="Avenir Next" panose="020B0503020202020204" pitchFamily="34" charset="0"/>
+              </a:rPr>
+              <a:t>Funds transfer</a:t>
+            </a:r>
+          </a:p>
+          <a:p>
+            <a:pPr algn="ctr"/>
+            <a:r>
+              <a:rPr lang="en-US" sz="1400" dirty="0">
+                <a:solidFill>
+                  <a:schemeClr val="bg1">
+                    <a:lumMod val="50000"/>
+                  </a:schemeClr>
+                </a:solidFill>
+                <a:latin typeface="Avenir Next" panose="020B0503020202020204" pitchFamily="34" charset="0"/>
+              </a:rPr>
+              <a:t>Donor transfers funds to be disbursed into Partner bank escrow account.</a:t>
+            </a:r>
+          </a:p>
+          <a:p>
+            <a:pPr algn="ctr"/>
+            <a:endParaRPr lang="en-US" sz="1400" dirty="0">
+              <a:solidFill>
+                <a:schemeClr val="bg1">
+                  <a:lumMod val="50000"/>
+                </a:schemeClr>
+              </a:solidFill>
+              <a:latin typeface="Avenir Next" panose="020B0503020202020204" pitchFamily="34" charset="0"/>
+            </a:endParaRPr>
+          </a:p>
+        </p:txBody>
+      </p:sp>
+      <p:sp>
+        <p:nvSpPr>
+          <p:cNvPr id="10" name="Oval 9">
+            <a:extLst>
+              <a:ext uri="{FF2B5EF4-FFF2-40B4-BE49-F238E27FC236}">
+                <a16:creationId xmlns:a16="http://schemas.microsoft.com/office/drawing/2014/main" id="{1443E78A-4B7B-8745-8968-9A483A4452F9}"/>
               </a:ext>
             </a:extLst>
           </p:cNvPr>
@@ -7441,8 +7560,8 @@
         </p:nvSpPr>
         <p:spPr>
           <a:xfrm>
-            <a:off x="8283213" y="2428863"/>
-            <a:ext cx="1412876" cy="1413703"/>
+            <a:off x="5080959" y="3141516"/>
+            <a:ext cx="362310" cy="379562"/>
           </a:xfrm>
           <a:prstGeom prst="ellipse">
             <a:avLst/>
@@ -7451,16 +7570,10 @@
             <a:srgbClr val="FFC000"/>
           </a:solidFill>
           <a:ln>
-            <a:noFill/>
+            <a:solidFill>
+              <a:srgbClr val="FFC000"/>
+            </a:solidFill>
           </a:ln>
-          <a:effectLst>
-            <a:glow rad="139700">
-              <a:schemeClr val="accent4">
-                <a:satMod val="175000"/>
-                <a:alpha val="40000"/>
-              </a:schemeClr>
-            </a:glow>
-          </a:effectLst>
         </p:spPr>
         <p:style>
           <a:lnRef idx="2">
@@ -7483,101 +7596,23 @@
           <a:lstStyle/>
           <a:p>
             <a:pPr algn="ctr"/>
-            <a:r>
-              <a:rPr lang="en-US" sz="2800" dirty="0"/>
-              <a:t>10</a:t>
-            </a:r>
-            <a:endParaRPr lang="en-US" sz="1000" dirty="0"/>
-          </a:p>
-          <a:p>
-            <a:pPr algn="ctr"/>
-            <a:r>
-              <a:rPr lang="en-US" sz="2400" b="1" dirty="0"/>
-              <a:t>Billion</a:t>
-            </a:r>
-          </a:p>
-        </p:txBody>
-      </p:sp>
-      <p:sp>
-        <p:nvSpPr>
-          <p:cNvPr id="13" name="Rectangle 12">
-            <a:extLst>
-              <a:ext uri="{FF2B5EF4-FFF2-40B4-BE49-F238E27FC236}">
-                <a16:creationId xmlns:a16="http://schemas.microsoft.com/office/drawing/2014/main" id="{F71A8C63-8BDC-7249-BD0D-73BC1CAE4DB5}"/>
-              </a:ext>
-            </a:extLst>
-          </p:cNvPr>
-          <p:cNvSpPr/>
-          <p:nvPr/>
-        </p:nvSpPr>
-        <p:spPr>
-          <a:xfrm>
-            <a:off x="1592927" y="4986653"/>
-            <a:ext cx="2597999" cy="307777"/>
-          </a:xfrm>
-          <a:prstGeom prst="rect">
-            <a:avLst/>
-          </a:prstGeom>
-        </p:spPr>
-        <p:txBody>
-          <a:bodyPr wrap="square">
-            <a:spAutoFit/>
-          </a:bodyPr>
-          <a:lstStyle/>
-          <a:p>
-            <a:pPr algn="ctr">
-              <a:spcAft>
-                <a:spcPts val="0"/>
-              </a:spcAft>
-            </a:pPr>
-            <a:r>
-              <a:rPr lang="en-US" sz="1400" b="1" dirty="0">
-                <a:effectLst/>
-                <a:latin typeface="Calibri" charset="0"/>
-                <a:ea typeface="Calibri" charset="0"/>
-                <a:cs typeface="Times New Roman" charset="0"/>
-              </a:rPr>
-              <a:t>Total Donor market</a:t>
-            </a:r>
-          </a:p>
-        </p:txBody>
-      </p:sp>
-    </p:spTree>
-    <p:extLst>
-      <p:ext uri="{BB962C8B-B14F-4D97-AF65-F5344CB8AC3E}">
-        <p14:creationId xmlns:p14="http://schemas.microsoft.com/office/powerpoint/2010/main" val="1264718644"/>
-      </p:ext>
-    </p:extLst>
-  </p:cSld>
-  <p:clrMapOvr>
-    <a:masterClrMapping/>
-  </p:clrMapOvr>
-</p:sld>
-</file>
-
-<file path=ppt/slides/slide5.xml><?xml version="1.0" encoding="utf-8"?>
-<p:sld xmlns:a="http://schemas.openxmlformats.org/drawingml/2006/main" xmlns:r="http://schemas.openxmlformats.org/officeDocument/2006/relationships" xmlns:p="http://schemas.openxmlformats.org/presentationml/2006/main">
-  <p:cSld>
-    <p:spTree>
-      <p:nvGrpSpPr>
-        <p:cNvPr id="1" name=""/>
-        <p:cNvGrpSpPr/>
-        <p:nvPr/>
-      </p:nvGrpSpPr>
-      <p:grpSpPr>
-        <a:xfrm>
-          <a:off x="0" y="0"/>
-          <a:ext cx="0" cy="0"/>
-          <a:chOff x="0" y="0"/>
-          <a:chExt cx="0" cy="0"/>
-        </a:xfrm>
-      </p:grpSpPr>
-      <p:sp>
-        <p:nvSpPr>
-          <p:cNvPr id="4" name="TextBox 3">
-            <a:extLst>
-              <a:ext uri="{FF2B5EF4-FFF2-40B4-BE49-F238E27FC236}">
-                <a16:creationId xmlns:a16="http://schemas.microsoft.com/office/drawing/2014/main" id="{481CBF74-2C2A-0142-8550-58B6CA321040}"/>
+            <a:endParaRPr lang="en-US">
+              <a:solidFill>
+                <a:schemeClr val="bg1">
+                  <a:lumMod val="50000"/>
+                </a:schemeClr>
+              </a:solidFill>
+              <a:latin typeface="Avenir Next" panose="020B0503020202020204" pitchFamily="34" charset="0"/>
+            </a:endParaRPr>
+          </a:p>
+        </p:txBody>
+      </p:sp>
+      <p:sp>
+        <p:nvSpPr>
+          <p:cNvPr id="11" name="TextBox 10">
+            <a:extLst>
+              <a:ext uri="{FF2B5EF4-FFF2-40B4-BE49-F238E27FC236}">
+                <a16:creationId xmlns:a16="http://schemas.microsoft.com/office/drawing/2014/main" id="{4ACCF348-EF50-4940-9258-1A22C0E65ED3}"/>
               </a:ext>
             </a:extLst>
           </p:cNvPr>
@@ -7586,13 +7621,18 @@
         </p:nvSpPr>
         <p:spPr>
           <a:xfrm>
-            <a:off x="4343398" y="457497"/>
-            <a:ext cx="3352802" cy="523220"/>
+            <a:off x="4424531" y="3659100"/>
+            <a:ext cx="1675166" cy="1600438"/>
           </a:xfrm>
           <a:prstGeom prst="rect">
             <a:avLst/>
           </a:prstGeom>
           <a:noFill/>
+          <a:ln>
+            <a:solidFill>
+              <a:srgbClr val="FFC000"/>
+            </a:solidFill>
+          </a:ln>
         </p:spPr>
         <p:txBody>
           <a:bodyPr wrap="square" rtlCol="0">
@@ -7600,29 +7640,74 @@
           </a:bodyPr>
           <a:lstStyle/>
           <a:p>
-            <a:pPr algn="ctr" defTabSz="457200"/>
-            <a:r>
-              <a:rPr lang="en-US" sz="2800" b="1" dirty="0">
+            <a:pPr algn="ctr"/>
+            <a:r>
+              <a:rPr lang="en-US" sz="1400" b="1" dirty="0">
                 <a:solidFill>
                   <a:schemeClr val="bg1">
                     <a:lumMod val="50000"/>
                   </a:schemeClr>
                 </a:solidFill>
-                <a:latin typeface="Avenir Next" charset="0"/>
-                <a:ea typeface="Avenir Next" charset="0"/>
-                <a:cs typeface="Avenir Next" charset="0"/>
-              </a:rPr>
-              <a:t>Value Proposition</a:t>
-            </a:r>
-          </a:p>
-        </p:txBody>
-      </p:sp>
-      <p:sp>
-        <p:nvSpPr>
-          <p:cNvPr id="3" name="Rectangle 2">
-            <a:extLst>
-              <a:ext uri="{FF2B5EF4-FFF2-40B4-BE49-F238E27FC236}">
-                <a16:creationId xmlns:a16="http://schemas.microsoft.com/office/drawing/2014/main" id="{3635041D-0DA3-5844-A5DC-12BADFD10C69}"/>
+                <a:latin typeface="Avenir Next" panose="020B0503020202020204" pitchFamily="34" charset="0"/>
+              </a:rPr>
+              <a:t>Tokens issued</a:t>
+            </a:r>
+          </a:p>
+          <a:p>
+            <a:pPr algn="ctr"/>
+            <a:r>
+              <a:rPr lang="en-US" sz="1400" dirty="0">
+                <a:solidFill>
+                  <a:schemeClr val="bg1">
+                    <a:lumMod val="50000"/>
+                  </a:schemeClr>
+                </a:solidFill>
+                <a:latin typeface="Avenir Next" panose="020B0503020202020204" pitchFamily="34" charset="0"/>
+              </a:rPr>
+              <a:t>Partner bank issues tokens on behalf on donor.</a:t>
+            </a:r>
+          </a:p>
+          <a:p>
+            <a:pPr algn="ctr"/>
+            <a:endParaRPr lang="en-US" sz="1400" dirty="0">
+              <a:solidFill>
+                <a:schemeClr val="bg1">
+                  <a:lumMod val="50000"/>
+                </a:schemeClr>
+              </a:solidFill>
+              <a:latin typeface="Avenir Next" panose="020B0503020202020204" pitchFamily="34" charset="0"/>
+            </a:endParaRPr>
+          </a:p>
+          <a:p>
+            <a:pPr algn="ctr"/>
+            <a:endParaRPr lang="en-US" sz="1400" dirty="0">
+              <a:solidFill>
+                <a:schemeClr val="bg1">
+                  <a:lumMod val="50000"/>
+                </a:schemeClr>
+              </a:solidFill>
+              <a:latin typeface="Avenir Next" panose="020B0503020202020204" pitchFamily="34" charset="0"/>
+            </a:endParaRPr>
+          </a:p>
+          <a:p>
+            <a:pPr algn="ctr"/>
+            <a:endParaRPr lang="en-US" sz="1400" dirty="0">
+              <a:solidFill>
+                <a:schemeClr val="bg1">
+                  <a:lumMod val="50000"/>
+                </a:schemeClr>
+              </a:solidFill>
+              <a:latin typeface="Avenir Next" panose="020B0503020202020204" pitchFamily="34" charset="0"/>
+            </a:endParaRPr>
+          </a:p>
+        </p:txBody>
+      </p:sp>
+      <p:sp>
+        <p:nvSpPr>
+          <p:cNvPr id="12" name="Oval 11">
+            <a:extLst>
+              <a:ext uri="{FF2B5EF4-FFF2-40B4-BE49-F238E27FC236}">
+                <a16:creationId xmlns:a16="http://schemas.microsoft.com/office/drawing/2014/main" id="{381AB156-AC24-FA46-A12F-11D2729FC2A8}"/>
               </a:ext>
             </a:extLst>
           </p:cNvPr>
@@ -7631,126 +7716,143 @@
         </p:nvSpPr>
         <p:spPr>
           <a:xfrm>
-            <a:off x="2594474" y="2645055"/>
-            <a:ext cx="2112596" cy="523220"/>
-          </a:xfrm>
-          <a:prstGeom prst="rect">
+            <a:off x="7027653" y="3141516"/>
+            <a:ext cx="362310" cy="379562"/>
+          </a:xfrm>
+          <a:prstGeom prst="ellipse">
             <a:avLst/>
           </a:prstGeom>
           <a:solidFill>
             <a:srgbClr val="FFC000"/>
           </a:solidFill>
-        </p:spPr>
-        <p:txBody>
-          <a:bodyPr wrap="square">
-            <a:spAutoFit/>
-          </a:bodyPr>
-          <a:lstStyle/>
-          <a:p>
-            <a:pPr marL="90488" lvl="1" indent="44450" algn="ctr">
-              <a:tabLst/>
-            </a:pPr>
-            <a:r>
-              <a:rPr lang="en-US" sz="1400" b="1" dirty="0">
-                <a:solidFill>
-                  <a:schemeClr val="bg1"/>
-                </a:solidFill>
-                <a:latin typeface="Avenir Next" panose="020B0503020202020204" pitchFamily="34" charset="0"/>
-                <a:ea typeface="Avenir Next" charset="0"/>
-                <a:cs typeface="Avenir Next" charset="0"/>
-              </a:rPr>
-              <a:t>INCREASED TRANSPARENCY</a:t>
-            </a:r>
-            <a:endParaRPr lang="en-US" sz="1400" b="1" baseline="0" dirty="0">
+          <a:ln>
+            <a:solidFill>
+              <a:srgbClr val="FFC000"/>
+            </a:solidFill>
+          </a:ln>
+        </p:spPr>
+        <p:style>
+          <a:lnRef idx="2">
+            <a:schemeClr val="accent1">
+              <a:shade val="50000"/>
+            </a:schemeClr>
+          </a:lnRef>
+          <a:fillRef idx="1">
+            <a:schemeClr val="accent1"/>
+          </a:fillRef>
+          <a:effectRef idx="0">
+            <a:schemeClr val="accent1"/>
+          </a:effectRef>
+          <a:fontRef idx="minor">
+            <a:schemeClr val="lt1"/>
+          </a:fontRef>
+        </p:style>
+        <p:txBody>
+          <a:bodyPr rtlCol="0" anchor="ctr"/>
+          <a:lstStyle/>
+          <a:p>
+            <a:pPr algn="ctr"/>
+            <a:endParaRPr lang="en-US">
               <a:solidFill>
-                <a:schemeClr val="bg1"/>
+                <a:schemeClr val="bg1">
+                  <a:lumMod val="50000"/>
+                </a:schemeClr>
               </a:solidFill>
               <a:latin typeface="Avenir Next" panose="020B0503020202020204" pitchFamily="34" charset="0"/>
-              <a:ea typeface="Avenir Next" charset="0"/>
-              <a:cs typeface="Avenir Next" charset="0"/>
             </a:endParaRPr>
           </a:p>
         </p:txBody>
       </p:sp>
       <p:sp>
         <p:nvSpPr>
-          <p:cNvPr id="5" name="Rectangle 4">
-            <a:extLst>
-              <a:ext uri="{FF2B5EF4-FFF2-40B4-BE49-F238E27FC236}">
-                <a16:creationId xmlns:a16="http://schemas.microsoft.com/office/drawing/2014/main" id="{6F616DA5-7A4A-6C41-8063-9206059C7A24}"/>
-              </a:ext>
-            </a:extLst>
-          </p:cNvPr>
-          <p:cNvSpPr/>
+          <p:cNvPr id="13" name="TextBox 12">
+            <a:extLst>
+              <a:ext uri="{FF2B5EF4-FFF2-40B4-BE49-F238E27FC236}">
+                <a16:creationId xmlns:a16="http://schemas.microsoft.com/office/drawing/2014/main" id="{B4255EE5-0A58-5845-BDC9-4EC7A6CD5B10}"/>
+              </a:ext>
+            </a:extLst>
+          </p:cNvPr>
+          <p:cNvSpPr txBox="1"/>
           <p:nvPr/>
         </p:nvSpPr>
         <p:spPr>
           <a:xfrm>
-            <a:off x="2594474" y="3214390"/>
-            <a:ext cx="2112597" cy="1384995"/>
+            <a:off x="6371225" y="3659100"/>
+            <a:ext cx="1675166" cy="1600438"/>
           </a:xfrm>
           <a:prstGeom prst="rect">
             <a:avLst/>
           </a:prstGeom>
-          <a:solidFill>
-            <a:schemeClr val="bg1">
-              <a:lumMod val="95000"/>
-            </a:schemeClr>
-          </a:solidFill>
-        </p:spPr>
-        <p:txBody>
-          <a:bodyPr wrap="square">
+          <a:noFill/>
+          <a:ln>
+            <a:solidFill>
+              <a:srgbClr val="FFC000"/>
+            </a:solidFill>
+          </a:ln>
+        </p:spPr>
+        <p:txBody>
+          <a:bodyPr wrap="square" rtlCol="0">
             <a:spAutoFit/>
           </a:bodyPr>
           <a:lstStyle/>
           <a:p>
-            <a:pPr marL="90488" lvl="1" indent="44450" algn="ctr">
-              <a:tabLst/>
-            </a:pPr>
-            <a:endParaRPr lang="en-US" sz="1200" dirty="0">
+            <a:pPr algn="ctr"/>
+            <a:r>
+              <a:rPr lang="en-US" sz="1400" b="1" dirty="0">
+                <a:solidFill>
+                  <a:schemeClr val="bg1">
+                    <a:lumMod val="50000"/>
+                  </a:schemeClr>
+                </a:solidFill>
+                <a:latin typeface="Avenir Next" panose="020B0503020202020204" pitchFamily="34" charset="0"/>
+              </a:rPr>
+              <a:t>Token disbursement</a:t>
+            </a:r>
+          </a:p>
+          <a:p>
+            <a:pPr algn="ctr"/>
+            <a:r>
+              <a:rPr lang="en-US" sz="1400" dirty="0">
+                <a:solidFill>
+                  <a:schemeClr val="bg1">
+                    <a:lumMod val="50000"/>
+                  </a:schemeClr>
+                </a:solidFill>
+                <a:latin typeface="Avenir Next" panose="020B0503020202020204" pitchFamily="34" charset="0"/>
+              </a:rPr>
+              <a:t>Tokens are disbursed to beneficiary.</a:t>
+            </a:r>
+          </a:p>
+          <a:p>
+            <a:pPr algn="ctr"/>
+            <a:endParaRPr lang="en-US" sz="1400" dirty="0">
+              <a:solidFill>
+                <a:schemeClr val="bg1">
+                  <a:lumMod val="50000"/>
+                </a:schemeClr>
+              </a:solidFill>
               <a:latin typeface="Avenir Next" panose="020B0503020202020204" pitchFamily="34" charset="0"/>
-              <a:ea typeface="Avenir Next" charset="0"/>
-              <a:cs typeface="Avenir Next" charset="0"/>
             </a:endParaRPr>
           </a:p>
           <a:p>
-            <a:pPr marL="376238" lvl="1" indent="-285750">
-              <a:buFont typeface="Arial" panose="020B0604020202020204" pitchFamily="34" charset="0"/>
-              <a:buChar char="•"/>
-              <a:tabLst/>
-            </a:pPr>
-            <a:r>
-              <a:rPr lang="en-US" sz="1200" dirty="0">
-                <a:latin typeface="Avenir Next" panose="020B0503020202020204" pitchFamily="34" charset="0"/>
-                <a:ea typeface="Avenir Next" charset="0"/>
-                <a:cs typeface="Avenir Next" charset="0"/>
-              </a:rPr>
-              <a:t>Donor can easily track the disbursement of their funds.</a:t>
-            </a:r>
-          </a:p>
-          <a:p>
-            <a:pPr marL="376238" lvl="1" indent="-285750">
-              <a:buFont typeface="Arial" panose="020B0604020202020204" pitchFamily="34" charset="0"/>
-              <a:buChar char="•"/>
-              <a:tabLst/>
-            </a:pPr>
-            <a:r>
-              <a:rPr lang="en-US" sz="1200" dirty="0">
-                <a:latin typeface="Avenir Next" panose="020B0503020202020204" pitchFamily="34" charset="0"/>
-                <a:ea typeface="Avenir Next" charset="0"/>
-                <a:cs typeface="Avenir Next" charset="0"/>
-              </a:rPr>
-              <a:t>Unused tokens are destroyed, thereby reducing fraud.</a:t>
-            </a:r>
-          </a:p>
-        </p:txBody>
-      </p:sp>
-      <p:sp>
-        <p:nvSpPr>
-          <p:cNvPr id="6" name="Rectangle 5">
-            <a:extLst>
-              <a:ext uri="{FF2B5EF4-FFF2-40B4-BE49-F238E27FC236}">
-                <a16:creationId xmlns:a16="http://schemas.microsoft.com/office/drawing/2014/main" id="{55E88CB1-02B8-0D4D-A73E-84CF7783A9ED}"/>
+            <a:pPr algn="ctr"/>
+            <a:endParaRPr lang="en-US" sz="1400" dirty="0">
+              <a:solidFill>
+                <a:schemeClr val="bg1">
+                  <a:lumMod val="50000"/>
+                </a:schemeClr>
+              </a:solidFill>
+              <a:latin typeface="Avenir Next" panose="020B0503020202020204" pitchFamily="34" charset="0"/>
+            </a:endParaRPr>
+          </a:p>
+        </p:txBody>
+      </p:sp>
+      <p:sp>
+        <p:nvSpPr>
+          <p:cNvPr id="14" name="Oval 13">
+            <a:extLst>
+              <a:ext uri="{FF2B5EF4-FFF2-40B4-BE49-F238E27FC236}">
+                <a16:creationId xmlns:a16="http://schemas.microsoft.com/office/drawing/2014/main" id="{4E22F576-B1EC-2242-B423-BC91DD53E29D}"/>
               </a:ext>
             </a:extLst>
           </p:cNvPr>
@@ -7759,148 +7861,132 @@
         </p:nvSpPr>
         <p:spPr>
           <a:xfrm>
-            <a:off x="4932463" y="2623296"/>
-            <a:ext cx="2112596" cy="523220"/>
-          </a:xfrm>
-          <a:prstGeom prst="rect">
+            <a:off x="10747693" y="3141516"/>
+            <a:ext cx="362310" cy="379562"/>
+          </a:xfrm>
+          <a:prstGeom prst="ellipse">
             <a:avLst/>
           </a:prstGeom>
           <a:solidFill>
             <a:srgbClr val="FFC000"/>
           </a:solidFill>
-        </p:spPr>
-        <p:txBody>
-          <a:bodyPr wrap="square">
-            <a:spAutoFit/>
-          </a:bodyPr>
-          <a:lstStyle/>
-          <a:p>
-            <a:pPr marL="90488" lvl="1" indent="44450" algn="ctr">
-              <a:tabLst/>
-            </a:pPr>
-            <a:r>
-              <a:rPr lang="en-US" sz="1400" b="1" dirty="0">
-                <a:solidFill>
-                  <a:schemeClr val="bg1"/>
-                </a:solidFill>
-                <a:latin typeface="Avenir Next" panose="020B0503020202020204" pitchFamily="34" charset="0"/>
-                <a:ea typeface="Avenir Next" charset="0"/>
-                <a:cs typeface="Avenir Next" charset="0"/>
-              </a:rPr>
-              <a:t>LOWER TRANSACTION FEES</a:t>
-            </a:r>
-            <a:endParaRPr lang="en-US" sz="1400" b="1" baseline="0" dirty="0">
+          <a:ln>
+            <a:solidFill>
+              <a:srgbClr val="FFC000"/>
+            </a:solidFill>
+          </a:ln>
+        </p:spPr>
+        <p:style>
+          <a:lnRef idx="2">
+            <a:schemeClr val="accent1">
+              <a:shade val="50000"/>
+            </a:schemeClr>
+          </a:lnRef>
+          <a:fillRef idx="1">
+            <a:schemeClr val="accent1"/>
+          </a:fillRef>
+          <a:effectRef idx="0">
+            <a:schemeClr val="accent1"/>
+          </a:effectRef>
+          <a:fontRef idx="minor">
+            <a:schemeClr val="lt1"/>
+          </a:fontRef>
+        </p:style>
+        <p:txBody>
+          <a:bodyPr rtlCol="0" anchor="ctr"/>
+          <a:lstStyle/>
+          <a:p>
+            <a:pPr algn="ctr"/>
+            <a:endParaRPr lang="en-US">
               <a:solidFill>
-                <a:schemeClr val="bg1"/>
+                <a:schemeClr val="bg1">
+                  <a:lumMod val="50000"/>
+                </a:schemeClr>
               </a:solidFill>
               <a:latin typeface="Avenir Next" panose="020B0503020202020204" pitchFamily="34" charset="0"/>
-              <a:ea typeface="Avenir Next" charset="0"/>
-              <a:cs typeface="Avenir Next" charset="0"/>
             </a:endParaRPr>
           </a:p>
         </p:txBody>
       </p:sp>
       <p:sp>
         <p:nvSpPr>
-          <p:cNvPr id="7" name="Rectangle 6">
-            <a:extLst>
-              <a:ext uri="{FF2B5EF4-FFF2-40B4-BE49-F238E27FC236}">
-                <a16:creationId xmlns:a16="http://schemas.microsoft.com/office/drawing/2014/main" id="{5867519D-1218-AC44-8005-D82247F6AF23}"/>
-              </a:ext>
-            </a:extLst>
-          </p:cNvPr>
-          <p:cNvSpPr/>
+          <p:cNvPr id="15" name="TextBox 14">
+            <a:extLst>
+              <a:ext uri="{FF2B5EF4-FFF2-40B4-BE49-F238E27FC236}">
+                <a16:creationId xmlns:a16="http://schemas.microsoft.com/office/drawing/2014/main" id="{68CAACD2-C2CE-FE4E-A29B-931B8762E398}"/>
+              </a:ext>
+            </a:extLst>
+          </p:cNvPr>
+          <p:cNvSpPr txBox="1"/>
           <p:nvPr/>
         </p:nvSpPr>
         <p:spPr>
           <a:xfrm>
-            <a:off x="4932463" y="3219118"/>
-            <a:ext cx="2112596" cy="1384995"/>
+            <a:off x="10091265" y="3659100"/>
+            <a:ext cx="1675166" cy="1600438"/>
           </a:xfrm>
           <a:prstGeom prst="rect">
             <a:avLst/>
           </a:prstGeom>
-          <a:solidFill>
-            <a:schemeClr val="bg1">
-              <a:lumMod val="95000"/>
-            </a:schemeClr>
-          </a:solidFill>
-        </p:spPr>
-        <p:txBody>
-          <a:bodyPr wrap="square">
+          <a:noFill/>
+          <a:ln>
+            <a:solidFill>
+              <a:srgbClr val="FFC000"/>
+            </a:solidFill>
+          </a:ln>
+        </p:spPr>
+        <p:txBody>
+          <a:bodyPr wrap="square" rtlCol="0">
             <a:spAutoFit/>
           </a:bodyPr>
           <a:lstStyle/>
           <a:p>
-            <a:pPr marL="90488" lvl="1">
-              <a:tabLst/>
-            </a:pPr>
-            <a:endParaRPr lang="en-US" sz="1200" dirty="0">
+            <a:pPr algn="ctr"/>
+            <a:r>
+              <a:rPr lang="en-US" sz="1400" b="1" dirty="0">
+                <a:solidFill>
+                  <a:schemeClr val="bg1">
+                    <a:lumMod val="50000"/>
+                  </a:schemeClr>
+                </a:solidFill>
+                <a:latin typeface="Avenir Next" panose="020B0503020202020204" pitchFamily="34" charset="0"/>
+              </a:rPr>
+              <a:t>Token redemption</a:t>
+            </a:r>
+          </a:p>
+          <a:p>
+            <a:pPr algn="ctr"/>
+            <a:r>
+              <a:rPr lang="en-US" sz="1400" dirty="0">
+                <a:solidFill>
+                  <a:schemeClr val="bg1">
+                    <a:lumMod val="50000"/>
+                  </a:schemeClr>
+                </a:solidFill>
+                <a:latin typeface="Avenir Next" panose="020B0503020202020204" pitchFamily="34" charset="0"/>
+              </a:rPr>
+              <a:t>Merchants convert tokens into cash via Partner Bank.</a:t>
+            </a:r>
+          </a:p>
+          <a:p>
+            <a:pPr algn="ctr"/>
+            <a:endParaRPr lang="en-US" sz="1400" dirty="0">
+              <a:solidFill>
+                <a:schemeClr val="bg1">
+                  <a:lumMod val="50000"/>
+                </a:schemeClr>
+              </a:solidFill>
               <a:latin typeface="Avenir Next" panose="020B0503020202020204" pitchFamily="34" charset="0"/>
-              <a:ea typeface="Avenir Next" charset="0"/>
-              <a:cs typeface="Avenir Next" charset="0"/>
             </a:endParaRPr>
           </a:p>
-          <a:p>
-            <a:pPr marL="376238" lvl="1" indent="-285750">
-              <a:buFont typeface="Arial" panose="020B0604020202020204" pitchFamily="34" charset="0"/>
-              <a:buChar char="•"/>
-              <a:tabLst/>
-            </a:pPr>
-            <a:r>
-              <a:rPr lang="en-US" sz="1200" dirty="0">
-                <a:latin typeface="Avenir Next" panose="020B0503020202020204" pitchFamily="34" charset="0"/>
-                <a:ea typeface="Avenir Next" charset="0"/>
-                <a:cs typeface="Avenir Next" charset="0"/>
-              </a:rPr>
-              <a:t>Lower transaction fees for transfers of donor funds.</a:t>
-            </a:r>
-          </a:p>
-          <a:p>
-            <a:pPr marL="376238" lvl="1" indent="-285750">
-              <a:buFont typeface="Arial" panose="020B0604020202020204" pitchFamily="34" charset="0"/>
-              <a:buChar char="•"/>
-              <a:tabLst/>
-            </a:pPr>
-            <a:r>
-              <a:rPr lang="en-US" sz="1200" dirty="0">
-                <a:latin typeface="Avenir Next" panose="020B0503020202020204" pitchFamily="34" charset="0"/>
-                <a:ea typeface="Avenir Next" charset="0"/>
-                <a:cs typeface="Avenir Next" charset="0"/>
-              </a:rPr>
-              <a:t>Minimum  transfer </a:t>
-            </a:r>
-          </a:p>
-          <a:p>
-            <a:pPr marL="376238" lvl="1" indent="-285750">
-              <a:buFont typeface="Arial" panose="020B0604020202020204" pitchFamily="34" charset="0"/>
-              <a:buChar char="•"/>
-              <a:tabLst/>
-            </a:pPr>
-            <a:endParaRPr lang="en-US" sz="1200" dirty="0">
-              <a:latin typeface="Avenir Next" panose="020B0503020202020204" pitchFamily="34" charset="0"/>
-              <a:ea typeface="Avenir Next" charset="0"/>
-              <a:cs typeface="Avenir Next" charset="0"/>
-            </a:endParaRPr>
-          </a:p>
-          <a:p>
-            <a:pPr marL="90488" lvl="1" indent="44450" algn="ctr">
-              <a:tabLst/>
-            </a:pPr>
-            <a:endParaRPr lang="en-US" sz="1200" b="1" baseline="0" dirty="0">
-              <a:latin typeface="Avenir Next" panose="020B0503020202020204" pitchFamily="34" charset="0"/>
-              <a:ea typeface="Avenir Next" charset="0"/>
-              <a:cs typeface="Avenir Next" charset="0"/>
-            </a:endParaRPr>
-          </a:p>
-        </p:txBody>
-      </p:sp>
-      <p:sp>
-        <p:nvSpPr>
-          <p:cNvPr id="8" name="Rectangle 7">
-            <a:extLst>
-              <a:ext uri="{FF2B5EF4-FFF2-40B4-BE49-F238E27FC236}">
-                <a16:creationId xmlns:a16="http://schemas.microsoft.com/office/drawing/2014/main" id="{CD2D80F7-D752-8A45-9D13-4D68E8BF4879}"/>
+        </p:txBody>
+      </p:sp>
+      <p:sp>
+        <p:nvSpPr>
+          <p:cNvPr id="16" name="Oval 15">
+            <a:extLst>
+              <a:ext uri="{FF2B5EF4-FFF2-40B4-BE49-F238E27FC236}">
+                <a16:creationId xmlns:a16="http://schemas.microsoft.com/office/drawing/2014/main" id="{9F475272-AB13-EB45-96A6-8EFB956BF8F9}"/>
               </a:ext>
             </a:extLst>
           </p:cNvPr>
@@ -7909,138 +7995,143 @@
         </p:nvSpPr>
         <p:spPr>
           <a:xfrm>
-            <a:off x="7270451" y="2623296"/>
-            <a:ext cx="2112596" cy="523220"/>
-          </a:xfrm>
-          <a:prstGeom prst="rect">
+            <a:off x="9006392" y="3141516"/>
+            <a:ext cx="362310" cy="379562"/>
+          </a:xfrm>
+          <a:prstGeom prst="ellipse">
             <a:avLst/>
           </a:prstGeom>
           <a:solidFill>
             <a:srgbClr val="FFC000"/>
           </a:solidFill>
-        </p:spPr>
-        <p:txBody>
-          <a:bodyPr wrap="square">
-            <a:spAutoFit/>
-          </a:bodyPr>
-          <a:lstStyle/>
-          <a:p>
-            <a:pPr marL="90488" lvl="1" indent="44450" algn="ctr">
-              <a:tabLst/>
-            </a:pPr>
-            <a:r>
-              <a:rPr lang="en-US" sz="1400" b="1" dirty="0">
-                <a:solidFill>
-                  <a:schemeClr val="bg1"/>
-                </a:solidFill>
-                <a:latin typeface="Avenir Next" panose="020B0503020202020204" pitchFamily="34" charset="0"/>
-                <a:ea typeface="Avenir Next" charset="0"/>
-                <a:cs typeface="Avenir Next" charset="0"/>
-              </a:rPr>
-              <a:t>IMPACT ASSESMENT</a:t>
-            </a:r>
-            <a:endParaRPr lang="en-US" sz="1400" b="1" baseline="0" dirty="0">
+          <a:ln>
+            <a:solidFill>
+              <a:srgbClr val="FFC000"/>
+            </a:solidFill>
+          </a:ln>
+        </p:spPr>
+        <p:style>
+          <a:lnRef idx="2">
+            <a:schemeClr val="accent1">
+              <a:shade val="50000"/>
+            </a:schemeClr>
+          </a:lnRef>
+          <a:fillRef idx="1">
+            <a:schemeClr val="accent1"/>
+          </a:fillRef>
+          <a:effectRef idx="0">
+            <a:schemeClr val="accent1"/>
+          </a:effectRef>
+          <a:fontRef idx="minor">
+            <a:schemeClr val="lt1"/>
+          </a:fontRef>
+        </p:style>
+        <p:txBody>
+          <a:bodyPr rtlCol="0" anchor="ctr"/>
+          <a:lstStyle/>
+          <a:p>
+            <a:pPr algn="ctr"/>
+            <a:endParaRPr lang="en-US">
               <a:solidFill>
-                <a:schemeClr val="bg1"/>
+                <a:schemeClr val="bg1">
+                  <a:lumMod val="50000"/>
+                </a:schemeClr>
               </a:solidFill>
               <a:latin typeface="Avenir Next" panose="020B0503020202020204" pitchFamily="34" charset="0"/>
-              <a:ea typeface="Avenir Next" charset="0"/>
-              <a:cs typeface="Avenir Next" charset="0"/>
             </a:endParaRPr>
           </a:p>
         </p:txBody>
       </p:sp>
       <p:sp>
         <p:nvSpPr>
-          <p:cNvPr id="9" name="Rectangle 8">
-            <a:extLst>
-              <a:ext uri="{FF2B5EF4-FFF2-40B4-BE49-F238E27FC236}">
-                <a16:creationId xmlns:a16="http://schemas.microsoft.com/office/drawing/2014/main" id="{C3A9BBEA-C2C9-F648-8112-B16BCA33E807}"/>
-              </a:ext>
-            </a:extLst>
-          </p:cNvPr>
-          <p:cNvSpPr/>
+          <p:cNvPr id="17" name="TextBox 16">
+            <a:extLst>
+              <a:ext uri="{FF2B5EF4-FFF2-40B4-BE49-F238E27FC236}">
+                <a16:creationId xmlns:a16="http://schemas.microsoft.com/office/drawing/2014/main" id="{0E9D71D5-9EB3-474A-B157-318C1E8C36D9}"/>
+              </a:ext>
+            </a:extLst>
+          </p:cNvPr>
+          <p:cNvSpPr txBox="1"/>
           <p:nvPr/>
         </p:nvSpPr>
         <p:spPr>
           <a:xfrm>
-            <a:off x="7270451" y="3214389"/>
-            <a:ext cx="2112596" cy="1384995"/>
+            <a:off x="8349964" y="3659100"/>
+            <a:ext cx="1675166" cy="1600438"/>
           </a:xfrm>
           <a:prstGeom prst="rect">
             <a:avLst/>
           </a:prstGeom>
-          <a:solidFill>
-            <a:schemeClr val="bg1">
-              <a:lumMod val="95000"/>
-            </a:schemeClr>
-          </a:solidFill>
-        </p:spPr>
-        <p:txBody>
-          <a:bodyPr wrap="square">
+          <a:noFill/>
+          <a:ln>
+            <a:solidFill>
+              <a:srgbClr val="FFC000"/>
+            </a:solidFill>
+          </a:ln>
+        </p:spPr>
+        <p:txBody>
+          <a:bodyPr wrap="square" rtlCol="0">
             <a:spAutoFit/>
           </a:bodyPr>
           <a:lstStyle/>
           <a:p>
-            <a:pPr marL="90488" lvl="1" indent="44450" algn="ctr">
-              <a:tabLst/>
-            </a:pPr>
-            <a:endParaRPr lang="en-US" sz="1200" b="1" dirty="0">
+            <a:pPr algn="ctr"/>
+            <a:r>
+              <a:rPr lang="en-US" sz="1400" b="1" dirty="0">
+                <a:solidFill>
+                  <a:schemeClr val="bg1">
+                    <a:lumMod val="50000"/>
+                  </a:schemeClr>
+                </a:solidFill>
+                <a:latin typeface="Avenir Next" panose="020B0503020202020204" pitchFamily="34" charset="0"/>
+              </a:rPr>
+              <a:t>Token usage</a:t>
+            </a:r>
+          </a:p>
+          <a:p>
+            <a:pPr algn="ctr"/>
+            <a:r>
+              <a:rPr lang="en-US" sz="1400" dirty="0">
+                <a:solidFill>
+                  <a:schemeClr val="bg1">
+                    <a:lumMod val="50000"/>
+                  </a:schemeClr>
+                </a:solidFill>
+                <a:latin typeface="Avenir Next" panose="020B0503020202020204" pitchFamily="34" charset="0"/>
+              </a:rPr>
+              <a:t>Beneficiary uses tokens to purchase goods from Merchant.</a:t>
+            </a:r>
+          </a:p>
+          <a:p>
+            <a:pPr algn="ctr"/>
+            <a:endParaRPr lang="en-US" sz="1400" dirty="0">
+              <a:solidFill>
+                <a:schemeClr val="bg1">
+                  <a:lumMod val="50000"/>
+                </a:schemeClr>
+              </a:solidFill>
               <a:latin typeface="Avenir Next" panose="020B0503020202020204" pitchFamily="34" charset="0"/>
-              <a:ea typeface="Avenir Next" charset="0"/>
-              <a:cs typeface="Avenir Next" charset="0"/>
             </a:endParaRPr>
           </a:p>
           <a:p>
-            <a:pPr marL="376238" lvl="1" indent="-285750">
-              <a:buFont typeface="Arial" panose="020B0604020202020204" pitchFamily="34" charset="0"/>
-              <a:buChar char="•"/>
-              <a:tabLst/>
-            </a:pPr>
-            <a:r>
-              <a:rPr lang="en-US" sz="1200" dirty="0">
-                <a:latin typeface="Avenir Next" panose="020B0503020202020204" pitchFamily="34" charset="0"/>
-                <a:ea typeface="Avenir Next" charset="0"/>
-                <a:cs typeface="Avenir Next" charset="0"/>
-              </a:rPr>
-              <a:t>Easier to track the impact of donor funds.</a:t>
-            </a:r>
-          </a:p>
-          <a:p>
-            <a:pPr marL="376238" lvl="1" indent="-285750">
-              <a:buFont typeface="Arial" panose="020B0604020202020204" pitchFamily="34" charset="0"/>
-              <a:buChar char="•"/>
-              <a:tabLst/>
-            </a:pPr>
-            <a:r>
-              <a:rPr lang="en-US" sz="1200" dirty="0">
-                <a:latin typeface="Avenir Next" panose="020B0503020202020204" pitchFamily="34" charset="0"/>
-                <a:ea typeface="Avenir Next" charset="0"/>
-                <a:cs typeface="Avenir Next" charset="0"/>
-              </a:rPr>
-              <a:t>Prioritize allocation of donor funds. </a:t>
-            </a:r>
-          </a:p>
-          <a:p>
-            <a:pPr marL="376238" lvl="1" indent="-285750">
-              <a:buFont typeface="Arial" panose="020B0604020202020204" pitchFamily="34" charset="0"/>
-              <a:buChar char="•"/>
-              <a:tabLst/>
-            </a:pPr>
-            <a:endParaRPr lang="en-US" sz="1200" dirty="0">
+            <a:pPr algn="ctr"/>
+            <a:endParaRPr lang="en-US" sz="1400" dirty="0">
+              <a:solidFill>
+                <a:schemeClr val="bg1">
+                  <a:lumMod val="50000"/>
+                </a:schemeClr>
+              </a:solidFill>
               <a:latin typeface="Avenir Next" panose="020B0503020202020204" pitchFamily="34" charset="0"/>
-              <a:ea typeface="Avenir Next" charset="0"/>
-              <a:cs typeface="Avenir Next" charset="0"/>
             </a:endParaRPr>
           </a:p>
         </p:txBody>
       </p:sp>
       <p:sp>
         <p:nvSpPr>
-          <p:cNvPr id="10" name="TextBox 9">
-            <a:extLst>
-              <a:ext uri="{FF2B5EF4-FFF2-40B4-BE49-F238E27FC236}">
-                <a16:creationId xmlns:a16="http://schemas.microsoft.com/office/drawing/2014/main" id="{57D57400-F1AF-6E48-9631-3E538B2AEDDB}"/>
+          <p:cNvPr id="19" name="TextBox 18">
+            <a:extLst>
+              <a:ext uri="{FF2B5EF4-FFF2-40B4-BE49-F238E27FC236}">
+                <a16:creationId xmlns:a16="http://schemas.microsoft.com/office/drawing/2014/main" id="{273F0518-EA87-C347-854D-4A34AEA676D5}"/>
               </a:ext>
             </a:extLst>
           </p:cNvPr>
@@ -8049,7 +8140,7 @@
         </p:nvSpPr>
         <p:spPr>
           <a:xfrm>
-            <a:off x="633534" y="1525166"/>
+            <a:off x="620281" y="1597733"/>
             <a:ext cx="11233441" cy="707886"/>
           </a:xfrm>
           <a:prstGeom prst="rect">
@@ -8075,7 +8166,7 @@
                 </a:solidFill>
                 <a:latin typeface="Avenir Next" panose="020B0503020202020204" pitchFamily="34" charset="0"/>
               </a:rPr>
-              <a:t>Our value proposition </a:t>
+              <a:t>A Blockchain-based fund management platform </a:t>
             </a:r>
             <a:r>
               <a:rPr lang="en-US" sz="2000" dirty="0">
@@ -8086,7 +8177,7 @@
                 </a:solidFill>
                 <a:latin typeface="Avenir Next" panose="020B0503020202020204" pitchFamily="34" charset="0"/>
               </a:rPr>
-              <a:t>seeks to provide with  a transparent, user friendly and affordable platform.</a:t>
+              <a:t> where donors can transfer funds to beneficiaries and directly track the impact of their funds.</a:t>
             </a:r>
           </a:p>
         </p:txBody>
@@ -8094,7 +8185,7 @@
     </p:spTree>
     <p:extLst>
       <p:ext uri="{BB962C8B-B14F-4D97-AF65-F5344CB8AC3E}">
-        <p14:creationId xmlns:p14="http://schemas.microsoft.com/office/powerpoint/2010/main" val="2667357638"/>
+        <p14:creationId xmlns:p14="http://schemas.microsoft.com/office/powerpoint/2010/main" val="2485634986"/>
       </p:ext>
     </p:extLst>
   </p:cSld>
@@ -8107,6 +8198,14 @@
 <file path=ppt/slides/slide6.xml><?xml version="1.0" encoding="utf-8"?>
 <p:sld xmlns:a="http://schemas.openxmlformats.org/drawingml/2006/main" xmlns:r="http://schemas.openxmlformats.org/officeDocument/2006/relationships" xmlns:p="http://schemas.openxmlformats.org/presentationml/2006/main">
   <p:cSld>
+    <p:bg>
+      <p:bgPr>
+        <a:solidFill>
+          <a:srgbClr val="FEEB4F"/>
+        </a:solidFill>
+        <a:effectLst/>
+      </p:bgPr>
+    </p:bg>
     <p:spTree>
       <p:nvGrpSpPr>
         <p:cNvPr id="1" name=""/>
@@ -8233,7 +8332,7 @@
             <a:avLst/>
           </a:prstGeom>
           <a:solidFill>
-            <a:srgbClr val="FEEB4F"/>
+            <a:srgbClr val="FFC000"/>
           </a:solidFill>
         </p:spPr>
         <p:txBody>
@@ -8331,7 +8430,7 @@
             <a:avLst/>
           </a:prstGeom>
           <a:solidFill>
-            <a:srgbClr val="FEEB4F"/>
+            <a:srgbClr val="FFC000"/>
           </a:solidFill>
         </p:spPr>
         <p:txBody>
@@ -8359,6 +8458,25 @@
             <a:pPr marL="90488" lvl="1" indent="44450" algn="ctr">
               <a:tabLst/>
             </a:pPr>
+            <a:r>
+              <a:rPr lang="en-US" sz="1200" dirty="0">
+                <a:solidFill>
+                  <a:schemeClr val="tx1">
+                    <a:lumMod val="95000"/>
+                    <a:lumOff val="5000"/>
+                  </a:schemeClr>
+                </a:solidFill>
+                <a:latin typeface="Avenir Next" charset="0"/>
+                <a:ea typeface="Avenir Next" charset="0"/>
+                <a:cs typeface="Avenir Next" charset="0"/>
+              </a:rPr>
+              <a:t>Beneficiary uses tokens to purchase goods at merchants.</a:t>
+            </a:r>
+          </a:p>
+          <a:p>
+            <a:pPr marL="90488" lvl="1" indent="44450" algn="ctr">
+              <a:tabLst/>
+            </a:pPr>
             <a:endParaRPr lang="en-US" sz="1200" dirty="0">
               <a:solidFill>
                 <a:schemeClr val="tx1">
@@ -8370,25 +8488,6 @@
               <a:ea typeface="Avenir Next" charset="0"/>
               <a:cs typeface="Avenir Next" charset="0"/>
             </a:endParaRPr>
-          </a:p>
-          <a:p>
-            <a:pPr marL="90488" lvl="1" indent="44450" algn="ctr">
-              <a:tabLst/>
-            </a:pPr>
-            <a:r>
-              <a:rPr lang="en-US" sz="1200" dirty="0">
-                <a:solidFill>
-                  <a:schemeClr val="tx1">
-                    <a:lumMod val="95000"/>
-                    <a:lumOff val="5000"/>
-                  </a:schemeClr>
-                </a:solidFill>
-                <a:latin typeface="Avenir Next" charset="0"/>
-                <a:ea typeface="Avenir Next" charset="0"/>
-                <a:cs typeface="Avenir Next" charset="0"/>
-              </a:rPr>
-              <a:t>Beneficiary uses tokens to purchase goods at merchants.</a:t>
-            </a:r>
           </a:p>
           <a:p>
             <a:pPr marL="90488" lvl="1" indent="44450" algn="ctr">
@@ -8544,7 +8643,7 @@
             <a:avLst/>
           </a:prstGeom>
           <a:solidFill>
-            <a:srgbClr val="FEEB4F"/>
+            <a:srgbClr val="FFC000"/>
           </a:solidFill>
         </p:spPr>
         <p:txBody>
@@ -8640,7 +8739,7 @@
             <a:avLst/>
           </a:prstGeom>
           <a:solidFill>
-            <a:srgbClr val="FEEB4F"/>
+            <a:srgbClr val="FFC000"/>
           </a:solidFill>
           <a:ln>
             <a:solidFill>
@@ -8745,7 +8844,7 @@
             <a:avLst/>
           </a:prstGeom>
           <a:solidFill>
-            <a:srgbClr val="FEEB4F"/>
+            <a:srgbClr val="FFC000"/>
           </a:solidFill>
           <a:ln>
             <a:solidFill>
@@ -9240,6 +9339,14 @@
 <file path=ppt/slides/slide7.xml><?xml version="1.0" encoding="utf-8"?>
 <p:sld xmlns:a="http://schemas.openxmlformats.org/drawingml/2006/main" xmlns:r="http://schemas.openxmlformats.org/officeDocument/2006/relationships" xmlns:p="http://schemas.openxmlformats.org/presentationml/2006/main">
   <p:cSld>
+    <p:bg>
+      <p:bgPr>
+        <a:solidFill>
+          <a:srgbClr val="FEEB4F"/>
+        </a:solidFill>
+        <a:effectLst/>
+      </p:bgPr>
+    </p:bg>
     <p:spTree>
       <p:nvGrpSpPr>
         <p:cNvPr id="1" name=""/>
@@ -9268,8 +9375,8 @@
         </p:nvSpPr>
         <p:spPr>
           <a:xfrm>
-            <a:off x="4343398" y="457497"/>
-            <a:ext cx="3352802" cy="523220"/>
+            <a:off x="4438357" y="403068"/>
+            <a:ext cx="2593816" cy="523220"/>
           </a:xfrm>
           <a:prstGeom prst="rect">
             <a:avLst/>
@@ -9294,17 +9401,17 @@
                 <a:ea typeface="Avenir Next" charset="0"/>
                 <a:cs typeface="Avenir Next" charset="0"/>
               </a:rPr>
-              <a:t>Business Model</a:t>
-            </a:r>
-          </a:p>
-        </p:txBody>
-      </p:sp>
-      <p:sp>
-        <p:nvSpPr>
-          <p:cNvPr id="9" name="Rectangle 8">
-            <a:extLst>
-              <a:ext uri="{FF2B5EF4-FFF2-40B4-BE49-F238E27FC236}">
-                <a16:creationId xmlns:a16="http://schemas.microsoft.com/office/drawing/2014/main" id="{0478AC06-238B-7841-8F07-64E9BA4E10EE}"/>
+              <a:t>The Market</a:t>
+            </a:r>
+          </a:p>
+        </p:txBody>
+      </p:sp>
+      <p:sp>
+        <p:nvSpPr>
+          <p:cNvPr id="3" name="Oval 2">
+            <a:extLst>
+              <a:ext uri="{FF2B5EF4-FFF2-40B4-BE49-F238E27FC236}">
+                <a16:creationId xmlns:a16="http://schemas.microsoft.com/office/drawing/2014/main" id="{84631B10-C77F-BC4A-A1F8-59F7EB08410A}"/>
               </a:ext>
             </a:extLst>
           </p:cNvPr>
@@ -9313,7 +9420,1285 @@
         </p:nvSpPr>
         <p:spPr>
           <a:xfrm>
-            <a:off x="5225965" y="3596817"/>
+            <a:off x="1878120" y="1942034"/>
+            <a:ext cx="2027614" cy="1991437"/>
+          </a:xfrm>
+          <a:prstGeom prst="ellipse">
+            <a:avLst/>
+          </a:prstGeom>
+          <a:solidFill>
+            <a:srgbClr val="FFC000"/>
+          </a:solidFill>
+          <a:ln>
+            <a:noFill/>
+          </a:ln>
+          <a:effectLst>
+            <a:glow rad="139700">
+              <a:schemeClr val="accent4">
+                <a:satMod val="175000"/>
+                <a:alpha val="40000"/>
+              </a:schemeClr>
+            </a:glow>
+          </a:effectLst>
+        </p:spPr>
+        <p:style>
+          <a:lnRef idx="2">
+            <a:schemeClr val="accent1">
+              <a:shade val="50000"/>
+            </a:schemeClr>
+          </a:lnRef>
+          <a:fillRef idx="1">
+            <a:schemeClr val="accent1"/>
+          </a:fillRef>
+          <a:effectRef idx="0">
+            <a:schemeClr val="accent1"/>
+          </a:effectRef>
+          <a:fontRef idx="minor">
+            <a:schemeClr val="lt1"/>
+          </a:fontRef>
+        </p:style>
+        <p:txBody>
+          <a:bodyPr rtlCol="0" anchor="ctr"/>
+          <a:lstStyle/>
+          <a:p>
+            <a:pPr algn="ctr"/>
+            <a:r>
+              <a:rPr lang="en-US" sz="2800" dirty="0"/>
+              <a:t>145</a:t>
+            </a:r>
+          </a:p>
+          <a:p>
+            <a:pPr algn="ctr"/>
+            <a:r>
+              <a:rPr lang="en-US" sz="2800" b="1" dirty="0"/>
+              <a:t>Billion</a:t>
+            </a:r>
+          </a:p>
+        </p:txBody>
+      </p:sp>
+      <p:sp>
+        <p:nvSpPr>
+          <p:cNvPr id="6" name="Rectangle 5">
+            <a:extLst>
+              <a:ext uri="{FF2B5EF4-FFF2-40B4-BE49-F238E27FC236}">
+                <a16:creationId xmlns:a16="http://schemas.microsoft.com/office/drawing/2014/main" id="{40A03BD7-85A0-6144-8B17-6AACA461F4A3}"/>
+              </a:ext>
+            </a:extLst>
+          </p:cNvPr>
+          <p:cNvSpPr/>
+          <p:nvPr/>
+        </p:nvSpPr>
+        <p:spPr>
+          <a:xfrm>
+            <a:off x="1557060" y="4479009"/>
+            <a:ext cx="2597999" cy="523220"/>
+          </a:xfrm>
+          <a:prstGeom prst="rect">
+            <a:avLst/>
+          </a:prstGeom>
+        </p:spPr>
+        <p:txBody>
+          <a:bodyPr wrap="square">
+            <a:spAutoFit/>
+          </a:bodyPr>
+          <a:lstStyle/>
+          <a:p>
+            <a:pPr algn="ctr">
+              <a:spcAft>
+                <a:spcPts val="0"/>
+              </a:spcAft>
+            </a:pPr>
+            <a:r>
+              <a:rPr lang="en-US" sz="1400" b="1" dirty="0">
+                <a:solidFill>
+                  <a:schemeClr val="bg1">
+                    <a:lumMod val="50000"/>
+                  </a:schemeClr>
+                </a:solidFill>
+                <a:latin typeface="Calibri" charset="0"/>
+                <a:cs typeface="Times New Roman" charset="0"/>
+              </a:rPr>
+              <a:t>Amount of foreign Aid disbursed by donors.</a:t>
+            </a:r>
+          </a:p>
+        </p:txBody>
+      </p:sp>
+      <p:sp>
+        <p:nvSpPr>
+          <p:cNvPr id="7" name="Rectangle 6">
+            <a:extLst>
+              <a:ext uri="{FF2B5EF4-FFF2-40B4-BE49-F238E27FC236}">
+                <a16:creationId xmlns:a16="http://schemas.microsoft.com/office/drawing/2014/main" id="{85D1A6A4-20ED-424A-B065-255A0A51A45B}"/>
+              </a:ext>
+            </a:extLst>
+          </p:cNvPr>
+          <p:cNvSpPr/>
+          <p:nvPr/>
+        </p:nvSpPr>
+        <p:spPr>
+          <a:xfrm>
+            <a:off x="4939126" y="4391035"/>
+            <a:ext cx="2310693" cy="523220"/>
+          </a:xfrm>
+          <a:prstGeom prst="rect">
+            <a:avLst/>
+          </a:prstGeom>
+        </p:spPr>
+        <p:txBody>
+          <a:bodyPr wrap="square">
+            <a:spAutoFit/>
+          </a:bodyPr>
+          <a:lstStyle/>
+          <a:p>
+            <a:pPr algn="ctr">
+              <a:spcAft>
+                <a:spcPts val="0"/>
+              </a:spcAft>
+            </a:pPr>
+            <a:r>
+              <a:rPr lang="en-US" sz="1400" b="1" dirty="0">
+                <a:solidFill>
+                  <a:schemeClr val="bg1">
+                    <a:lumMod val="50000"/>
+                  </a:schemeClr>
+                </a:solidFill>
+                <a:effectLst/>
+                <a:latin typeface="Calibri" charset="0"/>
+                <a:ea typeface="Calibri" charset="0"/>
+                <a:cs typeface="Times New Roman" charset="0"/>
+              </a:rPr>
+              <a:t>Average value of aid disbursed to Africa </a:t>
+            </a:r>
+          </a:p>
+        </p:txBody>
+      </p:sp>
+      <p:sp>
+        <p:nvSpPr>
+          <p:cNvPr id="8" name="Rectangle 7">
+            <a:extLst>
+              <a:ext uri="{FF2B5EF4-FFF2-40B4-BE49-F238E27FC236}">
+                <a16:creationId xmlns:a16="http://schemas.microsoft.com/office/drawing/2014/main" id="{D58E8ED8-6AEE-3E49-BE53-90D942FA98F0}"/>
+              </a:ext>
+            </a:extLst>
+          </p:cNvPr>
+          <p:cNvSpPr/>
+          <p:nvPr/>
+        </p:nvSpPr>
+        <p:spPr>
+          <a:xfrm>
+            <a:off x="5094438" y="5002229"/>
+            <a:ext cx="2000067" cy="307777"/>
+          </a:xfrm>
+          <a:prstGeom prst="rect">
+            <a:avLst/>
+          </a:prstGeom>
+        </p:spPr>
+        <p:txBody>
+          <a:bodyPr wrap="square">
+            <a:spAutoFit/>
+          </a:bodyPr>
+          <a:lstStyle/>
+          <a:p>
+            <a:pPr algn="ctr">
+              <a:spcAft>
+                <a:spcPts val="0"/>
+              </a:spcAft>
+            </a:pPr>
+            <a:r>
+              <a:rPr lang="en-US" sz="1400" b="1" dirty="0">
+                <a:effectLst/>
+                <a:latin typeface="Calibri" charset="0"/>
+                <a:ea typeface="Calibri" charset="0"/>
+                <a:cs typeface="Times New Roman" charset="0"/>
+              </a:rPr>
+              <a:t>Addressable market</a:t>
+            </a:r>
+          </a:p>
+        </p:txBody>
+      </p:sp>
+      <p:sp>
+        <p:nvSpPr>
+          <p:cNvPr id="9" name="Rectangle 8">
+            <a:extLst>
+              <a:ext uri="{FF2B5EF4-FFF2-40B4-BE49-F238E27FC236}">
+                <a16:creationId xmlns:a16="http://schemas.microsoft.com/office/drawing/2014/main" id="{493FD380-3A9E-5E48-B6E8-C9DBFF64D6B9}"/>
+              </a:ext>
+            </a:extLst>
+          </p:cNvPr>
+          <p:cNvSpPr/>
+          <p:nvPr/>
+        </p:nvSpPr>
+        <p:spPr>
+          <a:xfrm>
+            <a:off x="7690651" y="4986653"/>
+            <a:ext cx="2597999" cy="307777"/>
+          </a:xfrm>
+          <a:prstGeom prst="rect">
+            <a:avLst/>
+          </a:prstGeom>
+        </p:spPr>
+        <p:txBody>
+          <a:bodyPr wrap="square">
+            <a:spAutoFit/>
+          </a:bodyPr>
+          <a:lstStyle/>
+          <a:p>
+            <a:pPr algn="ctr">
+              <a:spcAft>
+                <a:spcPts val="0"/>
+              </a:spcAft>
+            </a:pPr>
+            <a:r>
+              <a:rPr lang="en-US" sz="1400" b="1" dirty="0">
+                <a:effectLst/>
+                <a:latin typeface="Calibri" charset="0"/>
+                <a:ea typeface="Calibri" charset="0"/>
+                <a:cs typeface="Times New Roman" charset="0"/>
+              </a:rPr>
+              <a:t>Target market share</a:t>
+            </a:r>
+          </a:p>
+        </p:txBody>
+      </p:sp>
+      <p:sp>
+        <p:nvSpPr>
+          <p:cNvPr id="10" name="Rectangle 9">
+            <a:extLst>
+              <a:ext uri="{FF2B5EF4-FFF2-40B4-BE49-F238E27FC236}">
+                <a16:creationId xmlns:a16="http://schemas.microsoft.com/office/drawing/2014/main" id="{7272314A-0A81-154E-B4CB-1261712C4C8F}"/>
+              </a:ext>
+            </a:extLst>
+          </p:cNvPr>
+          <p:cNvSpPr/>
+          <p:nvPr/>
+        </p:nvSpPr>
+        <p:spPr>
+          <a:xfrm>
+            <a:off x="8033886" y="4432842"/>
+            <a:ext cx="1911531" cy="307777"/>
+          </a:xfrm>
+          <a:prstGeom prst="rect">
+            <a:avLst/>
+          </a:prstGeom>
+        </p:spPr>
+        <p:txBody>
+          <a:bodyPr wrap="square">
+            <a:spAutoFit/>
+          </a:bodyPr>
+          <a:lstStyle/>
+          <a:p>
+            <a:pPr algn="ctr">
+              <a:spcAft>
+                <a:spcPts val="0"/>
+              </a:spcAft>
+            </a:pPr>
+            <a:r>
+              <a:rPr lang="en-US" sz="1400" b="1" dirty="0">
+                <a:solidFill>
+                  <a:schemeClr val="bg1">
+                    <a:lumMod val="50000"/>
+                  </a:schemeClr>
+                </a:solidFill>
+                <a:effectLst/>
+                <a:latin typeface="Calibri" charset="0"/>
+                <a:ea typeface="Calibri" charset="0"/>
+                <a:cs typeface="Times New Roman" charset="0"/>
+              </a:rPr>
+              <a:t>Potential market share</a:t>
+            </a:r>
+          </a:p>
+        </p:txBody>
+      </p:sp>
+      <p:sp>
+        <p:nvSpPr>
+          <p:cNvPr id="11" name="Oval 10">
+            <a:extLst>
+              <a:ext uri="{FF2B5EF4-FFF2-40B4-BE49-F238E27FC236}">
+                <a16:creationId xmlns:a16="http://schemas.microsoft.com/office/drawing/2014/main" id="{39B10895-60CB-7E49-AEBA-3EFE91068994}"/>
+              </a:ext>
+            </a:extLst>
+          </p:cNvPr>
+          <p:cNvSpPr/>
+          <p:nvPr/>
+        </p:nvSpPr>
+        <p:spPr>
+          <a:xfrm>
+            <a:off x="5311445" y="2337959"/>
+            <a:ext cx="1566057" cy="1595512"/>
+          </a:xfrm>
+          <a:prstGeom prst="ellipse">
+            <a:avLst/>
+          </a:prstGeom>
+          <a:solidFill>
+            <a:srgbClr val="FFC000"/>
+          </a:solidFill>
+          <a:ln>
+            <a:noFill/>
+          </a:ln>
+          <a:effectLst>
+            <a:glow rad="228600">
+              <a:schemeClr val="accent4">
+                <a:satMod val="175000"/>
+                <a:alpha val="40000"/>
+              </a:schemeClr>
+            </a:glow>
+          </a:effectLst>
+        </p:spPr>
+        <p:style>
+          <a:lnRef idx="2">
+            <a:schemeClr val="accent1">
+              <a:shade val="50000"/>
+            </a:schemeClr>
+          </a:lnRef>
+          <a:fillRef idx="1">
+            <a:schemeClr val="accent1"/>
+          </a:fillRef>
+          <a:effectRef idx="0">
+            <a:schemeClr val="accent1"/>
+          </a:effectRef>
+          <a:fontRef idx="minor">
+            <a:schemeClr val="lt1"/>
+          </a:fontRef>
+        </p:style>
+        <p:txBody>
+          <a:bodyPr rtlCol="0" anchor="ctr"/>
+          <a:lstStyle/>
+          <a:p>
+            <a:pPr algn="ctr"/>
+            <a:r>
+              <a:rPr lang="en-US" sz="2800" dirty="0"/>
+              <a:t>25</a:t>
+            </a:r>
+          </a:p>
+          <a:p>
+            <a:pPr algn="ctr"/>
+            <a:r>
+              <a:rPr lang="en-US" sz="2400" b="1" dirty="0"/>
+              <a:t>Billion</a:t>
+            </a:r>
+            <a:r>
+              <a:rPr lang="en-US" sz="1100" dirty="0"/>
+              <a:t> </a:t>
+            </a:r>
+          </a:p>
+        </p:txBody>
+      </p:sp>
+      <p:sp>
+        <p:nvSpPr>
+          <p:cNvPr id="12" name="Oval 11">
+            <a:extLst>
+              <a:ext uri="{FF2B5EF4-FFF2-40B4-BE49-F238E27FC236}">
+                <a16:creationId xmlns:a16="http://schemas.microsoft.com/office/drawing/2014/main" id="{BC6F0E7E-569C-A14C-B00C-F6A5CA7FDE76}"/>
+              </a:ext>
+            </a:extLst>
+          </p:cNvPr>
+          <p:cNvSpPr/>
+          <p:nvPr/>
+        </p:nvSpPr>
+        <p:spPr>
+          <a:xfrm>
+            <a:off x="8283213" y="2428863"/>
+            <a:ext cx="1412876" cy="1413703"/>
+          </a:xfrm>
+          <a:prstGeom prst="ellipse">
+            <a:avLst/>
+          </a:prstGeom>
+          <a:solidFill>
+            <a:srgbClr val="FFC000"/>
+          </a:solidFill>
+          <a:ln>
+            <a:noFill/>
+          </a:ln>
+          <a:effectLst>
+            <a:glow rad="139700">
+              <a:schemeClr val="accent4">
+                <a:satMod val="175000"/>
+                <a:alpha val="40000"/>
+              </a:schemeClr>
+            </a:glow>
+          </a:effectLst>
+        </p:spPr>
+        <p:style>
+          <a:lnRef idx="2">
+            <a:schemeClr val="accent1">
+              <a:shade val="50000"/>
+            </a:schemeClr>
+          </a:lnRef>
+          <a:fillRef idx="1">
+            <a:schemeClr val="accent1"/>
+          </a:fillRef>
+          <a:effectRef idx="0">
+            <a:schemeClr val="accent1"/>
+          </a:effectRef>
+          <a:fontRef idx="minor">
+            <a:schemeClr val="lt1"/>
+          </a:fontRef>
+        </p:style>
+        <p:txBody>
+          <a:bodyPr rtlCol="0" anchor="ctr"/>
+          <a:lstStyle/>
+          <a:p>
+            <a:pPr algn="ctr"/>
+            <a:r>
+              <a:rPr lang="en-US" sz="2800" dirty="0"/>
+              <a:t>10</a:t>
+            </a:r>
+            <a:endParaRPr lang="en-US" sz="1000" dirty="0"/>
+          </a:p>
+          <a:p>
+            <a:pPr algn="ctr"/>
+            <a:r>
+              <a:rPr lang="en-US" sz="2400" b="1" dirty="0"/>
+              <a:t>Billion</a:t>
+            </a:r>
+          </a:p>
+        </p:txBody>
+      </p:sp>
+      <p:sp>
+        <p:nvSpPr>
+          <p:cNvPr id="13" name="Rectangle 12">
+            <a:extLst>
+              <a:ext uri="{FF2B5EF4-FFF2-40B4-BE49-F238E27FC236}">
+                <a16:creationId xmlns:a16="http://schemas.microsoft.com/office/drawing/2014/main" id="{F71A8C63-8BDC-7249-BD0D-73BC1CAE4DB5}"/>
+              </a:ext>
+            </a:extLst>
+          </p:cNvPr>
+          <p:cNvSpPr/>
+          <p:nvPr/>
+        </p:nvSpPr>
+        <p:spPr>
+          <a:xfrm>
+            <a:off x="1592927" y="4986653"/>
+            <a:ext cx="2597999" cy="307777"/>
+          </a:xfrm>
+          <a:prstGeom prst="rect">
+            <a:avLst/>
+          </a:prstGeom>
+        </p:spPr>
+        <p:txBody>
+          <a:bodyPr wrap="square">
+            <a:spAutoFit/>
+          </a:bodyPr>
+          <a:lstStyle/>
+          <a:p>
+            <a:pPr algn="ctr">
+              <a:spcAft>
+                <a:spcPts val="0"/>
+              </a:spcAft>
+            </a:pPr>
+            <a:r>
+              <a:rPr lang="en-US" sz="1400" b="1" dirty="0">
+                <a:effectLst/>
+                <a:latin typeface="Calibri" charset="0"/>
+                <a:ea typeface="Calibri" charset="0"/>
+                <a:cs typeface="Times New Roman" charset="0"/>
+              </a:rPr>
+              <a:t>Total Donor market</a:t>
+            </a:r>
+          </a:p>
+        </p:txBody>
+      </p:sp>
+    </p:spTree>
+    <p:extLst>
+      <p:ext uri="{BB962C8B-B14F-4D97-AF65-F5344CB8AC3E}">
+        <p14:creationId xmlns:p14="http://schemas.microsoft.com/office/powerpoint/2010/main" val="1264718644"/>
+      </p:ext>
+    </p:extLst>
+  </p:cSld>
+  <p:clrMapOvr>
+    <a:masterClrMapping/>
+  </p:clrMapOvr>
+</p:sld>
+</file>
+
+<file path=ppt/slides/slide8.xml><?xml version="1.0" encoding="utf-8"?>
+<p:sld xmlns:a="http://schemas.openxmlformats.org/drawingml/2006/main" xmlns:r="http://schemas.openxmlformats.org/officeDocument/2006/relationships" xmlns:p="http://schemas.openxmlformats.org/presentationml/2006/main">
+  <p:cSld>
+    <p:bg>
+      <p:bgPr>
+        <a:solidFill>
+          <a:srgbClr val="FEEB4F"/>
+        </a:solidFill>
+        <a:effectLst/>
+      </p:bgPr>
+    </p:bg>
+    <p:spTree>
+      <p:nvGrpSpPr>
+        <p:cNvPr id="1" name=""/>
+        <p:cNvGrpSpPr/>
+        <p:nvPr/>
+      </p:nvGrpSpPr>
+      <p:grpSpPr>
+        <a:xfrm>
+          <a:off x="0" y="0"/>
+          <a:ext cx="0" cy="0"/>
+          <a:chOff x="0" y="0"/>
+          <a:chExt cx="0" cy="0"/>
+        </a:xfrm>
+      </p:grpSpPr>
+      <p:sp>
+        <p:nvSpPr>
+          <p:cNvPr id="4" name="TextBox 3">
+            <a:extLst>
+              <a:ext uri="{FF2B5EF4-FFF2-40B4-BE49-F238E27FC236}">
+                <a16:creationId xmlns:a16="http://schemas.microsoft.com/office/drawing/2014/main" id="{481CBF74-2C2A-0142-8550-58B6CA321040}"/>
+              </a:ext>
+            </a:extLst>
+          </p:cNvPr>
+          <p:cNvSpPr txBox="1"/>
+          <p:nvPr/>
+        </p:nvSpPr>
+        <p:spPr>
+          <a:xfrm>
+            <a:off x="4343398" y="457497"/>
+            <a:ext cx="3352802" cy="523220"/>
+          </a:xfrm>
+          <a:prstGeom prst="rect">
+            <a:avLst/>
+          </a:prstGeom>
+          <a:noFill/>
+        </p:spPr>
+        <p:txBody>
+          <a:bodyPr wrap="square" rtlCol="0">
+            <a:spAutoFit/>
+          </a:bodyPr>
+          <a:lstStyle/>
+          <a:p>
+            <a:pPr algn="ctr" defTabSz="457200"/>
+            <a:r>
+              <a:rPr lang="en-US" sz="2800" b="1" dirty="0">
+                <a:solidFill>
+                  <a:schemeClr val="bg1">
+                    <a:lumMod val="50000"/>
+                  </a:schemeClr>
+                </a:solidFill>
+                <a:latin typeface="Avenir Next" charset="0"/>
+                <a:ea typeface="Avenir Next" charset="0"/>
+                <a:cs typeface="Avenir Next" charset="0"/>
+              </a:rPr>
+              <a:t>Value Proposition</a:t>
+            </a:r>
+          </a:p>
+        </p:txBody>
+      </p:sp>
+      <p:sp>
+        <p:nvSpPr>
+          <p:cNvPr id="3" name="Rectangle 2">
+            <a:extLst>
+              <a:ext uri="{FF2B5EF4-FFF2-40B4-BE49-F238E27FC236}">
+                <a16:creationId xmlns:a16="http://schemas.microsoft.com/office/drawing/2014/main" id="{3635041D-0DA3-5844-A5DC-12BADFD10C69}"/>
+              </a:ext>
+            </a:extLst>
+          </p:cNvPr>
+          <p:cNvSpPr/>
+          <p:nvPr/>
+        </p:nvSpPr>
+        <p:spPr>
+          <a:xfrm>
+            <a:off x="1507795" y="3002864"/>
+            <a:ext cx="2112596" cy="523220"/>
+          </a:xfrm>
+          <a:prstGeom prst="rect">
+            <a:avLst/>
+          </a:prstGeom>
+          <a:solidFill>
+            <a:srgbClr val="FFC000"/>
+          </a:solidFill>
+        </p:spPr>
+        <p:txBody>
+          <a:bodyPr wrap="square">
+            <a:spAutoFit/>
+          </a:bodyPr>
+          <a:lstStyle/>
+          <a:p>
+            <a:pPr marL="90488" lvl="1" indent="44450" algn="ctr">
+              <a:tabLst/>
+            </a:pPr>
+            <a:r>
+              <a:rPr lang="en-US" sz="1400" b="1" dirty="0">
+                <a:solidFill>
+                  <a:schemeClr val="bg1"/>
+                </a:solidFill>
+                <a:latin typeface="Avenir Next" panose="020B0503020202020204" pitchFamily="34" charset="0"/>
+                <a:ea typeface="Avenir Next" charset="0"/>
+                <a:cs typeface="Avenir Next" charset="0"/>
+              </a:rPr>
+              <a:t>INCREASED TRANSPARENCY</a:t>
+            </a:r>
+            <a:endParaRPr lang="en-US" sz="1400" b="1" baseline="0" dirty="0">
+              <a:solidFill>
+                <a:schemeClr val="bg1"/>
+              </a:solidFill>
+              <a:latin typeface="Avenir Next" panose="020B0503020202020204" pitchFamily="34" charset="0"/>
+              <a:ea typeface="Avenir Next" charset="0"/>
+              <a:cs typeface="Avenir Next" charset="0"/>
+            </a:endParaRPr>
+          </a:p>
+        </p:txBody>
+      </p:sp>
+      <p:sp>
+        <p:nvSpPr>
+          <p:cNvPr id="5" name="Rectangle 4">
+            <a:extLst>
+              <a:ext uri="{FF2B5EF4-FFF2-40B4-BE49-F238E27FC236}">
+                <a16:creationId xmlns:a16="http://schemas.microsoft.com/office/drawing/2014/main" id="{6F616DA5-7A4A-6C41-8063-9206059C7A24}"/>
+              </a:ext>
+            </a:extLst>
+          </p:cNvPr>
+          <p:cNvSpPr/>
+          <p:nvPr/>
+        </p:nvSpPr>
+        <p:spPr>
+          <a:xfrm>
+            <a:off x="1507795" y="3572199"/>
+            <a:ext cx="2112597" cy="1384995"/>
+          </a:xfrm>
+          <a:prstGeom prst="rect">
+            <a:avLst/>
+          </a:prstGeom>
+          <a:solidFill>
+            <a:schemeClr val="bg1">
+              <a:lumMod val="95000"/>
+            </a:schemeClr>
+          </a:solidFill>
+        </p:spPr>
+        <p:txBody>
+          <a:bodyPr wrap="square">
+            <a:spAutoFit/>
+          </a:bodyPr>
+          <a:lstStyle/>
+          <a:p>
+            <a:pPr marL="90488" lvl="1" indent="44450" algn="ctr">
+              <a:tabLst/>
+            </a:pPr>
+            <a:endParaRPr lang="en-US" sz="1200" dirty="0">
+              <a:latin typeface="Avenir Next" panose="020B0503020202020204" pitchFamily="34" charset="0"/>
+              <a:ea typeface="Avenir Next" charset="0"/>
+              <a:cs typeface="Avenir Next" charset="0"/>
+            </a:endParaRPr>
+          </a:p>
+          <a:p>
+            <a:pPr marL="376238" lvl="1" indent="-285750">
+              <a:buFont typeface="Arial" panose="020B0604020202020204" pitchFamily="34" charset="0"/>
+              <a:buChar char="•"/>
+              <a:tabLst/>
+            </a:pPr>
+            <a:r>
+              <a:rPr lang="en-US" sz="1200" dirty="0">
+                <a:latin typeface="Avenir Next" panose="020B0503020202020204" pitchFamily="34" charset="0"/>
+                <a:ea typeface="Avenir Next" charset="0"/>
+                <a:cs typeface="Avenir Next" charset="0"/>
+              </a:rPr>
+              <a:t>Donor can easily track the disbursement of their funds.</a:t>
+            </a:r>
+          </a:p>
+          <a:p>
+            <a:pPr marL="376238" lvl="1" indent="-285750">
+              <a:buFont typeface="Arial" panose="020B0604020202020204" pitchFamily="34" charset="0"/>
+              <a:buChar char="•"/>
+              <a:tabLst/>
+            </a:pPr>
+            <a:r>
+              <a:rPr lang="en-US" sz="1200" dirty="0">
+                <a:latin typeface="Avenir Next" panose="020B0503020202020204" pitchFamily="34" charset="0"/>
+                <a:ea typeface="Avenir Next" charset="0"/>
+                <a:cs typeface="Avenir Next" charset="0"/>
+              </a:rPr>
+              <a:t>Unused tokens are destroyed, thereby reducing fraud.</a:t>
+            </a:r>
+          </a:p>
+        </p:txBody>
+      </p:sp>
+      <p:sp>
+        <p:nvSpPr>
+          <p:cNvPr id="6" name="Rectangle 5">
+            <a:extLst>
+              <a:ext uri="{FF2B5EF4-FFF2-40B4-BE49-F238E27FC236}">
+                <a16:creationId xmlns:a16="http://schemas.microsoft.com/office/drawing/2014/main" id="{55E88CB1-02B8-0D4D-A73E-84CF7783A9ED}"/>
+              </a:ext>
+            </a:extLst>
+          </p:cNvPr>
+          <p:cNvSpPr/>
+          <p:nvPr/>
+        </p:nvSpPr>
+        <p:spPr>
+          <a:xfrm>
+            <a:off x="3845784" y="2981105"/>
+            <a:ext cx="2112596" cy="523220"/>
+          </a:xfrm>
+          <a:prstGeom prst="rect">
+            <a:avLst/>
+          </a:prstGeom>
+          <a:solidFill>
+            <a:srgbClr val="FFC000"/>
+          </a:solidFill>
+        </p:spPr>
+        <p:txBody>
+          <a:bodyPr wrap="square">
+            <a:spAutoFit/>
+          </a:bodyPr>
+          <a:lstStyle/>
+          <a:p>
+            <a:pPr marL="90488" lvl="1" indent="44450" algn="ctr">
+              <a:tabLst/>
+            </a:pPr>
+            <a:r>
+              <a:rPr lang="en-US" sz="1400" b="1" dirty="0">
+                <a:solidFill>
+                  <a:schemeClr val="bg1"/>
+                </a:solidFill>
+                <a:latin typeface="Avenir Next" panose="020B0503020202020204" pitchFamily="34" charset="0"/>
+                <a:ea typeface="Avenir Next" charset="0"/>
+                <a:cs typeface="Avenir Next" charset="0"/>
+              </a:rPr>
+              <a:t>LOWER TRANSACTION FEES</a:t>
+            </a:r>
+            <a:endParaRPr lang="en-US" sz="1400" b="1" baseline="0" dirty="0">
+              <a:solidFill>
+                <a:schemeClr val="bg1"/>
+              </a:solidFill>
+              <a:latin typeface="Avenir Next" panose="020B0503020202020204" pitchFamily="34" charset="0"/>
+              <a:ea typeface="Avenir Next" charset="0"/>
+              <a:cs typeface="Avenir Next" charset="0"/>
+            </a:endParaRPr>
+          </a:p>
+        </p:txBody>
+      </p:sp>
+      <p:sp>
+        <p:nvSpPr>
+          <p:cNvPr id="7" name="Rectangle 6">
+            <a:extLst>
+              <a:ext uri="{FF2B5EF4-FFF2-40B4-BE49-F238E27FC236}">
+                <a16:creationId xmlns:a16="http://schemas.microsoft.com/office/drawing/2014/main" id="{5867519D-1218-AC44-8005-D82247F6AF23}"/>
+              </a:ext>
+            </a:extLst>
+          </p:cNvPr>
+          <p:cNvSpPr/>
+          <p:nvPr/>
+        </p:nvSpPr>
+        <p:spPr>
+          <a:xfrm>
+            <a:off x="3845784" y="3576927"/>
+            <a:ext cx="2112596" cy="1384995"/>
+          </a:xfrm>
+          <a:prstGeom prst="rect">
+            <a:avLst/>
+          </a:prstGeom>
+          <a:solidFill>
+            <a:schemeClr val="bg1">
+              <a:lumMod val="95000"/>
+            </a:schemeClr>
+          </a:solidFill>
+        </p:spPr>
+        <p:txBody>
+          <a:bodyPr wrap="square">
+            <a:spAutoFit/>
+          </a:bodyPr>
+          <a:lstStyle/>
+          <a:p>
+            <a:pPr marL="90488" lvl="1">
+              <a:tabLst/>
+            </a:pPr>
+            <a:endParaRPr lang="en-US" sz="1200" dirty="0">
+              <a:latin typeface="Avenir Next" panose="020B0503020202020204" pitchFamily="34" charset="0"/>
+              <a:ea typeface="Avenir Next" charset="0"/>
+              <a:cs typeface="Avenir Next" charset="0"/>
+            </a:endParaRPr>
+          </a:p>
+          <a:p>
+            <a:pPr marL="376238" lvl="1" indent="-285750">
+              <a:buFont typeface="Arial" panose="020B0604020202020204" pitchFamily="34" charset="0"/>
+              <a:buChar char="•"/>
+              <a:tabLst/>
+            </a:pPr>
+            <a:r>
+              <a:rPr lang="en-US" sz="1200" dirty="0">
+                <a:latin typeface="Avenir Next" panose="020B0503020202020204" pitchFamily="34" charset="0"/>
+                <a:ea typeface="Avenir Next" charset="0"/>
+                <a:cs typeface="Avenir Next" charset="0"/>
+              </a:rPr>
+              <a:t>Lower transaction fees for transfers of donor funds.</a:t>
+            </a:r>
+          </a:p>
+          <a:p>
+            <a:pPr marL="376238" lvl="1" indent="-285750">
+              <a:buFont typeface="Arial" panose="020B0604020202020204" pitchFamily="34" charset="0"/>
+              <a:buChar char="•"/>
+              <a:tabLst/>
+            </a:pPr>
+            <a:endParaRPr lang="en-US" sz="1200" dirty="0">
+              <a:latin typeface="Avenir Next" panose="020B0503020202020204" pitchFamily="34" charset="0"/>
+              <a:ea typeface="Avenir Next" charset="0"/>
+              <a:cs typeface="Avenir Next" charset="0"/>
+            </a:endParaRPr>
+          </a:p>
+          <a:p>
+            <a:pPr marL="376238" lvl="1" indent="-285750">
+              <a:buFont typeface="Arial" panose="020B0604020202020204" pitchFamily="34" charset="0"/>
+              <a:buChar char="•"/>
+              <a:tabLst/>
+            </a:pPr>
+            <a:endParaRPr lang="en-US" sz="1200" dirty="0">
+              <a:latin typeface="Avenir Next" panose="020B0503020202020204" pitchFamily="34" charset="0"/>
+              <a:ea typeface="Avenir Next" charset="0"/>
+              <a:cs typeface="Avenir Next" charset="0"/>
+            </a:endParaRPr>
+          </a:p>
+          <a:p>
+            <a:pPr marL="90488" lvl="1" indent="44450" algn="ctr">
+              <a:tabLst/>
+            </a:pPr>
+            <a:endParaRPr lang="en-US" sz="1200" b="1" baseline="0" dirty="0">
+              <a:latin typeface="Avenir Next" panose="020B0503020202020204" pitchFamily="34" charset="0"/>
+              <a:ea typeface="Avenir Next" charset="0"/>
+              <a:cs typeface="Avenir Next" charset="0"/>
+            </a:endParaRPr>
+          </a:p>
+        </p:txBody>
+      </p:sp>
+      <p:sp>
+        <p:nvSpPr>
+          <p:cNvPr id="8" name="Rectangle 7">
+            <a:extLst>
+              <a:ext uri="{FF2B5EF4-FFF2-40B4-BE49-F238E27FC236}">
+                <a16:creationId xmlns:a16="http://schemas.microsoft.com/office/drawing/2014/main" id="{CD2D80F7-D752-8A45-9D13-4D68E8BF4879}"/>
+              </a:ext>
+            </a:extLst>
+          </p:cNvPr>
+          <p:cNvSpPr/>
+          <p:nvPr/>
+        </p:nvSpPr>
+        <p:spPr>
+          <a:xfrm>
+            <a:off x="6183772" y="2981105"/>
+            <a:ext cx="2112596" cy="523220"/>
+          </a:xfrm>
+          <a:prstGeom prst="rect">
+            <a:avLst/>
+          </a:prstGeom>
+          <a:solidFill>
+            <a:srgbClr val="FFC000"/>
+          </a:solidFill>
+        </p:spPr>
+        <p:txBody>
+          <a:bodyPr wrap="square">
+            <a:spAutoFit/>
+          </a:bodyPr>
+          <a:lstStyle/>
+          <a:p>
+            <a:pPr marL="90488" lvl="1" indent="44450" algn="ctr">
+              <a:tabLst/>
+            </a:pPr>
+            <a:r>
+              <a:rPr lang="en-US" sz="1400" b="1" dirty="0">
+                <a:solidFill>
+                  <a:schemeClr val="bg1"/>
+                </a:solidFill>
+                <a:latin typeface="Avenir Next" panose="020B0503020202020204" pitchFamily="34" charset="0"/>
+                <a:ea typeface="Avenir Next" charset="0"/>
+                <a:cs typeface="Avenir Next" charset="0"/>
+              </a:rPr>
+              <a:t>IMPACT ASSESMENT</a:t>
+            </a:r>
+            <a:endParaRPr lang="en-US" sz="1400" b="1" baseline="0" dirty="0">
+              <a:solidFill>
+                <a:schemeClr val="bg1"/>
+              </a:solidFill>
+              <a:latin typeface="Avenir Next" panose="020B0503020202020204" pitchFamily="34" charset="0"/>
+              <a:ea typeface="Avenir Next" charset="0"/>
+              <a:cs typeface="Avenir Next" charset="0"/>
+            </a:endParaRPr>
+          </a:p>
+        </p:txBody>
+      </p:sp>
+      <p:sp>
+        <p:nvSpPr>
+          <p:cNvPr id="9" name="Rectangle 8">
+            <a:extLst>
+              <a:ext uri="{FF2B5EF4-FFF2-40B4-BE49-F238E27FC236}">
+                <a16:creationId xmlns:a16="http://schemas.microsoft.com/office/drawing/2014/main" id="{C3A9BBEA-C2C9-F648-8112-B16BCA33E807}"/>
+              </a:ext>
+            </a:extLst>
+          </p:cNvPr>
+          <p:cNvSpPr/>
+          <p:nvPr/>
+        </p:nvSpPr>
+        <p:spPr>
+          <a:xfrm>
+            <a:off x="6183772" y="3572198"/>
+            <a:ext cx="2112596" cy="1384995"/>
+          </a:xfrm>
+          <a:prstGeom prst="rect">
+            <a:avLst/>
+          </a:prstGeom>
+          <a:solidFill>
+            <a:schemeClr val="bg1">
+              <a:lumMod val="95000"/>
+            </a:schemeClr>
+          </a:solidFill>
+        </p:spPr>
+        <p:txBody>
+          <a:bodyPr wrap="square">
+            <a:spAutoFit/>
+          </a:bodyPr>
+          <a:lstStyle/>
+          <a:p>
+            <a:pPr marL="90488" lvl="1" indent="44450" algn="ctr">
+              <a:tabLst/>
+            </a:pPr>
+            <a:endParaRPr lang="en-US" sz="1200" b="1" dirty="0">
+              <a:latin typeface="Avenir Next" panose="020B0503020202020204" pitchFamily="34" charset="0"/>
+              <a:ea typeface="Avenir Next" charset="0"/>
+              <a:cs typeface="Avenir Next" charset="0"/>
+            </a:endParaRPr>
+          </a:p>
+          <a:p>
+            <a:pPr marL="376238" lvl="1" indent="-285750">
+              <a:buFont typeface="Arial" panose="020B0604020202020204" pitchFamily="34" charset="0"/>
+              <a:buChar char="•"/>
+              <a:tabLst/>
+            </a:pPr>
+            <a:r>
+              <a:rPr lang="en-US" sz="1200" dirty="0">
+                <a:latin typeface="Avenir Next" panose="020B0503020202020204" pitchFamily="34" charset="0"/>
+                <a:ea typeface="Avenir Next" charset="0"/>
+                <a:cs typeface="Avenir Next" charset="0"/>
+              </a:rPr>
+              <a:t>Easier to track the impact of donor funds.</a:t>
+            </a:r>
+          </a:p>
+          <a:p>
+            <a:pPr marL="376238" lvl="1" indent="-285750">
+              <a:buFont typeface="Arial" panose="020B0604020202020204" pitchFamily="34" charset="0"/>
+              <a:buChar char="•"/>
+              <a:tabLst/>
+            </a:pPr>
+            <a:r>
+              <a:rPr lang="en-US" sz="1200" dirty="0">
+                <a:latin typeface="Avenir Next" panose="020B0503020202020204" pitchFamily="34" charset="0"/>
+                <a:ea typeface="Avenir Next" charset="0"/>
+                <a:cs typeface="Avenir Next" charset="0"/>
+              </a:rPr>
+              <a:t>Prioritize allocation of donor funds. </a:t>
+            </a:r>
+          </a:p>
+          <a:p>
+            <a:pPr marL="376238" lvl="1" indent="-285750">
+              <a:buFont typeface="Arial" panose="020B0604020202020204" pitchFamily="34" charset="0"/>
+              <a:buChar char="•"/>
+              <a:tabLst/>
+            </a:pPr>
+            <a:endParaRPr lang="en-US" sz="1200" dirty="0">
+              <a:latin typeface="Avenir Next" panose="020B0503020202020204" pitchFamily="34" charset="0"/>
+              <a:ea typeface="Avenir Next" charset="0"/>
+              <a:cs typeface="Avenir Next" charset="0"/>
+            </a:endParaRPr>
+          </a:p>
+        </p:txBody>
+      </p:sp>
+      <p:sp>
+        <p:nvSpPr>
+          <p:cNvPr id="10" name="TextBox 9">
+            <a:extLst>
+              <a:ext uri="{FF2B5EF4-FFF2-40B4-BE49-F238E27FC236}">
+                <a16:creationId xmlns:a16="http://schemas.microsoft.com/office/drawing/2014/main" id="{57D57400-F1AF-6E48-9631-3E538B2AEDDB}"/>
+              </a:ext>
+            </a:extLst>
+          </p:cNvPr>
+          <p:cNvSpPr txBox="1"/>
+          <p:nvPr/>
+        </p:nvSpPr>
+        <p:spPr>
+          <a:xfrm>
+            <a:off x="633534" y="1525166"/>
+            <a:ext cx="11233441" cy="707886"/>
+          </a:xfrm>
+          <a:prstGeom prst="rect">
+            <a:avLst/>
+          </a:prstGeom>
+          <a:noFill/>
+          <a:ln>
+            <a:noFill/>
+          </a:ln>
+        </p:spPr>
+        <p:txBody>
+          <a:bodyPr wrap="square" rtlCol="0">
+            <a:spAutoFit/>
+          </a:bodyPr>
+          <a:lstStyle/>
+          <a:p>
+            <a:r>
+              <a:rPr lang="en-US" sz="2000" b="1" dirty="0">
+                <a:solidFill>
+                  <a:schemeClr val="bg1">
+                    <a:lumMod val="50000"/>
+                  </a:schemeClr>
+                </a:solidFill>
+                <a:latin typeface="Avenir Next" panose="020B0503020202020204" pitchFamily="34" charset="0"/>
+              </a:rPr>
+              <a:t>Our value proposition </a:t>
+            </a:r>
+            <a:r>
+              <a:rPr lang="en-US" sz="2000" dirty="0">
+                <a:solidFill>
+                  <a:schemeClr val="bg1">
+                    <a:lumMod val="50000"/>
+                  </a:schemeClr>
+                </a:solidFill>
+                <a:latin typeface="Avenir Next" panose="020B0503020202020204" pitchFamily="34" charset="0"/>
+              </a:rPr>
+              <a:t>seeks to provide with  a transparent, user friendly and affordable platform.</a:t>
+            </a:r>
+          </a:p>
+        </p:txBody>
+      </p:sp>
+      <p:sp>
+        <p:nvSpPr>
+          <p:cNvPr id="11" name="Rectangle 10">
+            <a:extLst>
+              <a:ext uri="{FF2B5EF4-FFF2-40B4-BE49-F238E27FC236}">
+                <a16:creationId xmlns:a16="http://schemas.microsoft.com/office/drawing/2014/main" id="{C2679F6D-E957-014F-BC83-2DFB11266232}"/>
+              </a:ext>
+            </a:extLst>
+          </p:cNvPr>
+          <p:cNvSpPr/>
+          <p:nvPr/>
+        </p:nvSpPr>
+        <p:spPr>
+          <a:xfrm>
+            <a:off x="8521760" y="2981105"/>
+            <a:ext cx="2112596" cy="523220"/>
+          </a:xfrm>
+          <a:prstGeom prst="rect">
+            <a:avLst/>
+          </a:prstGeom>
+          <a:solidFill>
+            <a:srgbClr val="FFC000"/>
+          </a:solidFill>
+        </p:spPr>
+        <p:txBody>
+          <a:bodyPr wrap="square">
+            <a:spAutoFit/>
+          </a:bodyPr>
+          <a:lstStyle/>
+          <a:p>
+            <a:pPr marL="90488" lvl="1" indent="44450" algn="ctr">
+              <a:tabLst/>
+            </a:pPr>
+            <a:r>
+              <a:rPr lang="en-US" sz="1400" b="1" dirty="0">
+                <a:solidFill>
+                  <a:schemeClr val="bg1"/>
+                </a:solidFill>
+                <a:latin typeface="Avenir Next" panose="020B0503020202020204" pitchFamily="34" charset="0"/>
+                <a:ea typeface="Avenir Next" charset="0"/>
+                <a:cs typeface="Avenir Next" charset="0"/>
+              </a:rPr>
+              <a:t>FINANCIAL INCLUSION</a:t>
+            </a:r>
+            <a:endParaRPr lang="en-US" sz="1400" b="1" baseline="0" dirty="0">
+              <a:solidFill>
+                <a:schemeClr val="bg1"/>
+              </a:solidFill>
+              <a:latin typeface="Avenir Next" panose="020B0503020202020204" pitchFamily="34" charset="0"/>
+              <a:ea typeface="Avenir Next" charset="0"/>
+              <a:cs typeface="Avenir Next" charset="0"/>
+            </a:endParaRPr>
+          </a:p>
+        </p:txBody>
+      </p:sp>
+      <p:sp>
+        <p:nvSpPr>
+          <p:cNvPr id="12" name="Rectangle 11">
+            <a:extLst>
+              <a:ext uri="{FF2B5EF4-FFF2-40B4-BE49-F238E27FC236}">
+                <a16:creationId xmlns:a16="http://schemas.microsoft.com/office/drawing/2014/main" id="{6DA0B345-B775-6E45-A7F7-207BEFB08C68}"/>
+              </a:ext>
+            </a:extLst>
+          </p:cNvPr>
+          <p:cNvSpPr/>
+          <p:nvPr/>
+        </p:nvSpPr>
+        <p:spPr>
+          <a:xfrm>
+            <a:off x="8521760" y="3572198"/>
+            <a:ext cx="2112596" cy="1384995"/>
+          </a:xfrm>
+          <a:prstGeom prst="rect">
+            <a:avLst/>
+          </a:prstGeom>
+          <a:solidFill>
+            <a:schemeClr val="bg1">
+              <a:lumMod val="95000"/>
+            </a:schemeClr>
+          </a:solidFill>
+        </p:spPr>
+        <p:txBody>
+          <a:bodyPr wrap="square">
+            <a:spAutoFit/>
+          </a:bodyPr>
+          <a:lstStyle/>
+          <a:p>
+            <a:pPr marL="90488" lvl="1" indent="44450" algn="ctr">
+              <a:tabLst/>
+            </a:pPr>
+            <a:endParaRPr lang="en-US" sz="1200" b="1" dirty="0">
+              <a:latin typeface="Avenir Next" panose="020B0503020202020204" pitchFamily="34" charset="0"/>
+              <a:ea typeface="Avenir Next" charset="0"/>
+              <a:cs typeface="Avenir Next" charset="0"/>
+            </a:endParaRPr>
+          </a:p>
+          <a:p>
+            <a:pPr marL="376238" lvl="1" indent="-285750">
+              <a:buFont typeface="Arial" panose="020B0604020202020204" pitchFamily="34" charset="0"/>
+              <a:buChar char="•"/>
+              <a:tabLst/>
+            </a:pPr>
+            <a:r>
+              <a:rPr lang="en-US" sz="1200" dirty="0">
+                <a:latin typeface="Avenir Next" panose="020B0503020202020204" pitchFamily="34" charset="0"/>
+                <a:ea typeface="Avenir Next" charset="0"/>
+                <a:cs typeface="Avenir Next" charset="0"/>
+              </a:rPr>
+              <a:t>Financial inclusion of vulnerable individuals.</a:t>
+            </a:r>
+          </a:p>
+          <a:p>
+            <a:pPr marL="376238" lvl="1" indent="-285750">
+              <a:buFont typeface="Arial" panose="020B0604020202020204" pitchFamily="34" charset="0"/>
+              <a:buChar char="•"/>
+              <a:tabLst/>
+            </a:pPr>
+            <a:endParaRPr lang="en-US" sz="1200" dirty="0">
+              <a:latin typeface="Avenir Next" panose="020B0503020202020204" pitchFamily="34" charset="0"/>
+              <a:ea typeface="Avenir Next" charset="0"/>
+              <a:cs typeface="Avenir Next" charset="0"/>
+            </a:endParaRPr>
+          </a:p>
+          <a:p>
+            <a:pPr marL="376238" lvl="1" indent="-285750">
+              <a:buFont typeface="Arial" panose="020B0604020202020204" pitchFamily="34" charset="0"/>
+              <a:buChar char="•"/>
+              <a:tabLst/>
+            </a:pPr>
+            <a:endParaRPr lang="en-US" sz="1200" dirty="0">
+              <a:latin typeface="Avenir Next" panose="020B0503020202020204" pitchFamily="34" charset="0"/>
+              <a:ea typeface="Avenir Next" charset="0"/>
+              <a:cs typeface="Avenir Next" charset="0"/>
+            </a:endParaRPr>
+          </a:p>
+          <a:p>
+            <a:pPr marL="376238" lvl="1" indent="-285750">
+              <a:buFont typeface="Arial" panose="020B0604020202020204" pitchFamily="34" charset="0"/>
+              <a:buChar char="•"/>
+              <a:tabLst/>
+            </a:pPr>
+            <a:endParaRPr lang="en-US" sz="1200" dirty="0">
+              <a:latin typeface="Avenir Next" panose="020B0503020202020204" pitchFamily="34" charset="0"/>
+              <a:ea typeface="Avenir Next" charset="0"/>
+              <a:cs typeface="Avenir Next" charset="0"/>
+            </a:endParaRPr>
+          </a:p>
+        </p:txBody>
+      </p:sp>
+    </p:spTree>
+    <p:extLst>
+      <p:ext uri="{BB962C8B-B14F-4D97-AF65-F5344CB8AC3E}">
+        <p14:creationId xmlns:p14="http://schemas.microsoft.com/office/powerpoint/2010/main" val="2667357638"/>
+      </p:ext>
+    </p:extLst>
+  </p:cSld>
+  <p:clrMapOvr>
+    <a:masterClrMapping/>
+  </p:clrMapOvr>
+</p:sld>
+</file>
+
+<file path=ppt/slides/slide9.xml><?xml version="1.0" encoding="utf-8"?>
+<p:sld xmlns:a="http://schemas.openxmlformats.org/drawingml/2006/main" xmlns:r="http://schemas.openxmlformats.org/officeDocument/2006/relationships" xmlns:p="http://schemas.openxmlformats.org/presentationml/2006/main">
+  <p:cSld>
+    <p:bg>
+      <p:bgPr>
+        <a:solidFill>
+          <a:srgbClr val="FEEB4F"/>
+        </a:solidFill>
+        <a:effectLst/>
+      </p:bgPr>
+    </p:bg>
+    <p:spTree>
+      <p:nvGrpSpPr>
+        <p:cNvPr id="1" name=""/>
+        <p:cNvGrpSpPr/>
+        <p:nvPr/>
+      </p:nvGrpSpPr>
+      <p:grpSpPr>
+        <a:xfrm>
+          <a:off x="0" y="0"/>
+          <a:ext cx="0" cy="0"/>
+          <a:chOff x="0" y="0"/>
+          <a:chExt cx="0" cy="0"/>
+        </a:xfrm>
+      </p:grpSpPr>
+      <p:sp>
+        <p:nvSpPr>
+          <p:cNvPr id="4" name="TextBox 3">
+            <a:extLst>
+              <a:ext uri="{FF2B5EF4-FFF2-40B4-BE49-F238E27FC236}">
+                <a16:creationId xmlns:a16="http://schemas.microsoft.com/office/drawing/2014/main" id="{481CBF74-2C2A-0142-8550-58B6CA321040}"/>
+              </a:ext>
+            </a:extLst>
+          </p:cNvPr>
+          <p:cNvSpPr txBox="1"/>
+          <p:nvPr/>
+        </p:nvSpPr>
+        <p:spPr>
+          <a:xfrm>
+            <a:off x="4343398" y="457497"/>
+            <a:ext cx="3352802" cy="523220"/>
+          </a:xfrm>
+          <a:prstGeom prst="rect">
+            <a:avLst/>
+          </a:prstGeom>
+          <a:noFill/>
+        </p:spPr>
+        <p:txBody>
+          <a:bodyPr wrap="square" rtlCol="0">
+            <a:spAutoFit/>
+          </a:bodyPr>
+          <a:lstStyle/>
+          <a:p>
+            <a:pPr algn="ctr" defTabSz="457200"/>
+            <a:r>
+              <a:rPr lang="en-US" sz="2800" b="1" dirty="0">
+                <a:solidFill>
+                  <a:schemeClr val="bg1">
+                    <a:lumMod val="50000"/>
+                  </a:schemeClr>
+                </a:solidFill>
+                <a:latin typeface="Avenir Next" charset="0"/>
+                <a:ea typeface="Avenir Next" charset="0"/>
+                <a:cs typeface="Avenir Next" charset="0"/>
+              </a:rPr>
+              <a:t>Business Model</a:t>
+            </a:r>
+          </a:p>
+        </p:txBody>
+      </p:sp>
+      <p:sp>
+        <p:nvSpPr>
+          <p:cNvPr id="9" name="Rectangle 8">
+            <a:extLst>
+              <a:ext uri="{FF2B5EF4-FFF2-40B4-BE49-F238E27FC236}">
+                <a16:creationId xmlns:a16="http://schemas.microsoft.com/office/drawing/2014/main" id="{0478AC06-238B-7841-8F07-64E9BA4E10EE}"/>
+              </a:ext>
+            </a:extLst>
+          </p:cNvPr>
+          <p:cNvSpPr/>
+          <p:nvPr/>
+        </p:nvSpPr>
+        <p:spPr>
+          <a:xfrm>
+            <a:off x="5225965" y="3870317"/>
             <a:ext cx="2285342" cy="646331"/>
           </a:xfrm>
           <a:prstGeom prst="rect">
@@ -9392,7 +10777,7 @@
         </p:nvSpPr>
         <p:spPr>
           <a:xfrm>
-            <a:off x="2750483" y="3596817"/>
+            <a:off x="2750484" y="3870317"/>
             <a:ext cx="2149505" cy="646331"/>
           </a:xfrm>
           <a:prstGeom prst="rect">
@@ -9419,7 +10804,7 @@
                 <a:ea typeface="Avenir Next" charset="0"/>
                 <a:cs typeface="Avenir Next" charset="0"/>
               </a:rPr>
-              <a:t>Number of Aid agencies x annual platform subscription fee.</a:t>
+              <a:t>Number of Donors x annual platform subscription fee.</a:t>
             </a:r>
           </a:p>
         </p:txBody>
@@ -9439,7 +10824,7 @@
         <p:spPr>
           <a:xfrm>
             <a:off x="5225965" y="2909249"/>
-            <a:ext cx="2285342" cy="584775"/>
+            <a:ext cx="2285342" cy="830997"/>
           </a:xfrm>
           <a:prstGeom prst="rect">
             <a:avLst/>
@@ -9468,6 +10853,11 @@
               </a:rPr>
               <a:t>TRANSACTION FEES</a:t>
             </a:r>
+          </a:p>
+          <a:p>
+            <a:pPr marL="90488" lvl="1" indent="44450" algn="ctr">
+              <a:tabLst/>
+            </a:pPr>
             <a:endParaRPr lang="en-US" sz="1600" b="1" baseline="0" dirty="0">
               <a:solidFill>
                 <a:schemeClr val="bg1"/>
@@ -9494,7 +10884,7 @@
         <p:spPr>
           <a:xfrm>
             <a:off x="2750484" y="2909250"/>
-            <a:ext cx="2149505" cy="584775"/>
+            <a:ext cx="2149505" cy="830997"/>
           </a:xfrm>
           <a:prstGeom prst="rect">
             <a:avLst/>
@@ -9524,6 +10914,19 @@
               <a:t>PLATFORM USAGE FEES</a:t>
             </a:r>
           </a:p>
+          <a:p>
+            <a:pPr marL="90488" lvl="1" indent="44450" algn="ctr">
+              <a:tabLst/>
+            </a:pPr>
+            <a:endParaRPr lang="en-US" sz="1600" b="1" baseline="0" dirty="0">
+              <a:solidFill>
+                <a:schemeClr val="bg1"/>
+              </a:solidFill>
+              <a:latin typeface="Avenir Next" charset="0"/>
+              <a:ea typeface="Avenir Next" charset="0"/>
+              <a:cs typeface="Avenir Next" charset="0"/>
+            </a:endParaRPr>
+          </a:p>
         </p:txBody>
       </p:sp>
       <p:sp>
@@ -9540,7 +10943,7 @@
         </p:nvSpPr>
         <p:spPr>
           <a:xfrm>
-            <a:off x="7837283" y="3596817"/>
+            <a:off x="7837283" y="3870317"/>
             <a:ext cx="1956073" cy="646331"/>
           </a:xfrm>
           <a:prstGeom prst="rect">
@@ -9610,7 +11013,7 @@
         <p:spPr>
           <a:xfrm>
             <a:off x="7837283" y="2909249"/>
-            <a:ext cx="1956073" cy="584775"/>
+            <a:ext cx="1956073" cy="830997"/>
           </a:xfrm>
           <a:prstGeom prst="rect">
             <a:avLst/>
@@ -9637,7 +11040,7 @@
                 <a:ea typeface="Avenir Next" charset="0"/>
                 <a:cs typeface="Avenir Next" charset="0"/>
               </a:rPr>
-              <a:t>EXCHANGE  CHARGES</a:t>
+              <a:t>TOKEN EXCHANGE  CHARGES</a:t>
             </a:r>
             <a:endParaRPr lang="en-US" sz="1600" b="1" baseline="0" dirty="0">
               <a:solidFill>
@@ -9710,745 +11113,6 @@
     <p:extLst>
       <p:ext uri="{BB962C8B-B14F-4D97-AF65-F5344CB8AC3E}">
         <p14:creationId xmlns:p14="http://schemas.microsoft.com/office/powerpoint/2010/main" val="1399873738"/>
-      </p:ext>
-    </p:extLst>
-  </p:cSld>
-  <p:clrMapOvr>
-    <a:masterClrMapping/>
-  </p:clrMapOvr>
-</p:sld>
-</file>
-
-<file path=ppt/slides/slide8.xml><?xml version="1.0" encoding="utf-8"?>
-<p:sld xmlns:a="http://schemas.openxmlformats.org/drawingml/2006/main" xmlns:r="http://schemas.openxmlformats.org/officeDocument/2006/relationships" xmlns:p="http://schemas.openxmlformats.org/presentationml/2006/main">
-  <p:cSld>
-    <p:spTree>
-      <p:nvGrpSpPr>
-        <p:cNvPr id="1" name=""/>
-        <p:cNvGrpSpPr/>
-        <p:nvPr/>
-      </p:nvGrpSpPr>
-      <p:grpSpPr>
-        <a:xfrm>
-          <a:off x="0" y="0"/>
-          <a:ext cx="0" cy="0"/>
-          <a:chOff x="0" y="0"/>
-          <a:chExt cx="0" cy="0"/>
-        </a:xfrm>
-      </p:grpSpPr>
-      <p:sp>
-        <p:nvSpPr>
-          <p:cNvPr id="4" name="TextBox 3">
-            <a:extLst>
-              <a:ext uri="{FF2B5EF4-FFF2-40B4-BE49-F238E27FC236}">
-                <a16:creationId xmlns:a16="http://schemas.microsoft.com/office/drawing/2014/main" id="{481CBF74-2C2A-0142-8550-58B6CA321040}"/>
-              </a:ext>
-            </a:extLst>
-          </p:cNvPr>
-          <p:cNvSpPr txBox="1"/>
-          <p:nvPr/>
-        </p:nvSpPr>
-        <p:spPr>
-          <a:xfrm>
-            <a:off x="3069771" y="457497"/>
-            <a:ext cx="6411686" cy="523220"/>
-          </a:xfrm>
-          <a:prstGeom prst="rect">
-            <a:avLst/>
-          </a:prstGeom>
-          <a:noFill/>
-        </p:spPr>
-        <p:txBody>
-          <a:bodyPr wrap="square" rtlCol="0">
-            <a:spAutoFit/>
-          </a:bodyPr>
-          <a:lstStyle/>
-          <a:p>
-            <a:pPr algn="ctr" defTabSz="457200"/>
-            <a:r>
-              <a:rPr lang="en-US" sz="2800" b="1" dirty="0">
-                <a:solidFill>
-                  <a:schemeClr val="bg1">
-                    <a:lumMod val="50000"/>
-                  </a:schemeClr>
-                </a:solidFill>
-                <a:latin typeface="Avenir Next" charset="0"/>
-                <a:ea typeface="Avenir Next" charset="0"/>
-                <a:cs typeface="Avenir Next" charset="0"/>
-              </a:rPr>
-              <a:t>Customer acquisition strategy</a:t>
-            </a:r>
-          </a:p>
-        </p:txBody>
-      </p:sp>
-      <p:sp>
-        <p:nvSpPr>
-          <p:cNvPr id="12" name="Rectangle 11">
-            <a:extLst>
-              <a:ext uri="{FF2B5EF4-FFF2-40B4-BE49-F238E27FC236}">
-                <a16:creationId xmlns:a16="http://schemas.microsoft.com/office/drawing/2014/main" id="{59608B13-838B-264E-ACCB-F62272B65938}"/>
-              </a:ext>
-            </a:extLst>
-          </p:cNvPr>
-          <p:cNvSpPr/>
-          <p:nvPr/>
-        </p:nvSpPr>
-        <p:spPr>
-          <a:xfrm>
-            <a:off x="4163018" y="1677647"/>
-            <a:ext cx="2112596" cy="954107"/>
-          </a:xfrm>
-          <a:prstGeom prst="rect">
-            <a:avLst/>
-          </a:prstGeom>
-          <a:solidFill>
-            <a:srgbClr val="FFC000"/>
-          </a:solidFill>
-        </p:spPr>
-        <p:txBody>
-          <a:bodyPr wrap="square">
-            <a:spAutoFit/>
-          </a:bodyPr>
-          <a:lstStyle/>
-          <a:p>
-            <a:pPr marL="90488" lvl="1" indent="44450" algn="ctr">
-              <a:tabLst/>
-            </a:pPr>
-            <a:endParaRPr lang="en-US" sz="1400" b="1" dirty="0">
-              <a:solidFill>
-                <a:schemeClr val="bg1"/>
-              </a:solidFill>
-              <a:latin typeface="Avenir Next" panose="020B0503020202020204" pitchFamily="34" charset="0"/>
-              <a:ea typeface="Avenir Next" charset="0"/>
-              <a:cs typeface="Avenir Next" charset="0"/>
-            </a:endParaRPr>
-          </a:p>
-          <a:p>
-            <a:pPr marL="90488" lvl="1" indent="44450" algn="ctr">
-              <a:tabLst/>
-            </a:pPr>
-            <a:r>
-              <a:rPr lang="en-US" sz="1400" b="1" dirty="0">
-                <a:solidFill>
-                  <a:schemeClr val="bg1"/>
-                </a:solidFill>
-                <a:latin typeface="Avenir Next" panose="020B0503020202020204" pitchFamily="34" charset="0"/>
-                <a:ea typeface="Avenir Next" charset="0"/>
-                <a:cs typeface="Avenir Next" charset="0"/>
-              </a:rPr>
-              <a:t>PARTNERSHIPS WITH FINANCIAL INSTITUTIONS</a:t>
-            </a:r>
-            <a:endParaRPr lang="en-US" sz="1400" b="1" baseline="0" dirty="0">
-              <a:solidFill>
-                <a:schemeClr val="bg1"/>
-              </a:solidFill>
-              <a:latin typeface="Avenir Next" panose="020B0503020202020204" pitchFamily="34" charset="0"/>
-              <a:ea typeface="Avenir Next" charset="0"/>
-              <a:cs typeface="Avenir Next" charset="0"/>
-            </a:endParaRPr>
-          </a:p>
-        </p:txBody>
-      </p:sp>
-      <p:sp>
-        <p:nvSpPr>
-          <p:cNvPr id="13" name="Rectangle 12">
-            <a:extLst>
-              <a:ext uri="{FF2B5EF4-FFF2-40B4-BE49-F238E27FC236}">
-                <a16:creationId xmlns:a16="http://schemas.microsoft.com/office/drawing/2014/main" id="{D3B8AB4F-E66D-5446-848D-7BBDC7A2F9C9}"/>
-              </a:ext>
-            </a:extLst>
-          </p:cNvPr>
-          <p:cNvSpPr/>
-          <p:nvPr/>
-        </p:nvSpPr>
-        <p:spPr>
-          <a:xfrm>
-            <a:off x="4163017" y="2705580"/>
-            <a:ext cx="2112597" cy="1754326"/>
-          </a:xfrm>
-          <a:prstGeom prst="rect">
-            <a:avLst/>
-          </a:prstGeom>
-          <a:solidFill>
-            <a:schemeClr val="bg1">
-              <a:lumMod val="95000"/>
-            </a:schemeClr>
-          </a:solidFill>
-        </p:spPr>
-        <p:txBody>
-          <a:bodyPr wrap="square">
-            <a:spAutoFit/>
-          </a:bodyPr>
-          <a:lstStyle/>
-          <a:p>
-            <a:pPr marL="90488" lvl="1" indent="44450" algn="ctr">
-              <a:tabLst/>
-            </a:pPr>
-            <a:endParaRPr lang="en-US" sz="1200" dirty="0">
-              <a:latin typeface="Avenir Next" panose="020B0503020202020204" pitchFamily="34" charset="0"/>
-              <a:ea typeface="Avenir Next" charset="0"/>
-              <a:cs typeface="Avenir Next" charset="0"/>
-            </a:endParaRPr>
-          </a:p>
-          <a:p>
-            <a:pPr marL="376238" lvl="1" indent="-285750">
-              <a:buFont typeface="Arial" panose="020B0604020202020204" pitchFamily="34" charset="0"/>
-              <a:buChar char="•"/>
-              <a:tabLst/>
-            </a:pPr>
-            <a:r>
-              <a:rPr lang="en-US" sz="1200" dirty="0">
-                <a:latin typeface="Avenir Next" panose="020B0503020202020204" pitchFamily="34" charset="0"/>
-                <a:ea typeface="Avenir Next" charset="0"/>
-                <a:cs typeface="Avenir Next" charset="0"/>
-              </a:rPr>
-              <a:t>Foster relationship with reputable international partner banks that are preferred bankers of donors (</a:t>
-            </a:r>
-            <a:r>
-              <a:rPr lang="en-US" sz="1200" dirty="0" err="1">
-                <a:latin typeface="Avenir Next" panose="020B0503020202020204" pitchFamily="34" charset="0"/>
-                <a:ea typeface="Avenir Next" charset="0"/>
-                <a:cs typeface="Avenir Next" charset="0"/>
-              </a:rPr>
-              <a:t>Stanchart</a:t>
-            </a:r>
-            <a:r>
-              <a:rPr lang="en-US" sz="1200" dirty="0">
-                <a:latin typeface="Avenir Next" panose="020B0503020202020204" pitchFamily="34" charset="0"/>
-                <a:ea typeface="Avenir Next" charset="0"/>
-                <a:cs typeface="Avenir Next" charset="0"/>
-              </a:rPr>
-              <a:t>, Barclays)</a:t>
-            </a:r>
-          </a:p>
-          <a:p>
-            <a:pPr marL="376238" lvl="1" indent="-285750">
-              <a:buFont typeface="Arial" panose="020B0604020202020204" pitchFamily="34" charset="0"/>
-              <a:buChar char="•"/>
-              <a:tabLst/>
-            </a:pPr>
-            <a:endParaRPr lang="en-US" sz="1200" dirty="0">
-              <a:latin typeface="Avenir Next" panose="020B0503020202020204" pitchFamily="34" charset="0"/>
-              <a:ea typeface="Avenir Next" charset="0"/>
-              <a:cs typeface="Avenir Next" charset="0"/>
-            </a:endParaRPr>
-          </a:p>
-        </p:txBody>
-      </p:sp>
-      <p:sp>
-        <p:nvSpPr>
-          <p:cNvPr id="14" name="Rectangle 13">
-            <a:extLst>
-              <a:ext uri="{FF2B5EF4-FFF2-40B4-BE49-F238E27FC236}">
-                <a16:creationId xmlns:a16="http://schemas.microsoft.com/office/drawing/2014/main" id="{14B18659-1682-FC48-A98F-CF3BA3E1FD08}"/>
-              </a:ext>
-            </a:extLst>
-          </p:cNvPr>
-          <p:cNvSpPr/>
-          <p:nvPr/>
-        </p:nvSpPr>
-        <p:spPr>
-          <a:xfrm>
-            <a:off x="6791175" y="1677647"/>
-            <a:ext cx="2112596" cy="954107"/>
-          </a:xfrm>
-          <a:prstGeom prst="rect">
-            <a:avLst/>
-          </a:prstGeom>
-          <a:solidFill>
-            <a:srgbClr val="FFC000"/>
-          </a:solidFill>
-        </p:spPr>
-        <p:txBody>
-          <a:bodyPr wrap="square">
-            <a:spAutoFit/>
-          </a:bodyPr>
-          <a:lstStyle/>
-          <a:p>
-            <a:pPr marL="90488" lvl="1" indent="44450" algn="ctr">
-              <a:tabLst/>
-            </a:pPr>
-            <a:r>
-              <a:rPr lang="en-US" sz="1400" b="1" dirty="0">
-                <a:solidFill>
-                  <a:schemeClr val="bg1"/>
-                </a:solidFill>
-                <a:latin typeface="Avenir Next" panose="020B0503020202020204" pitchFamily="34" charset="0"/>
-                <a:ea typeface="Avenir Next" charset="0"/>
-                <a:cs typeface="Avenir Next" charset="0"/>
-              </a:rPr>
-              <a:t>STRATEGIC WORKSHOPS AT DONOR CONFERENCES</a:t>
-            </a:r>
-            <a:endParaRPr lang="en-US" sz="1400" b="1" baseline="0" dirty="0">
-              <a:solidFill>
-                <a:schemeClr val="bg1"/>
-              </a:solidFill>
-              <a:latin typeface="Avenir Next" panose="020B0503020202020204" pitchFamily="34" charset="0"/>
-              <a:ea typeface="Avenir Next" charset="0"/>
-              <a:cs typeface="Avenir Next" charset="0"/>
-            </a:endParaRPr>
-          </a:p>
-        </p:txBody>
-      </p:sp>
-      <p:sp>
-        <p:nvSpPr>
-          <p:cNvPr id="15" name="Rectangle 14">
-            <a:extLst>
-              <a:ext uri="{FF2B5EF4-FFF2-40B4-BE49-F238E27FC236}">
-                <a16:creationId xmlns:a16="http://schemas.microsoft.com/office/drawing/2014/main" id="{43422907-9310-F942-83B0-09E1D79D6063}"/>
-              </a:ext>
-            </a:extLst>
-          </p:cNvPr>
-          <p:cNvSpPr/>
-          <p:nvPr/>
-        </p:nvSpPr>
-        <p:spPr>
-          <a:xfrm>
-            <a:off x="6791174" y="2692636"/>
-            <a:ext cx="2112597" cy="1754326"/>
-          </a:xfrm>
-          <a:prstGeom prst="rect">
-            <a:avLst/>
-          </a:prstGeom>
-          <a:solidFill>
-            <a:schemeClr val="bg1">
-              <a:lumMod val="95000"/>
-            </a:schemeClr>
-          </a:solidFill>
-        </p:spPr>
-        <p:txBody>
-          <a:bodyPr wrap="square">
-            <a:spAutoFit/>
-          </a:bodyPr>
-          <a:lstStyle/>
-          <a:p>
-            <a:pPr marL="90488" lvl="1" indent="44450" algn="ctr">
-              <a:tabLst/>
-            </a:pPr>
-            <a:endParaRPr lang="en-US" sz="1200" dirty="0">
-              <a:latin typeface="Avenir Next" panose="020B0503020202020204" pitchFamily="34" charset="0"/>
-              <a:ea typeface="Avenir Next" charset="0"/>
-              <a:cs typeface="Avenir Next" charset="0"/>
-            </a:endParaRPr>
-          </a:p>
-          <a:p>
-            <a:pPr marL="376238" lvl="1" indent="-285750">
-              <a:buFont typeface="Arial" panose="020B0604020202020204" pitchFamily="34" charset="0"/>
-              <a:buChar char="•"/>
-              <a:tabLst/>
-            </a:pPr>
-            <a:r>
-              <a:rPr lang="en-US" sz="1200" dirty="0">
-                <a:latin typeface="Avenir Next" panose="020B0503020202020204" pitchFamily="34" charset="0"/>
-                <a:ea typeface="Avenir Next" charset="0"/>
-                <a:cs typeface="Avenir Next" charset="0"/>
-              </a:rPr>
-              <a:t>Exhibit product at local and global conferences such as UN aid conference.</a:t>
-            </a:r>
-          </a:p>
-          <a:p>
-            <a:pPr marL="376238" lvl="1" indent="-285750">
-              <a:buFont typeface="Arial" panose="020B0604020202020204" pitchFamily="34" charset="0"/>
-              <a:buChar char="•"/>
-              <a:tabLst/>
-            </a:pPr>
-            <a:r>
-              <a:rPr lang="en-US" sz="1200" dirty="0">
-                <a:latin typeface="Avenir Next" panose="020B0503020202020204" pitchFamily="34" charset="0"/>
-                <a:ea typeface="Avenir Next" charset="0"/>
-                <a:cs typeface="Avenir Next" charset="0"/>
-              </a:rPr>
-              <a:t>Create a workshop and invite donors participate in awareness.</a:t>
-            </a:r>
-          </a:p>
-        </p:txBody>
-      </p:sp>
-      <p:sp>
-        <p:nvSpPr>
-          <p:cNvPr id="18" name="Rectangle 17">
-            <a:extLst>
-              <a:ext uri="{FF2B5EF4-FFF2-40B4-BE49-F238E27FC236}">
-                <a16:creationId xmlns:a16="http://schemas.microsoft.com/office/drawing/2014/main" id="{705F86E2-704A-F542-9003-E2942BEAE1FC}"/>
-              </a:ext>
-            </a:extLst>
-          </p:cNvPr>
-          <p:cNvSpPr/>
-          <p:nvPr/>
-        </p:nvSpPr>
-        <p:spPr>
-          <a:xfrm>
-            <a:off x="9419332" y="1677646"/>
-            <a:ext cx="2112596" cy="954107"/>
-          </a:xfrm>
-          <a:prstGeom prst="rect">
-            <a:avLst/>
-          </a:prstGeom>
-          <a:solidFill>
-            <a:srgbClr val="FFC000"/>
-          </a:solidFill>
-        </p:spPr>
-        <p:txBody>
-          <a:bodyPr wrap="square">
-            <a:spAutoFit/>
-          </a:bodyPr>
-          <a:lstStyle/>
-          <a:p>
-            <a:pPr marL="90488" lvl="1" indent="44450" algn="ctr">
-              <a:tabLst/>
-            </a:pPr>
-            <a:endParaRPr lang="en-US" sz="1400" b="1" dirty="0">
-              <a:solidFill>
-                <a:schemeClr val="bg1"/>
-              </a:solidFill>
-              <a:latin typeface="Avenir Next" panose="020B0503020202020204" pitchFamily="34" charset="0"/>
-              <a:ea typeface="Avenir Next" charset="0"/>
-              <a:cs typeface="Avenir Next" charset="0"/>
-            </a:endParaRPr>
-          </a:p>
-          <a:p>
-            <a:pPr marL="90488" lvl="1" indent="44450" algn="ctr">
-              <a:tabLst/>
-            </a:pPr>
-            <a:r>
-              <a:rPr lang="en-US" sz="1400" b="1" dirty="0">
-                <a:solidFill>
-                  <a:schemeClr val="bg1"/>
-                </a:solidFill>
-                <a:latin typeface="Avenir Next" panose="020B0503020202020204" pitchFamily="34" charset="0"/>
-                <a:ea typeface="Avenir Next" charset="0"/>
-                <a:cs typeface="Avenir Next" charset="0"/>
-              </a:rPr>
-              <a:t>CONTENT CREATION</a:t>
-            </a:r>
-          </a:p>
-          <a:p>
-            <a:pPr marL="90488" lvl="1" indent="44450" algn="ctr">
-              <a:tabLst/>
-            </a:pPr>
-            <a:endParaRPr lang="en-US" sz="1400" b="1" baseline="0" dirty="0">
-              <a:solidFill>
-                <a:schemeClr val="bg1"/>
-              </a:solidFill>
-              <a:latin typeface="Avenir Next" panose="020B0503020202020204" pitchFamily="34" charset="0"/>
-              <a:ea typeface="Avenir Next" charset="0"/>
-              <a:cs typeface="Avenir Next" charset="0"/>
-            </a:endParaRPr>
-          </a:p>
-        </p:txBody>
-      </p:sp>
-      <p:sp>
-        <p:nvSpPr>
-          <p:cNvPr id="19" name="Rectangle 18">
-            <a:extLst>
-              <a:ext uri="{FF2B5EF4-FFF2-40B4-BE49-F238E27FC236}">
-                <a16:creationId xmlns:a16="http://schemas.microsoft.com/office/drawing/2014/main" id="{688F1759-67D9-B24A-8902-AB6DF6957BA8}"/>
-              </a:ext>
-            </a:extLst>
-          </p:cNvPr>
-          <p:cNvSpPr/>
-          <p:nvPr/>
-        </p:nvSpPr>
-        <p:spPr>
-          <a:xfrm>
-            <a:off x="9419331" y="2705580"/>
-            <a:ext cx="2112597" cy="1754326"/>
-          </a:xfrm>
-          <a:prstGeom prst="rect">
-            <a:avLst/>
-          </a:prstGeom>
-          <a:solidFill>
-            <a:schemeClr val="bg1">
-              <a:lumMod val="95000"/>
-            </a:schemeClr>
-          </a:solidFill>
-        </p:spPr>
-        <p:txBody>
-          <a:bodyPr wrap="square">
-            <a:spAutoFit/>
-          </a:bodyPr>
-          <a:lstStyle/>
-          <a:p>
-            <a:pPr marL="90488" lvl="1" indent="44450" algn="ctr">
-              <a:tabLst/>
-            </a:pPr>
-            <a:endParaRPr lang="en-US" sz="1200" dirty="0">
-              <a:latin typeface="Avenir Next" panose="020B0503020202020204" pitchFamily="34" charset="0"/>
-              <a:ea typeface="Avenir Next" charset="0"/>
-              <a:cs typeface="Avenir Next" charset="0"/>
-            </a:endParaRPr>
-          </a:p>
-          <a:p>
-            <a:pPr marL="376238" lvl="1" indent="-285750">
-              <a:buFont typeface="Arial" panose="020B0604020202020204" pitchFamily="34" charset="0"/>
-              <a:buChar char="•"/>
-              <a:tabLst/>
-            </a:pPr>
-            <a:r>
-              <a:rPr lang="en-US" sz="1200" dirty="0">
-                <a:latin typeface="Avenir Next" panose="020B0503020202020204" pitchFamily="34" charset="0"/>
-                <a:ea typeface="Avenir Next" charset="0"/>
-                <a:cs typeface="Avenir Next" charset="0"/>
-              </a:rPr>
-              <a:t>Create marketing content, e.g. explainer video, infographics and distribute through social media.</a:t>
-            </a:r>
-          </a:p>
-          <a:p>
-            <a:pPr marL="376238" lvl="1" indent="-285750">
-              <a:buFont typeface="Arial" panose="020B0604020202020204" pitchFamily="34" charset="0"/>
-              <a:buChar char="•"/>
-              <a:tabLst/>
-            </a:pPr>
-            <a:r>
-              <a:rPr lang="en-US" sz="1200" dirty="0">
-                <a:latin typeface="Avenir Next" panose="020B0503020202020204" pitchFamily="34" charset="0"/>
-                <a:ea typeface="Avenir Next" charset="0"/>
-                <a:cs typeface="Avenir Next" charset="0"/>
-              </a:rPr>
-              <a:t>Advertise on platforms such as </a:t>
-            </a:r>
-            <a:r>
-              <a:rPr lang="en-US" sz="1200" dirty="0" err="1">
-                <a:latin typeface="Avenir Next" panose="020B0503020202020204" pitchFamily="34" charset="0"/>
-                <a:ea typeface="Avenir Next" charset="0"/>
-                <a:cs typeface="Avenir Next" charset="0"/>
-              </a:rPr>
-              <a:t>Devnet</a:t>
-            </a:r>
-            <a:r>
-              <a:rPr lang="en-US" sz="1200" dirty="0">
-                <a:latin typeface="Avenir Next" panose="020B0503020202020204" pitchFamily="34" charset="0"/>
-                <a:ea typeface="Avenir Next" charset="0"/>
-                <a:cs typeface="Avenir Next" charset="0"/>
-              </a:rPr>
-              <a:t>.</a:t>
-            </a:r>
-          </a:p>
-        </p:txBody>
-      </p:sp>
-      <p:sp>
-        <p:nvSpPr>
-          <p:cNvPr id="20" name="Rectangle 19">
-            <a:extLst>
-              <a:ext uri="{FF2B5EF4-FFF2-40B4-BE49-F238E27FC236}">
-                <a16:creationId xmlns:a16="http://schemas.microsoft.com/office/drawing/2014/main" id="{B647FBD8-7336-504D-A3F5-1E621AB92502}"/>
-              </a:ext>
-            </a:extLst>
-          </p:cNvPr>
-          <p:cNvSpPr/>
-          <p:nvPr/>
-        </p:nvSpPr>
-        <p:spPr>
-          <a:xfrm>
-            <a:off x="1534861" y="1677647"/>
-            <a:ext cx="2112596" cy="954107"/>
-          </a:xfrm>
-          <a:prstGeom prst="rect">
-            <a:avLst/>
-          </a:prstGeom>
-          <a:solidFill>
-            <a:srgbClr val="FFC000"/>
-          </a:solidFill>
-        </p:spPr>
-        <p:txBody>
-          <a:bodyPr wrap="square">
-            <a:spAutoFit/>
-          </a:bodyPr>
-          <a:lstStyle/>
-          <a:p>
-            <a:pPr marL="90488" lvl="1" indent="44450" algn="ctr">
-              <a:tabLst/>
-            </a:pPr>
-            <a:r>
-              <a:rPr lang="en-US" sz="1400" b="1" baseline="0" dirty="0">
-                <a:solidFill>
-                  <a:schemeClr val="bg1"/>
-                </a:solidFill>
-                <a:latin typeface="Avenir Next" panose="020B0503020202020204" pitchFamily="34" charset="0"/>
-                <a:ea typeface="Avenir Next" charset="0"/>
-                <a:cs typeface="Avenir Next" charset="0"/>
-              </a:rPr>
-              <a:t>DIRECT BUSINESS ENGAGEMENT (COLD CALLING)</a:t>
-            </a:r>
-          </a:p>
-          <a:p>
-            <a:pPr marL="90488" lvl="1" indent="44450" algn="ctr">
-              <a:tabLst/>
-            </a:pPr>
-            <a:endParaRPr lang="en-US" sz="1400" b="1" baseline="0" dirty="0">
-              <a:solidFill>
-                <a:schemeClr val="bg1"/>
-              </a:solidFill>
-              <a:latin typeface="Avenir Next" panose="020B0503020202020204" pitchFamily="34" charset="0"/>
-              <a:ea typeface="Avenir Next" charset="0"/>
-              <a:cs typeface="Avenir Next" charset="0"/>
-            </a:endParaRPr>
-          </a:p>
-        </p:txBody>
-      </p:sp>
-      <p:sp>
-        <p:nvSpPr>
-          <p:cNvPr id="21" name="Rectangle 20">
-            <a:extLst>
-              <a:ext uri="{FF2B5EF4-FFF2-40B4-BE49-F238E27FC236}">
-                <a16:creationId xmlns:a16="http://schemas.microsoft.com/office/drawing/2014/main" id="{1B5BD36F-C706-B14C-938D-5B52C52901DA}"/>
-              </a:ext>
-            </a:extLst>
-          </p:cNvPr>
-          <p:cNvSpPr/>
-          <p:nvPr/>
-        </p:nvSpPr>
-        <p:spPr>
-          <a:xfrm>
-            <a:off x="1534860" y="2692636"/>
-            <a:ext cx="2112597" cy="1754326"/>
-          </a:xfrm>
-          <a:prstGeom prst="rect">
-            <a:avLst/>
-          </a:prstGeom>
-          <a:solidFill>
-            <a:schemeClr val="bg1">
-              <a:lumMod val="95000"/>
-            </a:schemeClr>
-          </a:solidFill>
-        </p:spPr>
-        <p:txBody>
-          <a:bodyPr wrap="square">
-            <a:spAutoFit/>
-          </a:bodyPr>
-          <a:lstStyle/>
-          <a:p>
-            <a:pPr marL="90488" lvl="1" indent="44450" algn="ctr">
-              <a:tabLst/>
-            </a:pPr>
-            <a:endParaRPr lang="en-US" sz="1200" dirty="0">
-              <a:latin typeface="Avenir Next" panose="020B0503020202020204" pitchFamily="34" charset="0"/>
-              <a:ea typeface="Avenir Next" charset="0"/>
-              <a:cs typeface="Avenir Next" charset="0"/>
-            </a:endParaRPr>
-          </a:p>
-          <a:p>
-            <a:pPr marL="376238" lvl="1" indent="-285750">
-              <a:buFont typeface="Arial" panose="020B0604020202020204" pitchFamily="34" charset="0"/>
-              <a:buChar char="•"/>
-              <a:tabLst/>
-            </a:pPr>
-            <a:r>
-              <a:rPr lang="en-US" sz="1200" dirty="0">
-                <a:latin typeface="Avenir Next" panose="020B0503020202020204" pitchFamily="34" charset="0"/>
-                <a:ea typeface="Avenir Next" charset="0"/>
-                <a:cs typeface="Avenir Next" charset="0"/>
-              </a:rPr>
-              <a:t>Conduct an initial pilot and  target in country donors</a:t>
-            </a:r>
-          </a:p>
-          <a:p>
-            <a:pPr marL="376238" lvl="1" indent="-285750">
-              <a:buFont typeface="Arial" panose="020B0604020202020204" pitchFamily="34" charset="0"/>
-              <a:buChar char="•"/>
-              <a:tabLst/>
-            </a:pPr>
-            <a:r>
-              <a:rPr lang="en-US" sz="1200" dirty="0">
-                <a:latin typeface="Avenir Next" panose="020B0503020202020204" pitchFamily="34" charset="0"/>
-                <a:ea typeface="Avenir Next" charset="0"/>
-                <a:cs typeface="Avenir Next" charset="0"/>
-              </a:rPr>
-              <a:t>Target global donors (WFP, OXFAM) with working proof of concept.</a:t>
-            </a:r>
-          </a:p>
-          <a:p>
-            <a:pPr marL="376238" lvl="1" indent="-285750">
-              <a:buFont typeface="Arial" panose="020B0604020202020204" pitchFamily="34" charset="0"/>
-              <a:buChar char="•"/>
-              <a:tabLst/>
-            </a:pPr>
-            <a:endParaRPr lang="en-US" sz="1200" dirty="0">
-              <a:latin typeface="Avenir Next" panose="020B0503020202020204" pitchFamily="34" charset="0"/>
-              <a:ea typeface="Avenir Next" charset="0"/>
-              <a:cs typeface="Avenir Next" charset="0"/>
-            </a:endParaRPr>
-          </a:p>
-        </p:txBody>
-      </p:sp>
-    </p:spTree>
-    <p:extLst>
-      <p:ext uri="{BB962C8B-B14F-4D97-AF65-F5344CB8AC3E}">
-        <p14:creationId xmlns:p14="http://schemas.microsoft.com/office/powerpoint/2010/main" val="3888040991"/>
-      </p:ext>
-    </p:extLst>
-  </p:cSld>
-  <p:clrMapOvr>
-    <a:masterClrMapping/>
-  </p:clrMapOvr>
-</p:sld>
-</file>
-
-<file path=ppt/slides/slide9.xml><?xml version="1.0" encoding="utf-8"?>
-<p:sld xmlns:a="http://schemas.openxmlformats.org/drawingml/2006/main" xmlns:r="http://schemas.openxmlformats.org/officeDocument/2006/relationships" xmlns:p="http://schemas.openxmlformats.org/presentationml/2006/main">
-  <p:cSld>
-    <p:spTree>
-      <p:nvGrpSpPr>
-        <p:cNvPr id="1" name=""/>
-        <p:cNvGrpSpPr/>
-        <p:nvPr/>
-      </p:nvGrpSpPr>
-      <p:grpSpPr>
-        <a:xfrm>
-          <a:off x="0" y="0"/>
-          <a:ext cx="0" cy="0"/>
-          <a:chOff x="0" y="0"/>
-          <a:chExt cx="0" cy="0"/>
-        </a:xfrm>
-      </p:grpSpPr>
-      <p:sp>
-        <p:nvSpPr>
-          <p:cNvPr id="4" name="TextBox 3">
-            <a:extLst>
-              <a:ext uri="{FF2B5EF4-FFF2-40B4-BE49-F238E27FC236}">
-                <a16:creationId xmlns:a16="http://schemas.microsoft.com/office/drawing/2014/main" id="{481CBF74-2C2A-0142-8550-58B6CA321040}"/>
-              </a:ext>
-            </a:extLst>
-          </p:cNvPr>
-          <p:cNvSpPr txBox="1"/>
-          <p:nvPr/>
-        </p:nvSpPr>
-        <p:spPr>
-          <a:xfrm>
-            <a:off x="2711962" y="430992"/>
-            <a:ext cx="6411686" cy="523220"/>
-          </a:xfrm>
-          <a:prstGeom prst="rect">
-            <a:avLst/>
-          </a:prstGeom>
-          <a:noFill/>
-        </p:spPr>
-        <p:txBody>
-          <a:bodyPr wrap="square" rtlCol="0">
-            <a:spAutoFit/>
-          </a:bodyPr>
-          <a:lstStyle/>
-          <a:p>
-            <a:pPr algn="ctr" defTabSz="457200"/>
-            <a:r>
-              <a:rPr lang="en-US" sz="2800" b="1" dirty="0">
-                <a:solidFill>
-                  <a:schemeClr val="bg1">
-                    <a:lumMod val="50000"/>
-                  </a:schemeClr>
-                </a:solidFill>
-                <a:latin typeface="Avenir Next" charset="0"/>
-                <a:ea typeface="Avenir Next" charset="0"/>
-                <a:cs typeface="Avenir Next" charset="0"/>
-              </a:rPr>
-              <a:t>Future Developments</a:t>
-            </a:r>
-          </a:p>
-        </p:txBody>
-      </p:sp>
-    </p:spTree>
-    <p:extLst>
-      <p:ext uri="{BB962C8B-B14F-4D97-AF65-F5344CB8AC3E}">
-        <p14:creationId xmlns:p14="http://schemas.microsoft.com/office/powerpoint/2010/main" val="408102592"/>
       </p:ext>
     </p:extLst>
   </p:cSld>
